--- a/docs/Detail Project Report (DPR).pptx
+++ b/docs/Detail Project Report (DPR).pptx
@@ -2,7 +2,7 @@
 <file path=ppt/presentation.xml><?xml version="1.0" encoding="utf-8"?>
 <p:presentation xmlns:a="http://schemas.openxmlformats.org/drawingml/2006/main" xmlns:r="http://schemas.openxmlformats.org/officeDocument/2006/relationships" xmlns:p="http://schemas.openxmlformats.org/presentationml/2006/main" saveSubsetFonts="1" autoCompressPictures="0">
   <p:sldMasterIdLst>
-    <p:sldMasterId id="2147483789" r:id="rId4"/>
+    <p:sldMasterId id="2147484010" r:id="rId4"/>
   </p:sldMasterIdLst>
   <p:notesMasterIdLst>
     <p:notesMasterId r:id="rId20"/>
@@ -1882,7 +1882,7 @@
           </a:pathLst>
         </a:custGeom>
         <a:noFill/>
-        <a:ln w="9525" cap="rnd" cmpd="sng" algn="ctr">
+        <a:ln w="12700" cap="flat" cmpd="sng" algn="ctr">
           <a:solidFill>
             <a:schemeClr val="accent1">
               <a:hueOff val="0"/>
@@ -1955,7 +1955,7 @@
             <a:alphaOff val="0"/>
           </a:schemeClr>
         </a:solidFill>
-        <a:ln w="15875" cap="rnd" cmpd="sng" algn="ctr">
+        <a:ln w="15875" cap="flat" cmpd="sng" algn="ctr">
           <a:solidFill>
             <a:schemeClr val="lt1">
               <a:hueOff val="0"/>
@@ -2039,7 +2039,7 @@
           </a:pathLst>
         </a:custGeom>
         <a:noFill/>
-        <a:ln w="9525" cap="rnd" cmpd="sng" algn="ctr">
+        <a:ln w="12700" cap="flat" cmpd="sng" algn="ctr">
           <a:solidFill>
             <a:schemeClr val="accent1">
               <a:hueOff val="0"/>
@@ -2112,7 +2112,7 @@
             <a:alphaOff val="0"/>
           </a:schemeClr>
         </a:solidFill>
-        <a:ln w="15875" cap="rnd" cmpd="sng" algn="ctr">
+        <a:ln w="15875" cap="flat" cmpd="sng" algn="ctr">
           <a:solidFill>
             <a:schemeClr val="lt1">
               <a:hueOff val="0"/>
@@ -2196,7 +2196,7 @@
           </a:pathLst>
         </a:custGeom>
         <a:noFill/>
-        <a:ln w="9525" cap="rnd" cmpd="sng" algn="ctr">
+        <a:ln w="12700" cap="flat" cmpd="sng" algn="ctr">
           <a:solidFill>
             <a:schemeClr val="accent1">
               <a:hueOff val="0"/>
@@ -2269,7 +2269,7 @@
             <a:alphaOff val="0"/>
           </a:schemeClr>
         </a:solidFill>
-        <a:ln w="15875" cap="rnd" cmpd="sng" algn="ctr">
+        <a:ln w="15875" cap="flat" cmpd="sng" algn="ctr">
           <a:solidFill>
             <a:schemeClr val="lt1">
               <a:hueOff val="0"/>
@@ -2359,7 +2359,7 @@
           </a:pathLst>
         </a:custGeom>
         <a:noFill/>
-        <a:ln w="9525" cap="rnd" cmpd="sng" algn="ctr">
+        <a:ln w="12700" cap="flat" cmpd="sng" algn="ctr">
           <a:solidFill>
             <a:schemeClr val="accent1">
               <a:hueOff val="0"/>
@@ -2432,7 +2432,7 @@
             <a:alphaOff val="0"/>
           </a:schemeClr>
         </a:solidFill>
-        <a:ln w="15875" cap="rnd" cmpd="sng" algn="ctr">
+        <a:ln w="15875" cap="flat" cmpd="sng" algn="ctr">
           <a:solidFill>
             <a:schemeClr val="lt1">
               <a:hueOff val="0"/>
@@ -2516,7 +2516,7 @@
           </a:pathLst>
         </a:custGeom>
         <a:noFill/>
-        <a:ln w="9525" cap="rnd" cmpd="sng" algn="ctr">
+        <a:ln w="12700" cap="flat" cmpd="sng" algn="ctr">
           <a:solidFill>
             <a:schemeClr val="accent1">
               <a:hueOff val="0"/>
@@ -2589,7 +2589,7 @@
             <a:alphaOff val="0"/>
           </a:schemeClr>
         </a:solidFill>
-        <a:ln w="15875" cap="rnd" cmpd="sng" algn="ctr">
+        <a:ln w="15875" cap="flat" cmpd="sng" algn="ctr">
           <a:solidFill>
             <a:schemeClr val="lt1">
               <a:hueOff val="0"/>
@@ -2673,7 +2673,7 @@
           </a:pathLst>
         </a:custGeom>
         <a:noFill/>
-        <a:ln w="9525" cap="rnd" cmpd="sng" algn="ctr">
+        <a:ln w="12700" cap="flat" cmpd="sng" algn="ctr">
           <a:solidFill>
             <a:schemeClr val="accent1">
               <a:hueOff val="0"/>
@@ -2746,7 +2746,7 @@
             <a:alphaOff val="0"/>
           </a:schemeClr>
         </a:solidFill>
-        <a:ln w="15875" cap="rnd" cmpd="sng" algn="ctr">
+        <a:ln w="15875" cap="flat" cmpd="sng" algn="ctr">
           <a:solidFill>
             <a:schemeClr val="lt1">
               <a:hueOff val="0"/>
@@ -2831,7 +2831,7 @@
           </a:pathLst>
         </a:custGeom>
         <a:noFill/>
-        <a:ln w="9525" cap="rnd" cmpd="sng" algn="ctr">
+        <a:ln w="12700" cap="flat" cmpd="sng" algn="ctr">
           <a:solidFill>
             <a:schemeClr val="accent1">
               <a:hueOff val="0"/>
@@ -2904,7 +2904,7 @@
             <a:alphaOff val="0"/>
           </a:schemeClr>
         </a:solidFill>
-        <a:ln w="15875" cap="rnd" cmpd="sng" algn="ctr">
+        <a:ln w="15875" cap="flat" cmpd="sng" algn="ctr">
           <a:solidFill>
             <a:schemeClr val="lt1">
               <a:hueOff val="0"/>
@@ -2994,7 +2994,7 @@
           </a:pathLst>
         </a:custGeom>
         <a:noFill/>
-        <a:ln w="9525" cap="rnd" cmpd="sng" algn="ctr">
+        <a:ln w="12700" cap="flat" cmpd="sng" algn="ctr">
           <a:solidFill>
             <a:schemeClr val="accent1">
               <a:hueOff val="0"/>
@@ -3067,7 +3067,7 @@
             <a:alphaOff val="0"/>
           </a:schemeClr>
         </a:solidFill>
-        <a:ln w="15875" cap="rnd" cmpd="sng" algn="ctr">
+        <a:ln w="15875" cap="flat" cmpd="sng" algn="ctr">
           <a:solidFill>
             <a:schemeClr val="lt1">
               <a:hueOff val="0"/>
@@ -3151,7 +3151,7 @@
           </a:pathLst>
         </a:custGeom>
         <a:noFill/>
-        <a:ln w="9525" cap="rnd" cmpd="sng" algn="ctr">
+        <a:ln w="12700" cap="flat" cmpd="sng" algn="ctr">
           <a:solidFill>
             <a:schemeClr val="accent1">
               <a:hueOff val="0"/>
@@ -3224,7 +3224,7 @@
             <a:alphaOff val="0"/>
           </a:schemeClr>
         </a:solidFill>
-        <a:ln w="15875" cap="rnd" cmpd="sng" algn="ctr">
+        <a:ln w="15875" cap="flat" cmpd="sng" algn="ctr">
           <a:solidFill>
             <a:schemeClr val="lt1">
               <a:hueOff val="0"/>
@@ -3308,7 +3308,7 @@
           </a:pathLst>
         </a:custGeom>
         <a:noFill/>
-        <a:ln w="9525" cap="rnd" cmpd="sng" algn="ctr">
+        <a:ln w="12700" cap="flat" cmpd="sng" algn="ctr">
           <a:solidFill>
             <a:schemeClr val="accent1">
               <a:hueOff val="0"/>
@@ -3381,7 +3381,7 @@
             <a:alphaOff val="0"/>
           </a:schemeClr>
         </a:solidFill>
-        <a:ln w="15875" cap="rnd" cmpd="sng" algn="ctr">
+        <a:ln w="15875" cap="flat" cmpd="sng" algn="ctr">
           <a:solidFill>
             <a:schemeClr val="lt1">
               <a:hueOff val="0"/>
@@ -3465,7 +3465,7 @@
           </a:pathLst>
         </a:custGeom>
         <a:noFill/>
-        <a:ln w="9525" cap="rnd" cmpd="sng" algn="ctr">
+        <a:ln w="12700" cap="flat" cmpd="sng" algn="ctr">
           <a:solidFill>
             <a:schemeClr val="accent1">
               <a:hueOff val="0"/>
@@ -3538,7 +3538,7 @@
             <a:alphaOff val="0"/>
           </a:schemeClr>
         </a:solidFill>
-        <a:ln w="15875" cap="rnd" cmpd="sng" algn="ctr">
+        <a:ln w="15875" cap="flat" cmpd="sng" algn="ctr">
           <a:solidFill>
             <a:schemeClr val="lt1">
               <a:hueOff val="0"/>
@@ -3628,7 +3628,7 @@
           </a:pathLst>
         </a:custGeom>
         <a:noFill/>
-        <a:ln w="9525" cap="rnd" cmpd="sng" algn="ctr">
+        <a:ln w="12700" cap="flat" cmpd="sng" algn="ctr">
           <a:solidFill>
             <a:schemeClr val="accent1">
               <a:hueOff val="0"/>
@@ -3701,7 +3701,7 @@
             <a:alphaOff val="0"/>
           </a:schemeClr>
         </a:solidFill>
-        <a:ln w="15875" cap="rnd" cmpd="sng" algn="ctr">
+        <a:ln w="15875" cap="flat" cmpd="sng" algn="ctr">
           <a:solidFill>
             <a:schemeClr val="lt1">
               <a:hueOff val="0"/>
@@ -3785,7 +3785,7 @@
           </a:pathLst>
         </a:custGeom>
         <a:noFill/>
-        <a:ln w="9525" cap="rnd" cmpd="sng" algn="ctr">
+        <a:ln w="12700" cap="flat" cmpd="sng" algn="ctr">
           <a:solidFill>
             <a:schemeClr val="accent1">
               <a:hueOff val="0"/>
@@ -3858,7 +3858,7 @@
             <a:alphaOff val="0"/>
           </a:schemeClr>
         </a:solidFill>
-        <a:ln w="15875" cap="rnd" cmpd="sng" algn="ctr">
+        <a:ln w="15875" cap="flat" cmpd="sng" algn="ctr">
           <a:solidFill>
             <a:schemeClr val="lt1">
               <a:hueOff val="0"/>
@@ -3942,7 +3942,7 @@
           </a:pathLst>
         </a:custGeom>
         <a:noFill/>
-        <a:ln w="9525" cap="rnd" cmpd="sng" algn="ctr">
+        <a:ln w="12700" cap="flat" cmpd="sng" algn="ctr">
           <a:solidFill>
             <a:schemeClr val="accent1">
               <a:hueOff val="0"/>
@@ -4015,7 +4015,7 @@
             <a:alphaOff val="0"/>
           </a:schemeClr>
         </a:solidFill>
-        <a:ln w="15875" cap="rnd" cmpd="sng" algn="ctr">
+        <a:ln w="15875" cap="flat" cmpd="sng" algn="ctr">
           <a:solidFill>
             <a:schemeClr val="lt1">
               <a:hueOff val="0"/>
@@ -4105,7 +4105,7 @@
           </a:pathLst>
         </a:custGeom>
         <a:noFill/>
-        <a:ln w="9525" cap="rnd" cmpd="sng" algn="ctr">
+        <a:ln w="12700" cap="flat" cmpd="sng" algn="ctr">
           <a:solidFill>
             <a:schemeClr val="accent1">
               <a:hueOff val="0"/>
@@ -4178,7 +4178,7 @@
             <a:alphaOff val="0"/>
           </a:schemeClr>
         </a:solidFill>
-        <a:ln w="15875" cap="rnd" cmpd="sng" algn="ctr">
+        <a:ln w="15875" cap="flat" cmpd="sng" algn="ctr">
           <a:solidFill>
             <a:schemeClr val="lt1">
               <a:hueOff val="0"/>
@@ -4255,7 +4255,7 @@
             <a:alphaOff val="0"/>
           </a:schemeClr>
         </a:solidFill>
-        <a:ln w="15875" cap="rnd" cmpd="sng" algn="ctr">
+        <a:ln w="15875" cap="flat" cmpd="sng" algn="ctr">
           <a:solidFill>
             <a:schemeClr val="lt1">
               <a:hueOff val="0"/>
@@ -5619,7 +5619,7 @@
           <a:p>
             <a:fld id="{AFD01546-198A-4195-BCF8-F0FF54C90E5E}" type="datetimeFigureOut">
               <a:rPr lang="en-US" smtClean="0"/>
-              <a:t>2/23/2023</a:t>
+              <a:t>9/23/2023</a:t>
             </a:fld>
             <a:endParaRPr lang="en-US" dirty="0"/>
           </a:p>
@@ -6047,319 +6047,82 @@
           <a:chExt cx="0" cy="0"/>
         </a:xfrm>
       </p:grpSpPr>
-      <p:grpSp>
-        <p:nvGrpSpPr>
-          <p:cNvPr id="19" name="Group 18"/>
-          <p:cNvGrpSpPr/>
+      <p:sp>
+        <p:nvSpPr>
+          <p:cNvPr id="7" name="Rectangle 6"/>
+          <p:cNvSpPr/>
           <p:nvPr/>
-        </p:nvGrpSpPr>
-        <p:grpSpPr>
+        </p:nvSpPr>
+        <p:spPr>
           <a:xfrm>
-            <a:off x="546100" y="-4763"/>
-            <a:ext cx="5014912" cy="6862763"/>
-            <a:chOff x="2928938" y="-4763"/>
-            <a:chExt cx="5014912" cy="6862763"/>
+            <a:off x="3175" y="6400800"/>
+            <a:ext cx="12188825" cy="457200"/>
           </a:xfrm>
-        </p:grpSpPr>
-        <p:sp>
-          <p:nvSpPr>
-            <p:cNvPr id="22" name="Freeform 6"/>
-            <p:cNvSpPr/>
-            <p:nvPr/>
-          </p:nvSpPr>
-          <p:spPr bwMode="auto">
-            <a:xfrm>
-              <a:off x="3367088" y="-4763"/>
-              <a:ext cx="1063625" cy="2782888"/>
-            </a:xfrm>
-            <a:custGeom>
-              <a:avLst/>
-              <a:gdLst/>
-              <a:ahLst/>
-              <a:cxnLst/>
-              <a:rect l="0" t="0" r="r" b="b"/>
-              <a:pathLst>
-                <a:path w="670" h="1753">
-                  <a:moveTo>
-                    <a:pt x="0" y="1696"/>
-                  </a:moveTo>
-                  <a:lnTo>
-                    <a:pt x="225" y="1753"/>
-                  </a:lnTo>
-                  <a:lnTo>
-                    <a:pt x="670" y="0"/>
-                  </a:lnTo>
-                  <a:lnTo>
-                    <a:pt x="430" y="0"/>
-                  </a:lnTo>
-                  <a:lnTo>
-                    <a:pt x="0" y="1696"/>
-                  </a:lnTo>
-                  <a:close/>
-                </a:path>
-              </a:pathLst>
-            </a:custGeom>
-            <a:solidFill>
-              <a:schemeClr val="accent1"/>
-            </a:solidFill>
-            <a:ln>
-              <a:noFill/>
-            </a:ln>
-          </p:spPr>
-        </p:sp>
-        <p:sp>
-          <p:nvSpPr>
-            <p:cNvPr id="23" name="Freeform 7"/>
-            <p:cNvSpPr/>
-            <p:nvPr/>
-          </p:nvSpPr>
-          <p:spPr bwMode="auto">
-            <a:xfrm>
-              <a:off x="2928938" y="-4763"/>
-              <a:ext cx="1035050" cy="2673350"/>
-            </a:xfrm>
-            <a:custGeom>
-              <a:avLst/>
-              <a:gdLst/>
-              <a:ahLst/>
-              <a:cxnLst/>
-              <a:rect l="0" t="0" r="r" b="b"/>
-              <a:pathLst>
-                <a:path w="652" h="1684">
-                  <a:moveTo>
-                    <a:pt x="225" y="1684"/>
-                  </a:moveTo>
-                  <a:lnTo>
-                    <a:pt x="652" y="0"/>
-                  </a:lnTo>
-                  <a:lnTo>
-                    <a:pt x="411" y="0"/>
-                  </a:lnTo>
-                  <a:lnTo>
-                    <a:pt x="0" y="1627"/>
-                  </a:lnTo>
-                  <a:lnTo>
-                    <a:pt x="219" y="1681"/>
-                  </a:lnTo>
-                  <a:lnTo>
-                    <a:pt x="225" y="1684"/>
-                  </a:lnTo>
-                  <a:close/>
-                </a:path>
-              </a:pathLst>
-            </a:custGeom>
-            <a:solidFill>
-              <a:schemeClr val="tx1">
-                <a:lumMod val="65000"/>
-                <a:lumOff val="35000"/>
-              </a:schemeClr>
-            </a:solidFill>
-            <a:ln>
-              <a:noFill/>
-            </a:ln>
-          </p:spPr>
-        </p:sp>
-        <p:sp>
-          <p:nvSpPr>
-            <p:cNvPr id="24" name="Freeform 9"/>
-            <p:cNvSpPr/>
-            <p:nvPr/>
-          </p:nvSpPr>
-          <p:spPr bwMode="auto">
-            <a:xfrm>
-              <a:off x="2928938" y="2582862"/>
-              <a:ext cx="2693987" cy="4275138"/>
-            </a:xfrm>
-            <a:custGeom>
-              <a:avLst/>
-              <a:gdLst/>
-              <a:ahLst/>
-              <a:cxnLst/>
-              <a:rect l="0" t="0" r="r" b="b"/>
-              <a:pathLst>
-                <a:path w="1697" h="2693">
-                  <a:moveTo>
-                    <a:pt x="0" y="0"/>
-                  </a:moveTo>
-                  <a:lnTo>
-                    <a:pt x="1622" y="2693"/>
-                  </a:lnTo>
-                  <a:lnTo>
-                    <a:pt x="1697" y="2693"/>
-                  </a:lnTo>
-                  <a:lnTo>
-                    <a:pt x="0" y="0"/>
-                  </a:lnTo>
-                  <a:close/>
-                </a:path>
-              </a:pathLst>
-            </a:custGeom>
-            <a:solidFill>
-              <a:schemeClr val="tx1">
-                <a:lumMod val="85000"/>
-                <a:lumOff val="15000"/>
-              </a:schemeClr>
-            </a:solidFill>
-            <a:ln>
-              <a:noFill/>
-            </a:ln>
-          </p:spPr>
-        </p:sp>
-        <p:sp>
-          <p:nvSpPr>
-            <p:cNvPr id="25" name="Freeform 10"/>
-            <p:cNvSpPr/>
-            <p:nvPr/>
-          </p:nvSpPr>
-          <p:spPr bwMode="auto">
-            <a:xfrm>
-              <a:off x="3371850" y="2692400"/>
-              <a:ext cx="3332162" cy="4165600"/>
-            </a:xfrm>
-            <a:custGeom>
-              <a:avLst/>
-              <a:gdLst/>
-              <a:ahLst/>
-              <a:cxnLst/>
-              <a:rect l="0" t="0" r="r" b="b"/>
-              <a:pathLst>
-                <a:path w="2099" h="2624">
-                  <a:moveTo>
-                    <a:pt x="2099" y="2624"/>
-                  </a:moveTo>
-                  <a:lnTo>
-                    <a:pt x="0" y="0"/>
-                  </a:lnTo>
-                  <a:lnTo>
-                    <a:pt x="2021" y="2624"/>
-                  </a:lnTo>
-                  <a:lnTo>
-                    <a:pt x="2099" y="2624"/>
-                  </a:lnTo>
-                  <a:close/>
-                </a:path>
-              </a:pathLst>
-            </a:custGeom>
-            <a:solidFill>
-              <a:schemeClr val="accent1">
-                <a:lumMod val="50000"/>
-              </a:schemeClr>
-            </a:solidFill>
-            <a:ln>
-              <a:noFill/>
-            </a:ln>
-          </p:spPr>
-        </p:sp>
-        <p:sp>
-          <p:nvSpPr>
-            <p:cNvPr id="26" name="Freeform 11"/>
-            <p:cNvSpPr/>
-            <p:nvPr/>
-          </p:nvSpPr>
-          <p:spPr bwMode="auto">
-            <a:xfrm>
-              <a:off x="3367088" y="2687637"/>
-              <a:ext cx="4576762" cy="4170363"/>
-            </a:xfrm>
-            <a:custGeom>
-              <a:avLst/>
-              <a:gdLst/>
-              <a:ahLst/>
-              <a:cxnLst/>
-              <a:rect l="0" t="0" r="r" b="b"/>
-              <a:pathLst>
-                <a:path w="2883" h="2627">
-                  <a:moveTo>
-                    <a:pt x="0" y="0"/>
-                  </a:moveTo>
-                  <a:lnTo>
-                    <a:pt x="3" y="3"/>
-                  </a:lnTo>
-                  <a:lnTo>
-                    <a:pt x="2102" y="2627"/>
-                  </a:lnTo>
-                  <a:lnTo>
-                    <a:pt x="2883" y="2627"/>
-                  </a:lnTo>
-                  <a:lnTo>
-                    <a:pt x="225" y="57"/>
-                  </a:lnTo>
-                  <a:lnTo>
-                    <a:pt x="0" y="0"/>
-                  </a:lnTo>
-                  <a:close/>
-                </a:path>
-              </a:pathLst>
-            </a:custGeom>
-            <a:solidFill>
-              <a:schemeClr val="accent1">
-                <a:lumMod val="75000"/>
-              </a:schemeClr>
-            </a:solidFill>
-            <a:ln>
-              <a:noFill/>
-            </a:ln>
-          </p:spPr>
-        </p:sp>
-        <p:sp>
-          <p:nvSpPr>
-            <p:cNvPr id="27" name="Freeform 12"/>
-            <p:cNvSpPr/>
-            <p:nvPr/>
-          </p:nvSpPr>
-          <p:spPr bwMode="auto">
-            <a:xfrm>
-              <a:off x="2928938" y="2578100"/>
-              <a:ext cx="3584575" cy="4279900"/>
-            </a:xfrm>
-            <a:custGeom>
-              <a:avLst/>
-              <a:gdLst/>
-              <a:ahLst/>
-              <a:cxnLst/>
-              <a:rect l="0" t="0" r="r" b="b"/>
-              <a:pathLst>
-                <a:path w="2258" h="2696">
-                  <a:moveTo>
-                    <a:pt x="2258" y="2696"/>
-                  </a:moveTo>
-                  <a:lnTo>
-                    <a:pt x="264" y="111"/>
-                  </a:lnTo>
-                  <a:lnTo>
-                    <a:pt x="228" y="60"/>
-                  </a:lnTo>
-                  <a:lnTo>
-                    <a:pt x="225" y="57"/>
-                  </a:lnTo>
-                  <a:lnTo>
-                    <a:pt x="0" y="0"/>
-                  </a:lnTo>
-                  <a:lnTo>
-                    <a:pt x="0" y="3"/>
-                  </a:lnTo>
-                  <a:lnTo>
-                    <a:pt x="1697" y="2696"/>
-                  </a:lnTo>
-                  <a:lnTo>
-                    <a:pt x="2258" y="2696"/>
-                  </a:lnTo>
-                  <a:close/>
-                </a:path>
-              </a:pathLst>
-            </a:custGeom>
-            <a:solidFill>
-              <a:schemeClr val="tx1">
-                <a:lumMod val="75000"/>
-                <a:lumOff val="25000"/>
-              </a:schemeClr>
-            </a:solidFill>
-            <a:ln>
-              <a:noFill/>
-            </a:ln>
-          </p:spPr>
-        </p:sp>
-      </p:grpSp>
+          <a:prstGeom prst="rect">
+            <a:avLst/>
+          </a:prstGeom>
+          <a:solidFill>
+            <a:schemeClr val="accent2"/>
+          </a:solidFill>
+          <a:ln>
+            <a:noFill/>
+          </a:ln>
+        </p:spPr>
+        <p:style>
+          <a:lnRef idx="2">
+            <a:schemeClr val="accent1">
+              <a:shade val="50000"/>
+            </a:schemeClr>
+          </a:lnRef>
+          <a:fillRef idx="1">
+            <a:schemeClr val="accent1"/>
+          </a:fillRef>
+          <a:effectRef idx="0">
+            <a:schemeClr val="accent1"/>
+          </a:effectRef>
+          <a:fontRef idx="minor">
+            <a:schemeClr val="lt1"/>
+          </a:fontRef>
+        </p:style>
+      </p:sp>
+      <p:sp>
+        <p:nvSpPr>
+          <p:cNvPr id="8" name="Rectangle 7"/>
+          <p:cNvSpPr/>
+          <p:nvPr/>
+        </p:nvSpPr>
+        <p:spPr>
+          <a:xfrm>
+            <a:off x="15" y="6334316"/>
+            <a:ext cx="12188825" cy="64008"/>
+          </a:xfrm>
+          <a:prstGeom prst="rect">
+            <a:avLst/>
+          </a:prstGeom>
+          <a:solidFill>
+            <a:schemeClr val="accent1"/>
+          </a:solidFill>
+          <a:ln>
+            <a:noFill/>
+          </a:ln>
+        </p:spPr>
+        <p:style>
+          <a:lnRef idx="2">
+            <a:schemeClr val="accent1">
+              <a:shade val="50000"/>
+            </a:schemeClr>
+          </a:lnRef>
+          <a:fillRef idx="1">
+            <a:schemeClr val="accent1"/>
+          </a:fillRef>
+          <a:effectRef idx="0">
+            <a:schemeClr val="accent1"/>
+          </a:effectRef>
+          <a:fontRef idx="minor">
+            <a:schemeClr val="lt1"/>
+          </a:fontRef>
+        </p:style>
+      </p:sp>
       <p:sp>
         <p:nvSpPr>
           <p:cNvPr id="2" name="Title 1"/>
@@ -6372,8 +6135,8 @@
         </p:nvSpPr>
         <p:spPr>
           <a:xfrm>
-            <a:off x="2928401" y="1380068"/>
-            <a:ext cx="8574622" cy="2616199"/>
+            <a:off x="1097280" y="758952"/>
+            <a:ext cx="10058400" cy="3566160"/>
           </a:xfrm>
         </p:spPr>
         <p:txBody>
@@ -6381,9 +6144,17 @@
             <a:normAutofit/>
           </a:bodyPr>
           <a:lstStyle>
-            <a:lvl1pPr algn="r">
-              <a:defRPr sz="6000">
-                <a:effectLst/>
+            <a:lvl1pPr algn="l">
+              <a:lnSpc>
+                <a:spcPct val="85000"/>
+              </a:lnSpc>
+              <a:defRPr sz="8000" spc="-50" baseline="0">
+                <a:solidFill>
+                  <a:schemeClr val="tx1">
+                    <a:lumMod val="85000"/>
+                    <a:lumOff val="15000"/>
+                  </a:schemeClr>
+                </a:solidFill>
               </a:defRPr>
             </a:lvl1pPr>
           </a:lstStyle>
@@ -6408,102 +6179,55 @@
         </p:nvSpPr>
         <p:spPr>
           <a:xfrm>
-            <a:off x="4515377" y="3996267"/>
-            <a:ext cx="6987645" cy="1388534"/>
+            <a:off x="1100051" y="4455620"/>
+            <a:ext cx="10058400" cy="1143000"/>
           </a:xfrm>
         </p:spPr>
         <p:txBody>
-          <a:bodyPr anchor="t">
+          <a:bodyPr lIns="91440" rIns="91440">
             <a:normAutofit/>
           </a:bodyPr>
           <a:lstStyle>
-            <a:lvl1pPr marL="0" indent="0" algn="r">
+            <a:lvl1pPr marL="0" indent="0" algn="l">
               <a:buNone/>
-              <a:defRPr sz="2100">
+              <a:defRPr sz="2400" cap="all" spc="200" baseline="0">
                 <a:solidFill>
-                  <a:schemeClr val="tx1"/>
+                  <a:schemeClr val="tx2"/>
                 </a:solidFill>
+                <a:latin typeface="+mj-lt"/>
               </a:defRPr>
             </a:lvl1pPr>
             <a:lvl2pPr marL="457200" indent="0" algn="ctr">
               <a:buNone/>
-              <a:defRPr>
-                <a:solidFill>
-                  <a:schemeClr val="tx1">
-                    <a:tint val="75000"/>
-                  </a:schemeClr>
-                </a:solidFill>
-              </a:defRPr>
+              <a:defRPr sz="2400"/>
             </a:lvl2pPr>
             <a:lvl3pPr marL="914400" indent="0" algn="ctr">
               <a:buNone/>
-              <a:defRPr>
-                <a:solidFill>
-                  <a:schemeClr val="tx1">
-                    <a:tint val="75000"/>
-                  </a:schemeClr>
-                </a:solidFill>
-              </a:defRPr>
+              <a:defRPr sz="2400"/>
             </a:lvl3pPr>
             <a:lvl4pPr marL="1371600" indent="0" algn="ctr">
               <a:buNone/>
-              <a:defRPr>
-                <a:solidFill>
-                  <a:schemeClr val="tx1">
-                    <a:tint val="75000"/>
-                  </a:schemeClr>
-                </a:solidFill>
-              </a:defRPr>
+              <a:defRPr sz="2000"/>
             </a:lvl4pPr>
             <a:lvl5pPr marL="1828800" indent="0" algn="ctr">
               <a:buNone/>
-              <a:defRPr>
-                <a:solidFill>
-                  <a:schemeClr val="tx1">
-                    <a:tint val="75000"/>
-                  </a:schemeClr>
-                </a:solidFill>
-              </a:defRPr>
+              <a:defRPr sz="2000"/>
             </a:lvl5pPr>
             <a:lvl6pPr marL="2286000" indent="0" algn="ctr">
               <a:buNone/>
-              <a:defRPr>
-                <a:solidFill>
-                  <a:schemeClr val="tx1">
-                    <a:tint val="75000"/>
-                  </a:schemeClr>
-                </a:solidFill>
-              </a:defRPr>
+              <a:defRPr sz="2000"/>
             </a:lvl6pPr>
             <a:lvl7pPr marL="2743200" indent="0" algn="ctr">
               <a:buNone/>
-              <a:defRPr>
-                <a:solidFill>
-                  <a:schemeClr val="tx1">
-                    <a:tint val="75000"/>
-                  </a:schemeClr>
-                </a:solidFill>
-              </a:defRPr>
+              <a:defRPr sz="2000"/>
             </a:lvl7pPr>
             <a:lvl8pPr marL="3200400" indent="0" algn="ctr">
               <a:buNone/>
-              <a:defRPr>
-                <a:solidFill>
-                  <a:schemeClr val="tx1">
-                    <a:tint val="75000"/>
-                  </a:schemeClr>
-                </a:solidFill>
-              </a:defRPr>
+              <a:defRPr sz="2000"/>
             </a:lvl8pPr>
             <a:lvl9pPr marL="3657600" indent="0" algn="ctr">
               <a:buNone/>
-              <a:defRPr>
-                <a:solidFill>
-                  <a:schemeClr val="tx1">
-                    <a:tint val="75000"/>
-                  </a:schemeClr>
-                </a:solidFill>
-              </a:defRPr>
+              <a:defRPr sz="2000"/>
             </a:lvl9pPr>
           </a:lstStyle>
           <a:p>
@@ -6532,7 +6256,7 @@
           <a:p>
             <a:fld id="{88D38747-4367-4BD2-8D51-C97E202738E2}" type="datetime1">
               <a:rPr lang="en-US" smtClean="0"/>
-              <a:t>2/23/2023</a:t>
+              <a:t>9/23/2023</a:t>
             </a:fld>
             <a:endParaRPr lang="en-US" dirty="0"/>
           </a:p>
@@ -6548,12 +6272,7 @@
             <p:ph type="ftr" sz="quarter" idx="11"/>
           </p:nvPr>
         </p:nvSpPr>
-        <p:spPr>
-          <a:xfrm>
-            <a:off x="5332412" y="5883275"/>
-            <a:ext cx="4324044" cy="365125"/>
-          </a:xfrm>
-        </p:spPr>
+        <p:spPr/>
         <p:txBody>
           <a:bodyPr/>
           <a:lstStyle/>
@@ -6586,10 +6305,48 @@
           </a:p>
         </p:txBody>
       </p:sp>
+      <p:cxnSp>
+        <p:nvCxnSpPr>
+          <p:cNvPr id="9" name="Straight Connector 8"/>
+          <p:cNvCxnSpPr/>
+          <p:nvPr/>
+        </p:nvCxnSpPr>
+        <p:spPr>
+          <a:xfrm>
+            <a:off x="1207658" y="4343400"/>
+            <a:ext cx="9875520" cy="0"/>
+          </a:xfrm>
+          <a:prstGeom prst="line">
+            <a:avLst/>
+          </a:prstGeom>
+          <a:ln w="6350">
+            <a:solidFill>
+              <a:schemeClr val="tx1">
+                <a:lumMod val="50000"/>
+                <a:lumOff val="50000"/>
+              </a:schemeClr>
+            </a:solidFill>
+          </a:ln>
+        </p:spPr>
+        <p:style>
+          <a:lnRef idx="1">
+            <a:schemeClr val="accent1"/>
+          </a:lnRef>
+          <a:fillRef idx="0">
+            <a:schemeClr val="accent1"/>
+          </a:fillRef>
+          <a:effectRef idx="0">
+            <a:schemeClr val="accent1"/>
+          </a:effectRef>
+          <a:fontRef idx="minor">
+            <a:schemeClr val="tx1"/>
+          </a:fontRef>
+        </p:style>
+      </p:cxnSp>
     </p:spTree>
     <p:extLst>
       <p:ext uri="{BB962C8B-B14F-4D97-AF65-F5344CB8AC3E}">
-        <p14:creationId xmlns:p14="http://schemas.microsoft.com/office/powerpoint/2010/main" val="616960160"/>
+        <p14:creationId xmlns:p14="http://schemas.microsoft.com/office/powerpoint/2010/main" val="1817572149"/>
       </p:ext>
     </p:extLst>
   </p:cSld>
@@ -6600,8 +6357,8 @@
 </file>
 
 <file path=ppt/slideLayouts/slideLayout10.xml><?xml version="1.0" encoding="utf-8"?>
-<p:sldLayout xmlns:a="http://schemas.openxmlformats.org/drawingml/2006/main" xmlns:r="http://schemas.openxmlformats.org/officeDocument/2006/relationships" xmlns:p="http://schemas.openxmlformats.org/presentationml/2006/main" preserve="1">
-  <p:cSld name="Panoramic Picture with Caption">
+<p:sldLayout xmlns:a="http://schemas.openxmlformats.org/drawingml/2006/main" xmlns:r="http://schemas.openxmlformats.org/officeDocument/2006/relationships" xmlns:p="http://schemas.openxmlformats.org/presentationml/2006/main" type="vertTx" preserve="1">
+  <p:cSld name="Title and Vertical Text">
     <p:spTree>
       <p:nvGrpSpPr>
         <p:cNvPr id="1" name=""/>
@@ -6626,21 +6383,10 @@
             <p:ph type="title"/>
           </p:nvPr>
         </p:nvSpPr>
-        <p:spPr>
-          <a:xfrm>
-            <a:off x="1484311" y="4732865"/>
-            <a:ext cx="10018711" cy="566738"/>
-          </a:xfrm>
-        </p:spPr>
+        <p:spPr/>
         <p:txBody>
-          <a:bodyPr anchor="b">
-            <a:normAutofit/>
-          </a:bodyPr>
-          <a:lstStyle>
-            <a:lvl1pPr algn="ctr">
-              <a:defRPr sz="2400" b="0"/>
-            </a:lvl1pPr>
-          </a:lstStyle>
+          <a:bodyPr/>
+          <a:lstStyle/>
           <a:p>
             <a:r>
               <a:rPr lang="en-US"/>
@@ -6652,157 +6398,18 @@
       </p:sp>
       <p:sp>
         <p:nvSpPr>
-          <p:cNvPr id="3" name="Picture Placeholder 2"/>
-          <p:cNvSpPr>
-            <a:spLocks noGrp="1" noChangeAspect="1"/>
-          </p:cNvSpPr>
-          <p:nvPr>
-            <p:ph type="pic" idx="1"/>
-          </p:nvPr>
-        </p:nvSpPr>
-        <p:spPr>
-          <a:xfrm>
-            <a:off x="2386012" y="932112"/>
-            <a:ext cx="8225944" cy="3164976"/>
-          </a:xfrm>
-          <a:prstGeom prst="roundRect">
-            <a:avLst>
-              <a:gd name="adj" fmla="val 4380"/>
-            </a:avLst>
-          </a:prstGeom>
-          <a:ln w="38100">
-            <a:gradFill flip="none" rotWithShape="1">
-              <a:gsLst>
-                <a:gs pos="0">
-                  <a:schemeClr val="bg2"/>
-                </a:gs>
-                <a:gs pos="100000">
-                  <a:schemeClr val="bg2">
-                    <a:lumMod val="75000"/>
-                  </a:schemeClr>
-                </a:gs>
-              </a:gsLst>
-              <a:lin ang="5400000" scaled="0"/>
-              <a:tileRect/>
-            </a:gradFill>
-          </a:ln>
-          <a:effectLst>
-            <a:innerShdw blurRad="57150" dist="38100" dir="14460000">
-              <a:srgbClr val="000000">
-                <a:alpha val="70000"/>
-              </a:srgbClr>
-            </a:innerShdw>
-          </a:effectLst>
-        </p:spPr>
-        <p:txBody>
-          <a:bodyPr anchor="t">
-            <a:normAutofit/>
-          </a:bodyPr>
-          <a:lstStyle>
-            <a:lvl1pPr marL="0" indent="0" algn="ctr">
-              <a:buNone/>
-              <a:defRPr sz="1600"/>
-            </a:lvl1pPr>
-            <a:lvl2pPr marL="457200" indent="0">
-              <a:buNone/>
-              <a:defRPr sz="1600"/>
-            </a:lvl2pPr>
-            <a:lvl3pPr marL="914400" indent="0">
-              <a:buNone/>
-              <a:defRPr sz="1600"/>
-            </a:lvl3pPr>
-            <a:lvl4pPr marL="1371600" indent="0">
-              <a:buNone/>
-              <a:defRPr sz="1600"/>
-            </a:lvl4pPr>
-            <a:lvl5pPr marL="1828800" indent="0">
-              <a:buNone/>
-              <a:defRPr sz="1600"/>
-            </a:lvl5pPr>
-            <a:lvl6pPr marL="2286000" indent="0">
-              <a:buNone/>
-              <a:defRPr sz="1600"/>
-            </a:lvl6pPr>
-            <a:lvl7pPr marL="2743200" indent="0">
-              <a:buNone/>
-              <a:defRPr sz="1600"/>
-            </a:lvl7pPr>
-            <a:lvl8pPr marL="3200400" indent="0">
-              <a:buNone/>
-              <a:defRPr sz="1600"/>
-            </a:lvl8pPr>
-            <a:lvl9pPr marL="3657600" indent="0">
-              <a:buNone/>
-              <a:defRPr sz="1600"/>
-            </a:lvl9pPr>
-          </a:lstStyle>
-          <a:p>
-            <a:r>
-              <a:rPr lang="en-US"/>
-              <a:t>Click icon to add picture</a:t>
-            </a:r>
-            <a:endParaRPr lang="en-US" dirty="0"/>
-          </a:p>
-        </p:txBody>
-      </p:sp>
-      <p:sp>
-        <p:nvSpPr>
-          <p:cNvPr id="4" name="Text Placeholder 3"/>
+          <p:cNvPr id="3" name="Vertical Text Placeholder 2"/>
           <p:cNvSpPr>
             <a:spLocks noGrp="1"/>
           </p:cNvSpPr>
           <p:nvPr>
-            <p:ph type="body" sz="half" idx="2"/>
+            <p:ph type="body" orient="vert" idx="1"/>
           </p:nvPr>
         </p:nvSpPr>
-        <p:spPr>
-          <a:xfrm>
-            <a:off x="1484311" y="5299603"/>
-            <a:ext cx="10018711" cy="493712"/>
-          </a:xfrm>
-        </p:spPr>
+        <p:spPr/>
         <p:txBody>
-          <a:bodyPr>
-            <a:normAutofit/>
-          </a:bodyPr>
-          <a:lstStyle>
-            <a:lvl1pPr marL="0" indent="0" algn="ctr">
-              <a:buNone/>
-              <a:defRPr sz="1400"/>
-            </a:lvl1pPr>
-            <a:lvl2pPr marL="457200" indent="0">
-              <a:buNone/>
-              <a:defRPr sz="1200"/>
-            </a:lvl2pPr>
-            <a:lvl3pPr marL="914400" indent="0">
-              <a:buNone/>
-              <a:defRPr sz="1000"/>
-            </a:lvl3pPr>
-            <a:lvl4pPr marL="1371600" indent="0">
-              <a:buNone/>
-              <a:defRPr sz="900"/>
-            </a:lvl4pPr>
-            <a:lvl5pPr marL="1828800" indent="0">
-              <a:buNone/>
-              <a:defRPr sz="900"/>
-            </a:lvl5pPr>
-            <a:lvl6pPr marL="2286000" indent="0">
-              <a:buNone/>
-              <a:defRPr sz="900"/>
-            </a:lvl6pPr>
-            <a:lvl7pPr marL="2743200" indent="0">
-              <a:buNone/>
-              <a:defRPr sz="900"/>
-            </a:lvl7pPr>
-            <a:lvl8pPr marL="3200400" indent="0">
-              <a:buNone/>
-              <a:defRPr sz="900"/>
-            </a:lvl8pPr>
-            <a:lvl9pPr marL="3657600" indent="0">
-              <a:buNone/>
-              <a:defRPr sz="900"/>
-            </a:lvl9pPr>
-          </a:lstStyle>
+          <a:bodyPr vert="eaVert" lIns="45720" tIns="0" rIns="45720" bIns="0"/>
+          <a:lstStyle/>
           <a:p>
             <a:pPr lvl="0"/>
             <a:r>
@@ -6810,11 +6417,40 @@
               <a:t>Click to edit Master text styles</a:t>
             </a:r>
           </a:p>
+          <a:p>
+            <a:pPr lvl="1"/>
+            <a:r>
+              <a:rPr lang="en-US"/>
+              <a:t>Second level</a:t>
+            </a:r>
+          </a:p>
+          <a:p>
+            <a:pPr lvl="2"/>
+            <a:r>
+              <a:rPr lang="en-US"/>
+              <a:t>Third level</a:t>
+            </a:r>
+          </a:p>
+          <a:p>
+            <a:pPr lvl="3"/>
+            <a:r>
+              <a:rPr lang="en-US"/>
+              <a:t>Fourth level</a:t>
+            </a:r>
+          </a:p>
+          <a:p>
+            <a:pPr lvl="4"/>
+            <a:r>
+              <a:rPr lang="en-US"/>
+              <a:t>Fifth level</a:t>
+            </a:r>
+            <a:endParaRPr lang="en-US" dirty="0"/>
+          </a:p>
         </p:txBody>
       </p:sp>
       <p:sp>
         <p:nvSpPr>
-          <p:cNvPr id="5" name="Date Placeholder 4"/>
+          <p:cNvPr id="4" name="Date Placeholder 3"/>
           <p:cNvSpPr>
             <a:spLocks noGrp="1"/>
           </p:cNvSpPr>
@@ -6829,7 +6465,7 @@
           <a:p>
             <a:fld id="{073ED0CC-082F-4160-86E5-0D6041F12778}" type="datetime1">
               <a:rPr lang="en-US" smtClean="0"/>
-              <a:t>2/23/2023</a:t>
+              <a:t>9/23/2023</a:t>
             </a:fld>
             <a:endParaRPr lang="en-US" dirty="0"/>
           </a:p>
@@ -6837,7 +6473,7 @@
       </p:sp>
       <p:sp>
         <p:nvSpPr>
-          <p:cNvPr id="6" name="Footer Placeholder 5"/>
+          <p:cNvPr id="5" name="Footer Placeholder 4"/>
           <p:cNvSpPr>
             <a:spLocks noGrp="1"/>
           </p:cNvSpPr>
@@ -6856,7 +6492,7 @@
       </p:sp>
       <p:sp>
         <p:nvSpPr>
-          <p:cNvPr id="7" name="Slide Number Placeholder 6"/>
+          <p:cNvPr id="6" name="Slide Number Placeholder 5"/>
           <p:cNvSpPr>
             <a:spLocks noGrp="1"/>
           </p:cNvSpPr>
@@ -6880,7 +6516,7 @@
     </p:spTree>
     <p:extLst>
       <p:ext uri="{BB962C8B-B14F-4D97-AF65-F5344CB8AC3E}">
-        <p14:creationId xmlns:p14="http://schemas.microsoft.com/office/powerpoint/2010/main" val="3191971037"/>
+        <p14:creationId xmlns:p14="http://schemas.microsoft.com/office/powerpoint/2010/main" val="1294966472"/>
       </p:ext>
     </p:extLst>
   </p:cSld>
@@ -6892,8 +6528,265 @@
 </file>
 
 <file path=ppt/slideLayouts/slideLayout11.xml><?xml version="1.0" encoding="utf-8"?>
-<p:sldLayout xmlns:a="http://schemas.openxmlformats.org/drawingml/2006/main" xmlns:r="http://schemas.openxmlformats.org/officeDocument/2006/relationships" xmlns:p="http://schemas.openxmlformats.org/presentationml/2006/main" preserve="1">
-  <p:cSld name="Title and Caption">
+<p:sldLayout xmlns:a="http://schemas.openxmlformats.org/drawingml/2006/main" xmlns:r="http://schemas.openxmlformats.org/officeDocument/2006/relationships" xmlns:p="http://schemas.openxmlformats.org/presentationml/2006/main" showMasterSp="0" type="vertTitleAndTx" preserve="1">
+  <p:cSld name="Vertical Title and Text">
+    <p:spTree>
+      <p:nvGrpSpPr>
+        <p:cNvPr id="1" name=""/>
+        <p:cNvGrpSpPr/>
+        <p:nvPr/>
+      </p:nvGrpSpPr>
+      <p:grpSpPr>
+        <a:xfrm>
+          <a:off x="0" y="0"/>
+          <a:ext cx="0" cy="0"/>
+          <a:chOff x="0" y="0"/>
+          <a:chExt cx="0" cy="0"/>
+        </a:xfrm>
+      </p:grpSpPr>
+      <p:sp>
+        <p:nvSpPr>
+          <p:cNvPr id="7" name="Rectangle 6"/>
+          <p:cNvSpPr/>
+          <p:nvPr/>
+        </p:nvSpPr>
+        <p:spPr>
+          <a:xfrm>
+            <a:off x="3175" y="6400800"/>
+            <a:ext cx="12188825" cy="457200"/>
+          </a:xfrm>
+          <a:prstGeom prst="rect">
+            <a:avLst/>
+          </a:prstGeom>
+          <a:solidFill>
+            <a:schemeClr val="accent2"/>
+          </a:solidFill>
+          <a:ln>
+            <a:noFill/>
+          </a:ln>
+        </p:spPr>
+        <p:style>
+          <a:lnRef idx="2">
+            <a:schemeClr val="accent1">
+              <a:shade val="50000"/>
+            </a:schemeClr>
+          </a:lnRef>
+          <a:fillRef idx="1">
+            <a:schemeClr val="accent1"/>
+          </a:fillRef>
+          <a:effectRef idx="0">
+            <a:schemeClr val="accent1"/>
+          </a:effectRef>
+          <a:fontRef idx="minor">
+            <a:schemeClr val="lt1"/>
+          </a:fontRef>
+        </p:style>
+      </p:sp>
+      <p:sp>
+        <p:nvSpPr>
+          <p:cNvPr id="8" name="Rectangle 7"/>
+          <p:cNvSpPr/>
+          <p:nvPr/>
+        </p:nvSpPr>
+        <p:spPr>
+          <a:xfrm>
+            <a:off x="15" y="6334316"/>
+            <a:ext cx="12188825" cy="64008"/>
+          </a:xfrm>
+          <a:prstGeom prst="rect">
+            <a:avLst/>
+          </a:prstGeom>
+          <a:solidFill>
+            <a:schemeClr val="accent1"/>
+          </a:solidFill>
+          <a:ln>
+            <a:noFill/>
+          </a:ln>
+        </p:spPr>
+        <p:style>
+          <a:lnRef idx="2">
+            <a:schemeClr val="accent1">
+              <a:shade val="50000"/>
+            </a:schemeClr>
+          </a:lnRef>
+          <a:fillRef idx="1">
+            <a:schemeClr val="accent1"/>
+          </a:fillRef>
+          <a:effectRef idx="0">
+            <a:schemeClr val="accent1"/>
+          </a:effectRef>
+          <a:fontRef idx="minor">
+            <a:schemeClr val="lt1"/>
+          </a:fontRef>
+        </p:style>
+      </p:sp>
+      <p:sp>
+        <p:nvSpPr>
+          <p:cNvPr id="2" name="Vertical Title 1"/>
+          <p:cNvSpPr>
+            <a:spLocks noGrp="1"/>
+          </p:cNvSpPr>
+          <p:nvPr>
+            <p:ph type="title" orient="vert"/>
+          </p:nvPr>
+        </p:nvSpPr>
+        <p:spPr>
+          <a:xfrm>
+            <a:off x="8724900" y="414778"/>
+            <a:ext cx="2628900" cy="5757421"/>
+          </a:xfrm>
+        </p:spPr>
+        <p:txBody>
+          <a:bodyPr vert="eaVert"/>
+          <a:lstStyle/>
+          <a:p>
+            <a:r>
+              <a:rPr lang="en-US"/>
+              <a:t>Click to edit Master title style</a:t>
+            </a:r>
+            <a:endParaRPr lang="en-US" dirty="0"/>
+          </a:p>
+        </p:txBody>
+      </p:sp>
+      <p:sp>
+        <p:nvSpPr>
+          <p:cNvPr id="3" name="Vertical Text Placeholder 2"/>
+          <p:cNvSpPr>
+            <a:spLocks noGrp="1"/>
+          </p:cNvSpPr>
+          <p:nvPr>
+            <p:ph type="body" orient="vert" idx="1"/>
+          </p:nvPr>
+        </p:nvSpPr>
+        <p:spPr>
+          <a:xfrm>
+            <a:off x="838200" y="414778"/>
+            <a:ext cx="7734300" cy="5757422"/>
+          </a:xfrm>
+        </p:spPr>
+        <p:txBody>
+          <a:bodyPr vert="eaVert" lIns="45720" tIns="0" rIns="45720" bIns="0"/>
+          <a:lstStyle/>
+          <a:p>
+            <a:pPr lvl="0"/>
+            <a:r>
+              <a:rPr lang="en-US"/>
+              <a:t>Click to edit Master text styles</a:t>
+            </a:r>
+          </a:p>
+          <a:p>
+            <a:pPr lvl="1"/>
+            <a:r>
+              <a:rPr lang="en-US"/>
+              <a:t>Second level</a:t>
+            </a:r>
+          </a:p>
+          <a:p>
+            <a:pPr lvl="2"/>
+            <a:r>
+              <a:rPr lang="en-US"/>
+              <a:t>Third level</a:t>
+            </a:r>
+          </a:p>
+          <a:p>
+            <a:pPr lvl="3"/>
+            <a:r>
+              <a:rPr lang="en-US"/>
+              <a:t>Fourth level</a:t>
+            </a:r>
+          </a:p>
+          <a:p>
+            <a:pPr lvl="4"/>
+            <a:r>
+              <a:rPr lang="en-US"/>
+              <a:t>Fifth level</a:t>
+            </a:r>
+            <a:endParaRPr lang="en-US" dirty="0"/>
+          </a:p>
+        </p:txBody>
+      </p:sp>
+      <p:sp>
+        <p:nvSpPr>
+          <p:cNvPr id="4" name="Date Placeholder 3"/>
+          <p:cNvSpPr>
+            <a:spLocks noGrp="1"/>
+          </p:cNvSpPr>
+          <p:nvPr>
+            <p:ph type="dt" sz="half" idx="10"/>
+          </p:nvPr>
+        </p:nvSpPr>
+        <p:spPr/>
+        <p:txBody>
+          <a:bodyPr/>
+          <a:lstStyle/>
+          <a:p>
+            <a:fld id="{073ED0CC-082F-4160-86E5-0D6041F12778}" type="datetime1">
+              <a:rPr lang="en-US" smtClean="0"/>
+              <a:t>9/23/2023</a:t>
+            </a:fld>
+            <a:endParaRPr lang="en-US" dirty="0"/>
+          </a:p>
+        </p:txBody>
+      </p:sp>
+      <p:sp>
+        <p:nvSpPr>
+          <p:cNvPr id="5" name="Footer Placeholder 4"/>
+          <p:cNvSpPr>
+            <a:spLocks noGrp="1"/>
+          </p:cNvSpPr>
+          <p:nvPr>
+            <p:ph type="ftr" sz="quarter" idx="11"/>
+          </p:nvPr>
+        </p:nvSpPr>
+        <p:spPr/>
+        <p:txBody>
+          <a:bodyPr/>
+          <a:lstStyle/>
+          <a:p>
+            <a:endParaRPr lang="en-US" dirty="0"/>
+          </a:p>
+        </p:txBody>
+      </p:sp>
+      <p:sp>
+        <p:nvSpPr>
+          <p:cNvPr id="6" name="Slide Number Placeholder 5"/>
+          <p:cNvSpPr>
+            <a:spLocks noGrp="1"/>
+          </p:cNvSpPr>
+          <p:nvPr>
+            <p:ph type="sldNum" sz="quarter" idx="12"/>
+          </p:nvPr>
+        </p:nvSpPr>
+        <p:spPr/>
+        <p:txBody>
+          <a:bodyPr/>
+          <a:lstStyle/>
+          <a:p>
+            <a:fld id="{3A98EE3D-8CD1-4C3F-BD1C-C98C9596463C}" type="slidenum">
+              <a:rPr lang="en-US" smtClean="0"/>
+              <a:t>‹#›</a:t>
+            </a:fld>
+            <a:endParaRPr lang="en-US" dirty="0"/>
+          </a:p>
+        </p:txBody>
+      </p:sp>
+    </p:spTree>
+    <p:extLst>
+      <p:ext uri="{BB962C8B-B14F-4D97-AF65-F5344CB8AC3E}">
+        <p14:creationId xmlns:p14="http://schemas.microsoft.com/office/powerpoint/2010/main" val="2799519686"/>
+      </p:ext>
+    </p:extLst>
+  </p:cSld>
+  <p:clrMapOvr>
+    <a:masterClrMapping/>
+  </p:clrMapOvr>
+  <p:hf sldNum="0" hdr="0" ftr="0" dt="0"/>
+</p:sldLayout>
+</file>
+
+<file path=ppt/slideLayouts/slideLayout2.xml><?xml version="1.0" encoding="utf-8"?>
+<p:sldLayout xmlns:a="http://schemas.openxmlformats.org/drawingml/2006/main" xmlns:r="http://schemas.openxmlformats.org/officeDocument/2006/relationships" xmlns:p="http://schemas.openxmlformats.org/presentationml/2006/main" type="obj" preserve="1">
+  <p:cSld name="Title and Content">
     <p:spTree>
       <p:nvGrpSpPr>
         <p:cNvPr id="1" name=""/>
@@ -6918,19 +6811,287 @@
             <p:ph type="title"/>
           </p:nvPr>
         </p:nvSpPr>
+        <p:spPr/>
+        <p:txBody>
+          <a:bodyPr/>
+          <a:lstStyle>
+            <a:lvl1pPr marL="0">
+              <a:defRPr/>
+            </a:lvl1pPr>
+          </a:lstStyle>
+          <a:p>
+            <a:r>
+              <a:rPr lang="en-US"/>
+              <a:t>Click to edit Master title style</a:t>
+            </a:r>
+            <a:endParaRPr lang="en-US" dirty="0"/>
+          </a:p>
+        </p:txBody>
+      </p:sp>
+      <p:sp>
+        <p:nvSpPr>
+          <p:cNvPr id="3" name="Content Placeholder 2"/>
+          <p:cNvSpPr>
+            <a:spLocks noGrp="1"/>
+          </p:cNvSpPr>
+          <p:nvPr>
+            <p:ph idx="1"/>
+          </p:nvPr>
+        </p:nvSpPr>
+        <p:spPr/>
+        <p:txBody>
+          <a:bodyPr/>
+          <a:lstStyle/>
+          <a:p>
+            <a:pPr lvl="0"/>
+            <a:r>
+              <a:rPr lang="en-US"/>
+              <a:t>Click to edit Master text styles</a:t>
+            </a:r>
+          </a:p>
+          <a:p>
+            <a:pPr lvl="1"/>
+            <a:r>
+              <a:rPr lang="en-US"/>
+              <a:t>Second level</a:t>
+            </a:r>
+          </a:p>
+          <a:p>
+            <a:pPr lvl="2"/>
+            <a:r>
+              <a:rPr lang="en-US"/>
+              <a:t>Third level</a:t>
+            </a:r>
+          </a:p>
+          <a:p>
+            <a:pPr lvl="3"/>
+            <a:r>
+              <a:rPr lang="en-US"/>
+              <a:t>Fourth level</a:t>
+            </a:r>
+          </a:p>
+          <a:p>
+            <a:pPr lvl="4"/>
+            <a:r>
+              <a:rPr lang="en-US"/>
+              <a:t>Fifth level</a:t>
+            </a:r>
+            <a:endParaRPr lang="en-US" dirty="0"/>
+          </a:p>
+        </p:txBody>
+      </p:sp>
+      <p:sp>
+        <p:nvSpPr>
+          <p:cNvPr id="4" name="Date Placeholder 3"/>
+          <p:cNvSpPr>
+            <a:spLocks noGrp="1"/>
+          </p:cNvSpPr>
+          <p:nvPr>
+            <p:ph type="dt" sz="half" idx="10"/>
+          </p:nvPr>
+        </p:nvSpPr>
+        <p:spPr/>
+        <p:txBody>
+          <a:bodyPr/>
+          <a:lstStyle/>
+          <a:p>
+            <a:fld id="{73C55A3C-5767-4844-A0A3-83778C2E5409}" type="datetime1">
+              <a:rPr lang="en-US" smtClean="0"/>
+              <a:t>9/23/2023</a:t>
+            </a:fld>
+            <a:endParaRPr lang="en-US" dirty="0"/>
+          </a:p>
+        </p:txBody>
+      </p:sp>
+      <p:sp>
+        <p:nvSpPr>
+          <p:cNvPr id="5" name="Footer Placeholder 4"/>
+          <p:cNvSpPr>
+            <a:spLocks noGrp="1"/>
+          </p:cNvSpPr>
+          <p:nvPr>
+            <p:ph type="ftr" sz="quarter" idx="11"/>
+          </p:nvPr>
+        </p:nvSpPr>
+        <p:spPr/>
+        <p:txBody>
+          <a:bodyPr/>
+          <a:lstStyle/>
+          <a:p>
+            <a:endParaRPr lang="en-US" dirty="0"/>
+          </a:p>
+        </p:txBody>
+      </p:sp>
+      <p:sp>
+        <p:nvSpPr>
+          <p:cNvPr id="6" name="Slide Number Placeholder 5"/>
+          <p:cNvSpPr>
+            <a:spLocks noGrp="1"/>
+          </p:cNvSpPr>
+          <p:nvPr>
+            <p:ph type="sldNum" sz="quarter" idx="12"/>
+          </p:nvPr>
+        </p:nvSpPr>
+        <p:spPr/>
+        <p:txBody>
+          <a:bodyPr/>
+          <a:lstStyle/>
+          <a:p>
+            <a:fld id="{3A98EE3D-8CD1-4C3F-BD1C-C98C9596463C}" type="slidenum">
+              <a:rPr lang="en-US" smtClean="0"/>
+              <a:t>‹#›</a:t>
+            </a:fld>
+            <a:endParaRPr lang="en-US" dirty="0"/>
+          </a:p>
+        </p:txBody>
+      </p:sp>
+    </p:spTree>
+    <p:extLst>
+      <p:ext uri="{BB962C8B-B14F-4D97-AF65-F5344CB8AC3E}">
+        <p14:creationId xmlns:p14="http://schemas.microsoft.com/office/powerpoint/2010/main" val="2385509141"/>
+      </p:ext>
+    </p:extLst>
+  </p:cSld>
+  <p:clrMapOvr>
+    <a:masterClrMapping/>
+  </p:clrMapOvr>
+</p:sldLayout>
+</file>
+
+<file path=ppt/slideLayouts/slideLayout3.xml><?xml version="1.0" encoding="utf-8"?>
+<p:sldLayout xmlns:a="http://schemas.openxmlformats.org/drawingml/2006/main" xmlns:r="http://schemas.openxmlformats.org/officeDocument/2006/relationships" xmlns:p="http://schemas.openxmlformats.org/presentationml/2006/main" showMasterSp="0" type="secHead" preserve="1">
+  <p:cSld name="Section Header">
+    <p:bg>
+      <p:bgPr>
+        <a:solidFill>
+          <a:schemeClr val="bg1"/>
+        </a:solidFill>
+        <a:effectLst/>
+      </p:bgPr>
+    </p:bg>
+    <p:spTree>
+      <p:nvGrpSpPr>
+        <p:cNvPr id="1" name=""/>
+        <p:cNvGrpSpPr/>
+        <p:nvPr/>
+      </p:nvGrpSpPr>
+      <p:grpSpPr>
+        <a:xfrm>
+          <a:off x="0" y="0"/>
+          <a:ext cx="0" cy="0"/>
+          <a:chOff x="0" y="0"/>
+          <a:chExt cx="0" cy="0"/>
+        </a:xfrm>
+      </p:grpSpPr>
+      <p:sp>
+        <p:nvSpPr>
+          <p:cNvPr id="7" name="Rectangle 6"/>
+          <p:cNvSpPr/>
+          <p:nvPr/>
+        </p:nvSpPr>
         <p:spPr>
           <a:xfrm>
-            <a:off x="1484312" y="685800"/>
-            <a:ext cx="10018711" cy="3048000"/>
+            <a:off x="3175" y="6400800"/>
+            <a:ext cx="12188825" cy="457200"/>
+          </a:xfrm>
+          <a:prstGeom prst="rect">
+            <a:avLst/>
+          </a:prstGeom>
+          <a:solidFill>
+            <a:schemeClr val="accent2"/>
+          </a:solidFill>
+          <a:ln>
+            <a:noFill/>
+          </a:ln>
+        </p:spPr>
+        <p:style>
+          <a:lnRef idx="2">
+            <a:schemeClr val="accent1">
+              <a:shade val="50000"/>
+            </a:schemeClr>
+          </a:lnRef>
+          <a:fillRef idx="1">
+            <a:schemeClr val="accent1"/>
+          </a:fillRef>
+          <a:effectRef idx="0">
+            <a:schemeClr val="accent1"/>
+          </a:effectRef>
+          <a:fontRef idx="minor">
+            <a:schemeClr val="lt1"/>
+          </a:fontRef>
+        </p:style>
+      </p:sp>
+      <p:sp>
+        <p:nvSpPr>
+          <p:cNvPr id="8" name="Rectangle 7"/>
+          <p:cNvSpPr/>
+          <p:nvPr/>
+        </p:nvSpPr>
+        <p:spPr>
+          <a:xfrm>
+            <a:off x="15" y="6334316"/>
+            <a:ext cx="12188825" cy="64008"/>
+          </a:xfrm>
+          <a:prstGeom prst="rect">
+            <a:avLst/>
+          </a:prstGeom>
+          <a:solidFill>
+            <a:schemeClr val="accent1"/>
+          </a:solidFill>
+          <a:ln>
+            <a:noFill/>
+          </a:ln>
+        </p:spPr>
+        <p:style>
+          <a:lnRef idx="2">
+            <a:schemeClr val="accent1">
+              <a:shade val="50000"/>
+            </a:schemeClr>
+          </a:lnRef>
+          <a:fillRef idx="1">
+            <a:schemeClr val="accent1"/>
+          </a:fillRef>
+          <a:effectRef idx="0">
+            <a:schemeClr val="accent1"/>
+          </a:effectRef>
+          <a:fontRef idx="minor">
+            <a:schemeClr val="lt1"/>
+          </a:fontRef>
+        </p:style>
+      </p:sp>
+      <p:sp>
+        <p:nvSpPr>
+          <p:cNvPr id="2" name="Title 1"/>
+          <p:cNvSpPr>
+            <a:spLocks noGrp="1"/>
+          </p:cNvSpPr>
+          <p:nvPr>
+            <p:ph type="title"/>
+          </p:nvPr>
+        </p:nvSpPr>
+        <p:spPr>
+          <a:xfrm>
+            <a:off x="1097280" y="758952"/>
+            <a:ext cx="10058400" cy="3566160"/>
           </a:xfrm>
         </p:spPr>
         <p:txBody>
-          <a:bodyPr anchor="ctr">
+          <a:bodyPr anchor="b" anchorCtr="0">
             <a:normAutofit/>
           </a:bodyPr>
           <a:lstStyle>
-            <a:lvl1pPr algn="ctr">
-              <a:defRPr sz="3200" b="0" cap="none"/>
+            <a:lvl1pPr>
+              <a:lnSpc>
+                <a:spcPct val="85000"/>
+              </a:lnSpc>
+              <a:defRPr sz="8000" b="0">
+                <a:solidFill>
+                  <a:schemeClr val="tx1">
+                    <a:lumMod val="85000"/>
+                    <a:lumOff val="15000"/>
+                  </a:schemeClr>
+                </a:solidFill>
+              </a:defRPr>
             </a:lvl1pPr>
           </a:lstStyle>
           <a:p>
@@ -6954,21 +7115,22 @@
         </p:nvSpPr>
         <p:spPr>
           <a:xfrm>
-            <a:off x="1484312" y="4343400"/>
-            <a:ext cx="10018713" cy="1447800"/>
+            <a:off x="1097280" y="4453128"/>
+            <a:ext cx="10058400" cy="1143000"/>
           </a:xfrm>
         </p:spPr>
         <p:txBody>
-          <a:bodyPr anchor="ctr">
+          <a:bodyPr lIns="91440" rIns="91440" anchor="t" anchorCtr="0">
             <a:normAutofit/>
           </a:bodyPr>
           <a:lstStyle>
-            <a:lvl1pPr marL="0" indent="0" algn="ctr">
+            <a:lvl1pPr marL="0" indent="0">
               <a:buNone/>
-              <a:defRPr sz="2000">
+              <a:defRPr sz="2400" cap="all" spc="200" baseline="0">
                 <a:solidFill>
-                  <a:schemeClr val="tx1"/>
+                  <a:schemeClr val="tx2"/>
                 </a:solidFill>
+                <a:latin typeface="+mj-lt"/>
               </a:defRPr>
             </a:lvl1pPr>
             <a:lvl2pPr marL="457200" indent="0">
@@ -7076,9 +7238,9 @@
           <a:bodyPr/>
           <a:lstStyle/>
           <a:p>
-            <a:fld id="{073ED0CC-082F-4160-86E5-0D6041F12778}" type="datetime1">
+            <a:fld id="{CAE507A8-A5CF-4D38-AB86-7EDDA87A85D4}" type="datetime1">
               <a:rPr lang="en-US" smtClean="0"/>
-              <a:t>2/23/2023</a:t>
+              <a:t>9/23/2023</a:t>
             </a:fld>
             <a:endParaRPr lang="en-US" dirty="0"/>
           </a:p>
@@ -7120,2405 +7282,6 @@
           <a:p>
             <a:fld id="{3A98EE3D-8CD1-4C3F-BD1C-C98C9596463C}" type="slidenum">
               <a:rPr lang="en-US" smtClean="0"/>
-              <a:t>‹#›</a:t>
-            </a:fld>
-            <a:endParaRPr lang="en-US" dirty="0"/>
-          </a:p>
-        </p:txBody>
-      </p:sp>
-    </p:spTree>
-    <p:extLst>
-      <p:ext uri="{BB962C8B-B14F-4D97-AF65-F5344CB8AC3E}">
-        <p14:creationId xmlns:p14="http://schemas.microsoft.com/office/powerpoint/2010/main" val="3451184346"/>
-      </p:ext>
-    </p:extLst>
-  </p:cSld>
-  <p:clrMapOvr>
-    <a:masterClrMapping/>
-  </p:clrMapOvr>
-  <p:hf sldNum="0" hdr="0" ftr="0" dt="0"/>
-</p:sldLayout>
-</file>
-
-<file path=ppt/slideLayouts/slideLayout12.xml><?xml version="1.0" encoding="utf-8"?>
-<p:sldLayout xmlns:a="http://schemas.openxmlformats.org/drawingml/2006/main" xmlns:r="http://schemas.openxmlformats.org/officeDocument/2006/relationships" xmlns:p="http://schemas.openxmlformats.org/presentationml/2006/main" preserve="1">
-  <p:cSld name="Quote with Caption">
-    <p:spTree>
-      <p:nvGrpSpPr>
-        <p:cNvPr id="1" name=""/>
-        <p:cNvGrpSpPr/>
-        <p:nvPr/>
-      </p:nvGrpSpPr>
-      <p:grpSpPr>
-        <a:xfrm>
-          <a:off x="0" y="0"/>
-          <a:ext cx="0" cy="0"/>
-          <a:chOff x="0" y="0"/>
-          <a:chExt cx="0" cy="0"/>
-        </a:xfrm>
-      </p:grpSpPr>
-      <p:sp>
-        <p:nvSpPr>
-          <p:cNvPr id="14" name="TextBox 13"/>
-          <p:cNvSpPr txBox="1"/>
-          <p:nvPr/>
-        </p:nvSpPr>
-        <p:spPr>
-          <a:xfrm>
-            <a:off x="1598612" y="863023"/>
-            <a:ext cx="609600" cy="584776"/>
-          </a:xfrm>
-          <a:prstGeom prst="rect">
-            <a:avLst/>
-          </a:prstGeom>
-        </p:spPr>
-        <p:txBody>
-          <a:bodyPr vert="horz" lIns="91440" tIns="45720" rIns="91440" bIns="45720" rtlCol="0" anchor="ctr">
-            <a:noAutofit/>
-          </a:bodyPr>
-          <a:lstStyle>
-            <a:lvl1pPr>
-              <a:spcBef>
-                <a:spcPct val="0"/>
-              </a:spcBef>
-              <a:buNone/>
-              <a:defRPr sz="3200" b="0" cap="all">
-                <a:ln w="3175" cmpd="sng">
-                  <a:noFill/>
-                </a:ln>
-                <a:effectLst>
-                  <a:glow rad="38100">
-                    <a:schemeClr val="bg1">
-                      <a:lumMod val="65000"/>
-                      <a:lumOff val="35000"/>
-                      <a:alpha val="40000"/>
-                    </a:schemeClr>
-                  </a:glow>
-                  <a:outerShdw blurRad="28575" dist="38100" dir="14040000" algn="tl" rotWithShape="0">
-                    <a:srgbClr val="000000">
-                      <a:alpha val="25000"/>
-                    </a:srgbClr>
-                  </a:outerShdw>
-                </a:effectLst>
-              </a:defRPr>
-            </a:lvl1pPr>
-            <a:lvl2pPr>
-              <a:defRPr>
-                <a:solidFill>
-                  <a:schemeClr val="tx2"/>
-                </a:solidFill>
-              </a:defRPr>
-            </a:lvl2pPr>
-            <a:lvl3pPr>
-              <a:defRPr>
-                <a:solidFill>
-                  <a:schemeClr val="tx2"/>
-                </a:solidFill>
-              </a:defRPr>
-            </a:lvl3pPr>
-            <a:lvl4pPr>
-              <a:defRPr>
-                <a:solidFill>
-                  <a:schemeClr val="tx2"/>
-                </a:solidFill>
-              </a:defRPr>
-            </a:lvl4pPr>
-            <a:lvl5pPr>
-              <a:defRPr>
-                <a:solidFill>
-                  <a:schemeClr val="tx2"/>
-                </a:solidFill>
-              </a:defRPr>
-            </a:lvl5pPr>
-            <a:lvl6pPr>
-              <a:defRPr>
-                <a:solidFill>
-                  <a:schemeClr val="tx2"/>
-                </a:solidFill>
-              </a:defRPr>
-            </a:lvl6pPr>
-            <a:lvl7pPr>
-              <a:defRPr>
-                <a:solidFill>
-                  <a:schemeClr val="tx2"/>
-                </a:solidFill>
-              </a:defRPr>
-            </a:lvl7pPr>
-            <a:lvl8pPr>
-              <a:defRPr>
-                <a:solidFill>
-                  <a:schemeClr val="tx2"/>
-                </a:solidFill>
-              </a:defRPr>
-            </a:lvl8pPr>
-            <a:lvl9pPr>
-              <a:defRPr>
-                <a:solidFill>
-                  <a:schemeClr val="tx2"/>
-                </a:solidFill>
-              </a:defRPr>
-            </a:lvl9pPr>
-          </a:lstStyle>
-          <a:p>
-            <a:pPr lvl="0"/>
-            <a:r>
-              <a:rPr lang="en-US" sz="8000" dirty="0">
-                <a:solidFill>
-                  <a:schemeClr val="tx1"/>
-                </a:solidFill>
-                <a:effectLst/>
-              </a:rPr>
-              <a:t>“</a:t>
-            </a:r>
-          </a:p>
-        </p:txBody>
-      </p:sp>
-      <p:sp>
-        <p:nvSpPr>
-          <p:cNvPr id="15" name="TextBox 14"/>
-          <p:cNvSpPr txBox="1"/>
-          <p:nvPr/>
-        </p:nvSpPr>
-        <p:spPr>
-          <a:xfrm>
-            <a:off x="10893425" y="2819399"/>
-            <a:ext cx="609600" cy="584776"/>
-          </a:xfrm>
-          <a:prstGeom prst="rect">
-            <a:avLst/>
-          </a:prstGeom>
-        </p:spPr>
-        <p:txBody>
-          <a:bodyPr vert="horz" lIns="91440" tIns="45720" rIns="91440" bIns="45720" rtlCol="0" anchor="ctr">
-            <a:noAutofit/>
-          </a:bodyPr>
-          <a:lstStyle>
-            <a:lvl1pPr>
-              <a:spcBef>
-                <a:spcPct val="0"/>
-              </a:spcBef>
-              <a:buNone/>
-              <a:defRPr sz="3200" b="0" cap="all">
-                <a:ln w="3175" cmpd="sng">
-                  <a:noFill/>
-                </a:ln>
-                <a:effectLst>
-                  <a:glow rad="38100">
-                    <a:schemeClr val="bg1">
-                      <a:lumMod val="65000"/>
-                      <a:lumOff val="35000"/>
-                      <a:alpha val="40000"/>
-                    </a:schemeClr>
-                  </a:glow>
-                  <a:outerShdw blurRad="28575" dist="38100" dir="14040000" algn="tl" rotWithShape="0">
-                    <a:srgbClr val="000000">
-                      <a:alpha val="25000"/>
-                    </a:srgbClr>
-                  </a:outerShdw>
-                </a:effectLst>
-              </a:defRPr>
-            </a:lvl1pPr>
-            <a:lvl2pPr>
-              <a:defRPr>
-                <a:solidFill>
-                  <a:schemeClr val="tx2"/>
-                </a:solidFill>
-              </a:defRPr>
-            </a:lvl2pPr>
-            <a:lvl3pPr>
-              <a:defRPr>
-                <a:solidFill>
-                  <a:schemeClr val="tx2"/>
-                </a:solidFill>
-              </a:defRPr>
-            </a:lvl3pPr>
-            <a:lvl4pPr>
-              <a:defRPr>
-                <a:solidFill>
-                  <a:schemeClr val="tx2"/>
-                </a:solidFill>
-              </a:defRPr>
-            </a:lvl4pPr>
-            <a:lvl5pPr>
-              <a:defRPr>
-                <a:solidFill>
-                  <a:schemeClr val="tx2"/>
-                </a:solidFill>
-              </a:defRPr>
-            </a:lvl5pPr>
-            <a:lvl6pPr>
-              <a:defRPr>
-                <a:solidFill>
-                  <a:schemeClr val="tx2"/>
-                </a:solidFill>
-              </a:defRPr>
-            </a:lvl6pPr>
-            <a:lvl7pPr>
-              <a:defRPr>
-                <a:solidFill>
-                  <a:schemeClr val="tx2"/>
-                </a:solidFill>
-              </a:defRPr>
-            </a:lvl7pPr>
-            <a:lvl8pPr>
-              <a:defRPr>
-                <a:solidFill>
-                  <a:schemeClr val="tx2"/>
-                </a:solidFill>
-              </a:defRPr>
-            </a:lvl8pPr>
-            <a:lvl9pPr>
-              <a:defRPr>
-                <a:solidFill>
-                  <a:schemeClr val="tx2"/>
-                </a:solidFill>
-              </a:defRPr>
-            </a:lvl9pPr>
-          </a:lstStyle>
-          <a:p>
-            <a:pPr lvl="0" algn="r"/>
-            <a:r>
-              <a:rPr lang="en-US" sz="8000" dirty="0">
-                <a:solidFill>
-                  <a:schemeClr val="tx1"/>
-                </a:solidFill>
-                <a:effectLst/>
-              </a:rPr>
-              <a:t>”</a:t>
-            </a:r>
-          </a:p>
-        </p:txBody>
-      </p:sp>
-      <p:sp>
-        <p:nvSpPr>
-          <p:cNvPr id="2" name="Title 1"/>
-          <p:cNvSpPr>
-            <a:spLocks noGrp="1"/>
-          </p:cNvSpPr>
-          <p:nvPr>
-            <p:ph type="title"/>
-          </p:nvPr>
-        </p:nvSpPr>
-        <p:spPr>
-          <a:xfrm>
-            <a:off x="2208212" y="685800"/>
-            <a:ext cx="8990012" cy="2743199"/>
-          </a:xfrm>
-        </p:spPr>
-        <p:txBody>
-          <a:bodyPr anchor="ctr">
-            <a:normAutofit/>
-          </a:bodyPr>
-          <a:lstStyle>
-            <a:lvl1pPr algn="ctr">
-              <a:defRPr sz="3200" b="0" cap="none">
-                <a:solidFill>
-                  <a:schemeClr val="tx1"/>
-                </a:solidFill>
-              </a:defRPr>
-            </a:lvl1pPr>
-          </a:lstStyle>
-          <a:p>
-            <a:r>
-              <a:rPr lang="en-US"/>
-              <a:t>Click to edit Master title style</a:t>
-            </a:r>
-            <a:endParaRPr lang="en-US" dirty="0"/>
-          </a:p>
-        </p:txBody>
-      </p:sp>
-      <p:sp>
-        <p:nvSpPr>
-          <p:cNvPr id="10" name="Text Placeholder 9"/>
-          <p:cNvSpPr>
-            <a:spLocks noGrp="1"/>
-          </p:cNvSpPr>
-          <p:nvPr>
-            <p:ph type="body" sz="quarter" idx="13"/>
-          </p:nvPr>
-        </p:nvSpPr>
-        <p:spPr>
-          <a:xfrm>
-            <a:off x="2436811" y="3428999"/>
-            <a:ext cx="8532815" cy="381000"/>
-          </a:xfrm>
-        </p:spPr>
-        <p:txBody>
-          <a:bodyPr anchor="ctr">
-            <a:normAutofit/>
-          </a:bodyPr>
-          <a:lstStyle>
-            <a:lvl1pPr marL="0" indent="0">
-              <a:buFontTx/>
-              <a:buNone/>
-              <a:defRPr sz="1800"/>
-            </a:lvl1pPr>
-            <a:lvl2pPr marL="457200" indent="0">
-              <a:buFontTx/>
-              <a:buNone/>
-              <a:defRPr/>
-            </a:lvl2pPr>
-            <a:lvl3pPr marL="914400" indent="0">
-              <a:buFontTx/>
-              <a:buNone/>
-              <a:defRPr/>
-            </a:lvl3pPr>
-            <a:lvl4pPr marL="1371600" indent="0">
-              <a:buFontTx/>
-              <a:buNone/>
-              <a:defRPr/>
-            </a:lvl4pPr>
-            <a:lvl5pPr marL="1828800" indent="0">
-              <a:buFontTx/>
-              <a:buNone/>
-              <a:defRPr/>
-            </a:lvl5pPr>
-          </a:lstStyle>
-          <a:p>
-            <a:pPr lvl="0"/>
-            <a:r>
-              <a:rPr lang="en-US"/>
-              <a:t>Click to edit Master text styles</a:t>
-            </a:r>
-          </a:p>
-        </p:txBody>
-      </p:sp>
-      <p:sp>
-        <p:nvSpPr>
-          <p:cNvPr id="3" name="Text Placeholder 2"/>
-          <p:cNvSpPr>
-            <a:spLocks noGrp="1"/>
-          </p:cNvSpPr>
-          <p:nvPr>
-            <p:ph type="body" idx="1"/>
-          </p:nvPr>
-        </p:nvSpPr>
-        <p:spPr>
-          <a:xfrm>
-            <a:off x="1484311" y="4343400"/>
-            <a:ext cx="10018711" cy="1447800"/>
-          </a:xfrm>
-        </p:spPr>
-        <p:txBody>
-          <a:bodyPr anchor="ctr">
-            <a:normAutofit/>
-          </a:bodyPr>
-          <a:lstStyle>
-            <a:lvl1pPr marL="0" indent="0" algn="ctr">
-              <a:buNone/>
-              <a:defRPr sz="2000">
-                <a:solidFill>
-                  <a:schemeClr val="tx1"/>
-                </a:solidFill>
-              </a:defRPr>
-            </a:lvl1pPr>
-            <a:lvl2pPr marL="457200" indent="0">
-              <a:buNone/>
-              <a:defRPr sz="1800">
-                <a:solidFill>
-                  <a:schemeClr val="tx1">
-                    <a:tint val="75000"/>
-                  </a:schemeClr>
-                </a:solidFill>
-              </a:defRPr>
-            </a:lvl2pPr>
-            <a:lvl3pPr marL="914400" indent="0">
-              <a:buNone/>
-              <a:defRPr sz="1600">
-                <a:solidFill>
-                  <a:schemeClr val="tx1">
-                    <a:tint val="75000"/>
-                  </a:schemeClr>
-                </a:solidFill>
-              </a:defRPr>
-            </a:lvl3pPr>
-            <a:lvl4pPr marL="1371600" indent="0">
-              <a:buNone/>
-              <a:defRPr sz="1400">
-                <a:solidFill>
-                  <a:schemeClr val="tx1">
-                    <a:tint val="75000"/>
-                  </a:schemeClr>
-                </a:solidFill>
-              </a:defRPr>
-            </a:lvl4pPr>
-            <a:lvl5pPr marL="1828800" indent="0">
-              <a:buNone/>
-              <a:defRPr sz="1400">
-                <a:solidFill>
-                  <a:schemeClr val="tx1">
-                    <a:tint val="75000"/>
-                  </a:schemeClr>
-                </a:solidFill>
-              </a:defRPr>
-            </a:lvl5pPr>
-            <a:lvl6pPr marL="2286000" indent="0">
-              <a:buNone/>
-              <a:defRPr sz="1400">
-                <a:solidFill>
-                  <a:schemeClr val="tx1">
-                    <a:tint val="75000"/>
-                  </a:schemeClr>
-                </a:solidFill>
-              </a:defRPr>
-            </a:lvl6pPr>
-            <a:lvl7pPr marL="2743200" indent="0">
-              <a:buNone/>
-              <a:defRPr sz="1400">
-                <a:solidFill>
-                  <a:schemeClr val="tx1">
-                    <a:tint val="75000"/>
-                  </a:schemeClr>
-                </a:solidFill>
-              </a:defRPr>
-            </a:lvl7pPr>
-            <a:lvl8pPr marL="3200400" indent="0">
-              <a:buNone/>
-              <a:defRPr sz="1400">
-                <a:solidFill>
-                  <a:schemeClr val="tx1">
-                    <a:tint val="75000"/>
-                  </a:schemeClr>
-                </a:solidFill>
-              </a:defRPr>
-            </a:lvl8pPr>
-            <a:lvl9pPr marL="3657600" indent="0">
-              <a:buNone/>
-              <a:defRPr sz="1400">
-                <a:solidFill>
-                  <a:schemeClr val="tx1">
-                    <a:tint val="75000"/>
-                  </a:schemeClr>
-                </a:solidFill>
-              </a:defRPr>
-            </a:lvl9pPr>
-          </a:lstStyle>
-          <a:p>
-            <a:pPr lvl="0"/>
-            <a:r>
-              <a:rPr lang="en-US"/>
-              <a:t>Click to edit Master text styles</a:t>
-            </a:r>
-          </a:p>
-        </p:txBody>
-      </p:sp>
-      <p:sp>
-        <p:nvSpPr>
-          <p:cNvPr id="4" name="Date Placeholder 3"/>
-          <p:cNvSpPr>
-            <a:spLocks noGrp="1"/>
-          </p:cNvSpPr>
-          <p:nvPr>
-            <p:ph type="dt" sz="half" idx="10"/>
-          </p:nvPr>
-        </p:nvSpPr>
-        <p:spPr/>
-        <p:txBody>
-          <a:bodyPr/>
-          <a:lstStyle/>
-          <a:p>
-            <a:fld id="{073ED0CC-082F-4160-86E5-0D6041F12778}" type="datetime1">
-              <a:rPr lang="en-US" smtClean="0"/>
-              <a:t>2/23/2023</a:t>
-            </a:fld>
-            <a:endParaRPr lang="en-US" dirty="0"/>
-          </a:p>
-        </p:txBody>
-      </p:sp>
-      <p:sp>
-        <p:nvSpPr>
-          <p:cNvPr id="5" name="Footer Placeholder 4"/>
-          <p:cNvSpPr>
-            <a:spLocks noGrp="1"/>
-          </p:cNvSpPr>
-          <p:nvPr>
-            <p:ph type="ftr" sz="quarter" idx="11"/>
-          </p:nvPr>
-        </p:nvSpPr>
-        <p:spPr/>
-        <p:txBody>
-          <a:bodyPr/>
-          <a:lstStyle/>
-          <a:p>
-            <a:endParaRPr lang="en-US" dirty="0"/>
-          </a:p>
-        </p:txBody>
-      </p:sp>
-      <p:sp>
-        <p:nvSpPr>
-          <p:cNvPr id="6" name="Slide Number Placeholder 5"/>
-          <p:cNvSpPr>
-            <a:spLocks noGrp="1"/>
-          </p:cNvSpPr>
-          <p:nvPr>
-            <p:ph type="sldNum" sz="quarter" idx="12"/>
-          </p:nvPr>
-        </p:nvSpPr>
-        <p:spPr/>
-        <p:txBody>
-          <a:bodyPr/>
-          <a:lstStyle/>
-          <a:p>
-            <a:fld id="{3A98EE3D-8CD1-4C3F-BD1C-C98C9596463C}" type="slidenum">
-              <a:rPr lang="en-US" smtClean="0"/>
-              <a:t>‹#›</a:t>
-            </a:fld>
-            <a:endParaRPr lang="en-US" dirty="0"/>
-          </a:p>
-        </p:txBody>
-      </p:sp>
-    </p:spTree>
-    <p:extLst>
-      <p:ext uri="{BB962C8B-B14F-4D97-AF65-F5344CB8AC3E}">
-        <p14:creationId xmlns:p14="http://schemas.microsoft.com/office/powerpoint/2010/main" val="2575736623"/>
-      </p:ext>
-    </p:extLst>
-  </p:cSld>
-  <p:clrMapOvr>
-    <a:masterClrMapping/>
-  </p:clrMapOvr>
-  <p:hf sldNum="0" hdr="0" ftr="0" dt="0"/>
-</p:sldLayout>
-</file>
-
-<file path=ppt/slideLayouts/slideLayout13.xml><?xml version="1.0" encoding="utf-8"?>
-<p:sldLayout xmlns:a="http://schemas.openxmlformats.org/drawingml/2006/main" xmlns:r="http://schemas.openxmlformats.org/officeDocument/2006/relationships" xmlns:p="http://schemas.openxmlformats.org/presentationml/2006/main" preserve="1">
-  <p:cSld name="Name Card">
-    <p:spTree>
-      <p:nvGrpSpPr>
-        <p:cNvPr id="1" name=""/>
-        <p:cNvGrpSpPr/>
-        <p:nvPr/>
-      </p:nvGrpSpPr>
-      <p:grpSpPr>
-        <a:xfrm>
-          <a:off x="0" y="0"/>
-          <a:ext cx="0" cy="0"/>
-          <a:chOff x="0" y="0"/>
-          <a:chExt cx="0" cy="0"/>
-        </a:xfrm>
-      </p:grpSpPr>
-      <p:sp>
-        <p:nvSpPr>
-          <p:cNvPr id="2" name="Title 1"/>
-          <p:cNvSpPr>
-            <a:spLocks noGrp="1"/>
-          </p:cNvSpPr>
-          <p:nvPr>
-            <p:ph type="title"/>
-          </p:nvPr>
-        </p:nvSpPr>
-        <p:spPr>
-          <a:xfrm>
-            <a:off x="1484313" y="3308581"/>
-            <a:ext cx="10018709" cy="1468800"/>
-          </a:xfrm>
-        </p:spPr>
-        <p:txBody>
-          <a:bodyPr anchor="b">
-            <a:normAutofit/>
-          </a:bodyPr>
-          <a:lstStyle>
-            <a:lvl1pPr algn="r">
-              <a:defRPr sz="3200" b="0" cap="none"/>
-            </a:lvl1pPr>
-          </a:lstStyle>
-          <a:p>
-            <a:r>
-              <a:rPr lang="en-US"/>
-              <a:t>Click to edit Master title style</a:t>
-            </a:r>
-            <a:endParaRPr lang="en-US" dirty="0"/>
-          </a:p>
-        </p:txBody>
-      </p:sp>
-      <p:sp>
-        <p:nvSpPr>
-          <p:cNvPr id="3" name="Text Placeholder 2"/>
-          <p:cNvSpPr>
-            <a:spLocks noGrp="1"/>
-          </p:cNvSpPr>
-          <p:nvPr>
-            <p:ph type="body" idx="1"/>
-          </p:nvPr>
-        </p:nvSpPr>
-        <p:spPr>
-          <a:xfrm>
-            <a:off x="1484312" y="4777381"/>
-            <a:ext cx="10018710" cy="860400"/>
-          </a:xfrm>
-        </p:spPr>
-        <p:txBody>
-          <a:bodyPr anchor="t">
-            <a:normAutofit/>
-          </a:bodyPr>
-          <a:lstStyle>
-            <a:lvl1pPr marL="0" indent="0" algn="r">
-              <a:buNone/>
-              <a:defRPr sz="2000">
-                <a:solidFill>
-                  <a:schemeClr val="tx1"/>
-                </a:solidFill>
-              </a:defRPr>
-            </a:lvl1pPr>
-            <a:lvl2pPr marL="457200" indent="0">
-              <a:buNone/>
-              <a:defRPr sz="1800">
-                <a:solidFill>
-                  <a:schemeClr val="tx1">
-                    <a:tint val="75000"/>
-                  </a:schemeClr>
-                </a:solidFill>
-              </a:defRPr>
-            </a:lvl2pPr>
-            <a:lvl3pPr marL="914400" indent="0">
-              <a:buNone/>
-              <a:defRPr sz="1600">
-                <a:solidFill>
-                  <a:schemeClr val="tx1">
-                    <a:tint val="75000"/>
-                  </a:schemeClr>
-                </a:solidFill>
-              </a:defRPr>
-            </a:lvl3pPr>
-            <a:lvl4pPr marL="1371600" indent="0">
-              <a:buNone/>
-              <a:defRPr sz="1400">
-                <a:solidFill>
-                  <a:schemeClr val="tx1">
-                    <a:tint val="75000"/>
-                  </a:schemeClr>
-                </a:solidFill>
-              </a:defRPr>
-            </a:lvl4pPr>
-            <a:lvl5pPr marL="1828800" indent="0">
-              <a:buNone/>
-              <a:defRPr sz="1400">
-                <a:solidFill>
-                  <a:schemeClr val="tx1">
-                    <a:tint val="75000"/>
-                  </a:schemeClr>
-                </a:solidFill>
-              </a:defRPr>
-            </a:lvl5pPr>
-            <a:lvl6pPr marL="2286000" indent="0">
-              <a:buNone/>
-              <a:defRPr sz="1400">
-                <a:solidFill>
-                  <a:schemeClr val="tx1">
-                    <a:tint val="75000"/>
-                  </a:schemeClr>
-                </a:solidFill>
-              </a:defRPr>
-            </a:lvl6pPr>
-            <a:lvl7pPr marL="2743200" indent="0">
-              <a:buNone/>
-              <a:defRPr sz="1400">
-                <a:solidFill>
-                  <a:schemeClr val="tx1">
-                    <a:tint val="75000"/>
-                  </a:schemeClr>
-                </a:solidFill>
-              </a:defRPr>
-            </a:lvl7pPr>
-            <a:lvl8pPr marL="3200400" indent="0">
-              <a:buNone/>
-              <a:defRPr sz="1400">
-                <a:solidFill>
-                  <a:schemeClr val="tx1">
-                    <a:tint val="75000"/>
-                  </a:schemeClr>
-                </a:solidFill>
-              </a:defRPr>
-            </a:lvl8pPr>
-            <a:lvl9pPr marL="3657600" indent="0">
-              <a:buNone/>
-              <a:defRPr sz="1400">
-                <a:solidFill>
-                  <a:schemeClr val="tx1">
-                    <a:tint val="75000"/>
-                  </a:schemeClr>
-                </a:solidFill>
-              </a:defRPr>
-            </a:lvl9pPr>
-          </a:lstStyle>
-          <a:p>
-            <a:pPr lvl="0"/>
-            <a:r>
-              <a:rPr lang="en-US"/>
-              <a:t>Click to edit Master text styles</a:t>
-            </a:r>
-          </a:p>
-        </p:txBody>
-      </p:sp>
-      <p:sp>
-        <p:nvSpPr>
-          <p:cNvPr id="4" name="Date Placeholder 3"/>
-          <p:cNvSpPr>
-            <a:spLocks noGrp="1"/>
-          </p:cNvSpPr>
-          <p:nvPr>
-            <p:ph type="dt" sz="half" idx="10"/>
-          </p:nvPr>
-        </p:nvSpPr>
-        <p:spPr/>
-        <p:txBody>
-          <a:bodyPr/>
-          <a:lstStyle/>
-          <a:p>
-            <a:fld id="{073ED0CC-082F-4160-86E5-0D6041F12778}" type="datetime1">
-              <a:rPr lang="en-US" smtClean="0"/>
-              <a:t>2/23/2023</a:t>
-            </a:fld>
-            <a:endParaRPr lang="en-US" dirty="0"/>
-          </a:p>
-        </p:txBody>
-      </p:sp>
-      <p:sp>
-        <p:nvSpPr>
-          <p:cNvPr id="5" name="Footer Placeholder 4"/>
-          <p:cNvSpPr>
-            <a:spLocks noGrp="1"/>
-          </p:cNvSpPr>
-          <p:nvPr>
-            <p:ph type="ftr" sz="quarter" idx="11"/>
-          </p:nvPr>
-        </p:nvSpPr>
-        <p:spPr/>
-        <p:txBody>
-          <a:bodyPr/>
-          <a:lstStyle/>
-          <a:p>
-            <a:endParaRPr lang="en-US" dirty="0"/>
-          </a:p>
-        </p:txBody>
-      </p:sp>
-      <p:sp>
-        <p:nvSpPr>
-          <p:cNvPr id="6" name="Slide Number Placeholder 5"/>
-          <p:cNvSpPr>
-            <a:spLocks noGrp="1"/>
-          </p:cNvSpPr>
-          <p:nvPr>
-            <p:ph type="sldNum" sz="quarter" idx="12"/>
-          </p:nvPr>
-        </p:nvSpPr>
-        <p:spPr/>
-        <p:txBody>
-          <a:bodyPr/>
-          <a:lstStyle/>
-          <a:p>
-            <a:fld id="{3A98EE3D-8CD1-4C3F-BD1C-C98C9596463C}" type="slidenum">
-              <a:rPr lang="en-US" smtClean="0"/>
-              <a:t>‹#›</a:t>
-            </a:fld>
-            <a:endParaRPr lang="en-US" dirty="0"/>
-          </a:p>
-        </p:txBody>
-      </p:sp>
-    </p:spTree>
-    <p:extLst>
-      <p:ext uri="{BB962C8B-B14F-4D97-AF65-F5344CB8AC3E}">
-        <p14:creationId xmlns:p14="http://schemas.microsoft.com/office/powerpoint/2010/main" val="763271265"/>
-      </p:ext>
-    </p:extLst>
-  </p:cSld>
-  <p:clrMapOvr>
-    <a:masterClrMapping/>
-  </p:clrMapOvr>
-  <p:hf sldNum="0" hdr="0" ftr="0" dt="0"/>
-</p:sldLayout>
-</file>
-
-<file path=ppt/slideLayouts/slideLayout14.xml><?xml version="1.0" encoding="utf-8"?>
-<p:sldLayout xmlns:a="http://schemas.openxmlformats.org/drawingml/2006/main" xmlns:r="http://schemas.openxmlformats.org/officeDocument/2006/relationships" xmlns:p="http://schemas.openxmlformats.org/presentationml/2006/main" preserve="1">
-  <p:cSld name="Quote Name Card">
-    <p:spTree>
-      <p:nvGrpSpPr>
-        <p:cNvPr id="1" name=""/>
-        <p:cNvGrpSpPr/>
-        <p:nvPr/>
-      </p:nvGrpSpPr>
-      <p:grpSpPr>
-        <a:xfrm>
-          <a:off x="0" y="0"/>
-          <a:ext cx="0" cy="0"/>
-          <a:chOff x="0" y="0"/>
-          <a:chExt cx="0" cy="0"/>
-        </a:xfrm>
-      </p:grpSpPr>
-      <p:sp>
-        <p:nvSpPr>
-          <p:cNvPr id="14" name="TextBox 13"/>
-          <p:cNvSpPr txBox="1"/>
-          <p:nvPr/>
-        </p:nvSpPr>
-        <p:spPr>
-          <a:xfrm>
-            <a:off x="1598612" y="863023"/>
-            <a:ext cx="609600" cy="584776"/>
-          </a:xfrm>
-          <a:prstGeom prst="rect">
-            <a:avLst/>
-          </a:prstGeom>
-        </p:spPr>
-        <p:txBody>
-          <a:bodyPr vert="horz" lIns="91440" tIns="45720" rIns="91440" bIns="45720" rtlCol="0" anchor="ctr">
-            <a:noAutofit/>
-          </a:bodyPr>
-          <a:lstStyle>
-            <a:lvl1pPr>
-              <a:spcBef>
-                <a:spcPct val="0"/>
-              </a:spcBef>
-              <a:buNone/>
-              <a:defRPr sz="3200" b="0" cap="all">
-                <a:ln w="3175" cmpd="sng">
-                  <a:noFill/>
-                </a:ln>
-                <a:effectLst>
-                  <a:glow rad="38100">
-                    <a:schemeClr val="bg1">
-                      <a:lumMod val="65000"/>
-                      <a:lumOff val="35000"/>
-                      <a:alpha val="40000"/>
-                    </a:schemeClr>
-                  </a:glow>
-                  <a:outerShdw blurRad="28575" dist="38100" dir="14040000" algn="tl" rotWithShape="0">
-                    <a:srgbClr val="000000">
-                      <a:alpha val="25000"/>
-                    </a:srgbClr>
-                  </a:outerShdw>
-                </a:effectLst>
-              </a:defRPr>
-            </a:lvl1pPr>
-            <a:lvl2pPr>
-              <a:defRPr>
-                <a:solidFill>
-                  <a:schemeClr val="tx2"/>
-                </a:solidFill>
-              </a:defRPr>
-            </a:lvl2pPr>
-            <a:lvl3pPr>
-              <a:defRPr>
-                <a:solidFill>
-                  <a:schemeClr val="tx2"/>
-                </a:solidFill>
-              </a:defRPr>
-            </a:lvl3pPr>
-            <a:lvl4pPr>
-              <a:defRPr>
-                <a:solidFill>
-                  <a:schemeClr val="tx2"/>
-                </a:solidFill>
-              </a:defRPr>
-            </a:lvl4pPr>
-            <a:lvl5pPr>
-              <a:defRPr>
-                <a:solidFill>
-                  <a:schemeClr val="tx2"/>
-                </a:solidFill>
-              </a:defRPr>
-            </a:lvl5pPr>
-            <a:lvl6pPr>
-              <a:defRPr>
-                <a:solidFill>
-                  <a:schemeClr val="tx2"/>
-                </a:solidFill>
-              </a:defRPr>
-            </a:lvl6pPr>
-            <a:lvl7pPr>
-              <a:defRPr>
-                <a:solidFill>
-                  <a:schemeClr val="tx2"/>
-                </a:solidFill>
-              </a:defRPr>
-            </a:lvl7pPr>
-            <a:lvl8pPr>
-              <a:defRPr>
-                <a:solidFill>
-                  <a:schemeClr val="tx2"/>
-                </a:solidFill>
-              </a:defRPr>
-            </a:lvl8pPr>
-            <a:lvl9pPr>
-              <a:defRPr>
-                <a:solidFill>
-                  <a:schemeClr val="tx2"/>
-                </a:solidFill>
-              </a:defRPr>
-            </a:lvl9pPr>
-          </a:lstStyle>
-          <a:p>
-            <a:pPr lvl="0"/>
-            <a:r>
-              <a:rPr lang="en-US" sz="8000" dirty="0">
-                <a:solidFill>
-                  <a:schemeClr val="tx1"/>
-                </a:solidFill>
-                <a:effectLst/>
-              </a:rPr>
-              <a:t>“</a:t>
-            </a:r>
-          </a:p>
-        </p:txBody>
-      </p:sp>
-      <p:sp>
-        <p:nvSpPr>
-          <p:cNvPr id="15" name="TextBox 14"/>
-          <p:cNvSpPr txBox="1"/>
-          <p:nvPr/>
-        </p:nvSpPr>
-        <p:spPr>
-          <a:xfrm>
-            <a:off x="10893425" y="2819399"/>
-            <a:ext cx="609600" cy="584776"/>
-          </a:xfrm>
-          <a:prstGeom prst="rect">
-            <a:avLst/>
-          </a:prstGeom>
-        </p:spPr>
-        <p:txBody>
-          <a:bodyPr vert="horz" lIns="91440" tIns="45720" rIns="91440" bIns="45720" rtlCol="0" anchor="ctr">
-            <a:noAutofit/>
-          </a:bodyPr>
-          <a:lstStyle>
-            <a:lvl1pPr>
-              <a:spcBef>
-                <a:spcPct val="0"/>
-              </a:spcBef>
-              <a:buNone/>
-              <a:defRPr sz="3200" b="0" cap="all">
-                <a:ln w="3175" cmpd="sng">
-                  <a:noFill/>
-                </a:ln>
-                <a:effectLst>
-                  <a:glow rad="38100">
-                    <a:schemeClr val="bg1">
-                      <a:lumMod val="65000"/>
-                      <a:lumOff val="35000"/>
-                      <a:alpha val="40000"/>
-                    </a:schemeClr>
-                  </a:glow>
-                  <a:outerShdw blurRad="28575" dist="38100" dir="14040000" algn="tl" rotWithShape="0">
-                    <a:srgbClr val="000000">
-                      <a:alpha val="25000"/>
-                    </a:srgbClr>
-                  </a:outerShdw>
-                </a:effectLst>
-              </a:defRPr>
-            </a:lvl1pPr>
-            <a:lvl2pPr>
-              <a:defRPr>
-                <a:solidFill>
-                  <a:schemeClr val="tx2"/>
-                </a:solidFill>
-              </a:defRPr>
-            </a:lvl2pPr>
-            <a:lvl3pPr>
-              <a:defRPr>
-                <a:solidFill>
-                  <a:schemeClr val="tx2"/>
-                </a:solidFill>
-              </a:defRPr>
-            </a:lvl3pPr>
-            <a:lvl4pPr>
-              <a:defRPr>
-                <a:solidFill>
-                  <a:schemeClr val="tx2"/>
-                </a:solidFill>
-              </a:defRPr>
-            </a:lvl4pPr>
-            <a:lvl5pPr>
-              <a:defRPr>
-                <a:solidFill>
-                  <a:schemeClr val="tx2"/>
-                </a:solidFill>
-              </a:defRPr>
-            </a:lvl5pPr>
-            <a:lvl6pPr>
-              <a:defRPr>
-                <a:solidFill>
-                  <a:schemeClr val="tx2"/>
-                </a:solidFill>
-              </a:defRPr>
-            </a:lvl6pPr>
-            <a:lvl7pPr>
-              <a:defRPr>
-                <a:solidFill>
-                  <a:schemeClr val="tx2"/>
-                </a:solidFill>
-              </a:defRPr>
-            </a:lvl7pPr>
-            <a:lvl8pPr>
-              <a:defRPr>
-                <a:solidFill>
-                  <a:schemeClr val="tx2"/>
-                </a:solidFill>
-              </a:defRPr>
-            </a:lvl8pPr>
-            <a:lvl9pPr>
-              <a:defRPr>
-                <a:solidFill>
-                  <a:schemeClr val="tx2"/>
-                </a:solidFill>
-              </a:defRPr>
-            </a:lvl9pPr>
-          </a:lstStyle>
-          <a:p>
-            <a:pPr lvl="0" algn="r"/>
-            <a:r>
-              <a:rPr lang="en-US" sz="8000" dirty="0">
-                <a:solidFill>
-                  <a:schemeClr val="tx1"/>
-                </a:solidFill>
-                <a:effectLst/>
-              </a:rPr>
-              <a:t>”</a:t>
-            </a:r>
-          </a:p>
-        </p:txBody>
-      </p:sp>
-      <p:sp>
-        <p:nvSpPr>
-          <p:cNvPr id="2" name="Title 1"/>
-          <p:cNvSpPr>
-            <a:spLocks noGrp="1"/>
-          </p:cNvSpPr>
-          <p:nvPr>
-            <p:ph type="title"/>
-          </p:nvPr>
-        </p:nvSpPr>
-        <p:spPr>
-          <a:xfrm>
-            <a:off x="2208212" y="685800"/>
-            <a:ext cx="8990012" cy="2743199"/>
-          </a:xfrm>
-        </p:spPr>
-        <p:txBody>
-          <a:bodyPr anchor="ctr">
-            <a:normAutofit/>
-          </a:bodyPr>
-          <a:lstStyle>
-            <a:lvl1pPr algn="ctr">
-              <a:defRPr sz="3200" b="0" cap="none">
-                <a:solidFill>
-                  <a:schemeClr val="tx1"/>
-                </a:solidFill>
-              </a:defRPr>
-            </a:lvl1pPr>
-          </a:lstStyle>
-          <a:p>
-            <a:r>
-              <a:rPr lang="en-US"/>
-              <a:t>Click to edit Master title style</a:t>
-            </a:r>
-            <a:endParaRPr lang="en-US" dirty="0"/>
-          </a:p>
-        </p:txBody>
-      </p:sp>
-      <p:sp>
-        <p:nvSpPr>
-          <p:cNvPr id="10" name="Text Placeholder 9"/>
-          <p:cNvSpPr>
-            <a:spLocks noGrp="1"/>
-          </p:cNvSpPr>
-          <p:nvPr>
-            <p:ph type="body" sz="quarter" idx="13"/>
-          </p:nvPr>
-        </p:nvSpPr>
-        <p:spPr>
-          <a:xfrm>
-            <a:off x="1484313" y="3886200"/>
-            <a:ext cx="10018710" cy="889000"/>
-          </a:xfrm>
-        </p:spPr>
-        <p:txBody>
-          <a:bodyPr vert="horz" lIns="91440" tIns="45720" rIns="91440" bIns="45720" rtlCol="0" anchor="b">
-            <a:normAutofit/>
-          </a:bodyPr>
-          <a:lstStyle>
-            <a:lvl1pPr algn="r">
-              <a:buNone/>
-              <a:defRPr lang="en-US" sz="2400" b="0" cap="none" dirty="0">
-                <a:ln w="3175" cmpd="sng">
-                  <a:noFill/>
-                </a:ln>
-                <a:solidFill>
-                  <a:schemeClr val="tx1"/>
-                </a:solidFill>
-                <a:effectLst/>
-              </a:defRPr>
-            </a:lvl1pPr>
-          </a:lstStyle>
-          <a:p>
-            <a:pPr marL="0" lvl="0">
-              <a:spcBef>
-                <a:spcPct val="0"/>
-              </a:spcBef>
-              <a:buNone/>
-            </a:pPr>
-            <a:r>
-              <a:rPr lang="en-US"/>
-              <a:t>Click to edit Master text styles</a:t>
-            </a:r>
-          </a:p>
-        </p:txBody>
-      </p:sp>
-      <p:sp>
-        <p:nvSpPr>
-          <p:cNvPr id="3" name="Text Placeholder 2"/>
-          <p:cNvSpPr>
-            <a:spLocks noGrp="1"/>
-          </p:cNvSpPr>
-          <p:nvPr>
-            <p:ph type="body" idx="1"/>
-          </p:nvPr>
-        </p:nvSpPr>
-        <p:spPr>
-          <a:xfrm>
-            <a:off x="1484312" y="4775200"/>
-            <a:ext cx="10018710" cy="1016000"/>
-          </a:xfrm>
-        </p:spPr>
-        <p:txBody>
-          <a:bodyPr anchor="t">
-            <a:normAutofit/>
-          </a:bodyPr>
-          <a:lstStyle>
-            <a:lvl1pPr marL="0" indent="0" algn="r">
-              <a:buNone/>
-              <a:defRPr sz="1800">
-                <a:solidFill>
-                  <a:schemeClr val="tx1"/>
-                </a:solidFill>
-              </a:defRPr>
-            </a:lvl1pPr>
-            <a:lvl2pPr marL="457200" indent="0">
-              <a:buNone/>
-              <a:defRPr sz="1800">
-                <a:solidFill>
-                  <a:schemeClr val="tx1">
-                    <a:tint val="75000"/>
-                  </a:schemeClr>
-                </a:solidFill>
-              </a:defRPr>
-            </a:lvl2pPr>
-            <a:lvl3pPr marL="914400" indent="0">
-              <a:buNone/>
-              <a:defRPr sz="1600">
-                <a:solidFill>
-                  <a:schemeClr val="tx1">
-                    <a:tint val="75000"/>
-                  </a:schemeClr>
-                </a:solidFill>
-              </a:defRPr>
-            </a:lvl3pPr>
-            <a:lvl4pPr marL="1371600" indent="0">
-              <a:buNone/>
-              <a:defRPr sz="1400">
-                <a:solidFill>
-                  <a:schemeClr val="tx1">
-                    <a:tint val="75000"/>
-                  </a:schemeClr>
-                </a:solidFill>
-              </a:defRPr>
-            </a:lvl4pPr>
-            <a:lvl5pPr marL="1828800" indent="0">
-              <a:buNone/>
-              <a:defRPr sz="1400">
-                <a:solidFill>
-                  <a:schemeClr val="tx1">
-                    <a:tint val="75000"/>
-                  </a:schemeClr>
-                </a:solidFill>
-              </a:defRPr>
-            </a:lvl5pPr>
-            <a:lvl6pPr marL="2286000" indent="0">
-              <a:buNone/>
-              <a:defRPr sz="1400">
-                <a:solidFill>
-                  <a:schemeClr val="tx1">
-                    <a:tint val="75000"/>
-                  </a:schemeClr>
-                </a:solidFill>
-              </a:defRPr>
-            </a:lvl6pPr>
-            <a:lvl7pPr marL="2743200" indent="0">
-              <a:buNone/>
-              <a:defRPr sz="1400">
-                <a:solidFill>
-                  <a:schemeClr val="tx1">
-                    <a:tint val="75000"/>
-                  </a:schemeClr>
-                </a:solidFill>
-              </a:defRPr>
-            </a:lvl7pPr>
-            <a:lvl8pPr marL="3200400" indent="0">
-              <a:buNone/>
-              <a:defRPr sz="1400">
-                <a:solidFill>
-                  <a:schemeClr val="tx1">
-                    <a:tint val="75000"/>
-                  </a:schemeClr>
-                </a:solidFill>
-              </a:defRPr>
-            </a:lvl8pPr>
-            <a:lvl9pPr marL="3657600" indent="0">
-              <a:buNone/>
-              <a:defRPr sz="1400">
-                <a:solidFill>
-                  <a:schemeClr val="tx1">
-                    <a:tint val="75000"/>
-                  </a:schemeClr>
-                </a:solidFill>
-              </a:defRPr>
-            </a:lvl9pPr>
-          </a:lstStyle>
-          <a:p>
-            <a:pPr lvl="0"/>
-            <a:r>
-              <a:rPr lang="en-US"/>
-              <a:t>Click to edit Master text styles</a:t>
-            </a:r>
-          </a:p>
-        </p:txBody>
-      </p:sp>
-      <p:sp>
-        <p:nvSpPr>
-          <p:cNvPr id="4" name="Date Placeholder 3"/>
-          <p:cNvSpPr>
-            <a:spLocks noGrp="1"/>
-          </p:cNvSpPr>
-          <p:nvPr>
-            <p:ph type="dt" sz="half" idx="10"/>
-          </p:nvPr>
-        </p:nvSpPr>
-        <p:spPr/>
-        <p:txBody>
-          <a:bodyPr/>
-          <a:lstStyle/>
-          <a:p>
-            <a:fld id="{073ED0CC-082F-4160-86E5-0D6041F12778}" type="datetime1">
-              <a:rPr lang="en-US" smtClean="0"/>
-              <a:t>2/23/2023</a:t>
-            </a:fld>
-            <a:endParaRPr lang="en-US" dirty="0"/>
-          </a:p>
-        </p:txBody>
-      </p:sp>
-      <p:sp>
-        <p:nvSpPr>
-          <p:cNvPr id="5" name="Footer Placeholder 4"/>
-          <p:cNvSpPr>
-            <a:spLocks noGrp="1"/>
-          </p:cNvSpPr>
-          <p:nvPr>
-            <p:ph type="ftr" sz="quarter" idx="11"/>
-          </p:nvPr>
-        </p:nvSpPr>
-        <p:spPr/>
-        <p:txBody>
-          <a:bodyPr/>
-          <a:lstStyle/>
-          <a:p>
-            <a:endParaRPr lang="en-US" dirty="0"/>
-          </a:p>
-        </p:txBody>
-      </p:sp>
-      <p:sp>
-        <p:nvSpPr>
-          <p:cNvPr id="6" name="Slide Number Placeholder 5"/>
-          <p:cNvSpPr>
-            <a:spLocks noGrp="1"/>
-          </p:cNvSpPr>
-          <p:nvPr>
-            <p:ph type="sldNum" sz="quarter" idx="12"/>
-          </p:nvPr>
-        </p:nvSpPr>
-        <p:spPr/>
-        <p:txBody>
-          <a:bodyPr/>
-          <a:lstStyle/>
-          <a:p>
-            <a:fld id="{3A98EE3D-8CD1-4C3F-BD1C-C98C9596463C}" type="slidenum">
-              <a:rPr lang="en-US" smtClean="0"/>
-              <a:t>‹#›</a:t>
-            </a:fld>
-            <a:endParaRPr lang="en-US" dirty="0"/>
-          </a:p>
-        </p:txBody>
-      </p:sp>
-    </p:spTree>
-    <p:extLst>
-      <p:ext uri="{BB962C8B-B14F-4D97-AF65-F5344CB8AC3E}">
-        <p14:creationId xmlns:p14="http://schemas.microsoft.com/office/powerpoint/2010/main" val="2891663043"/>
-      </p:ext>
-    </p:extLst>
-  </p:cSld>
-  <p:clrMapOvr>
-    <a:masterClrMapping/>
-  </p:clrMapOvr>
-  <p:hf sldNum="0" hdr="0" ftr="0" dt="0"/>
-</p:sldLayout>
-</file>
-
-<file path=ppt/slideLayouts/slideLayout15.xml><?xml version="1.0" encoding="utf-8"?>
-<p:sldLayout xmlns:a="http://schemas.openxmlformats.org/drawingml/2006/main" xmlns:r="http://schemas.openxmlformats.org/officeDocument/2006/relationships" xmlns:p="http://schemas.openxmlformats.org/presentationml/2006/main" preserve="1">
-  <p:cSld name="True or False">
-    <p:spTree>
-      <p:nvGrpSpPr>
-        <p:cNvPr id="1" name=""/>
-        <p:cNvGrpSpPr/>
-        <p:nvPr/>
-      </p:nvGrpSpPr>
-      <p:grpSpPr>
-        <a:xfrm>
-          <a:off x="0" y="0"/>
-          <a:ext cx="0" cy="0"/>
-          <a:chOff x="0" y="0"/>
-          <a:chExt cx="0" cy="0"/>
-        </a:xfrm>
-      </p:grpSpPr>
-      <p:sp>
-        <p:nvSpPr>
-          <p:cNvPr id="2" name="Title 1"/>
-          <p:cNvSpPr>
-            <a:spLocks noGrp="1"/>
-          </p:cNvSpPr>
-          <p:nvPr>
-            <p:ph type="title"/>
-          </p:nvPr>
-        </p:nvSpPr>
-        <p:spPr>
-          <a:xfrm>
-            <a:off x="1484313" y="685800"/>
-            <a:ext cx="10018712" cy="2727325"/>
-          </a:xfrm>
-        </p:spPr>
-        <p:txBody>
-          <a:bodyPr vert="horz" lIns="91440" tIns="45720" rIns="91440" bIns="45720" rtlCol="0" anchor="ctr">
-            <a:normAutofit/>
-          </a:bodyPr>
-          <a:lstStyle>
-            <a:lvl1pPr>
-              <a:defRPr lang="en-US" b="0" dirty="0"/>
-            </a:lvl1pPr>
-          </a:lstStyle>
-          <a:p>
-            <a:pPr marL="0" lvl="0"/>
-            <a:r>
-              <a:rPr lang="en-US"/>
-              <a:t>Click to edit Master title style</a:t>
-            </a:r>
-            <a:endParaRPr lang="en-US" dirty="0"/>
-          </a:p>
-        </p:txBody>
-      </p:sp>
-      <p:sp>
-        <p:nvSpPr>
-          <p:cNvPr id="10" name="Text Placeholder 9"/>
-          <p:cNvSpPr>
-            <a:spLocks noGrp="1"/>
-          </p:cNvSpPr>
-          <p:nvPr>
-            <p:ph type="body" sz="quarter" idx="13"/>
-          </p:nvPr>
-        </p:nvSpPr>
-        <p:spPr>
-          <a:xfrm>
-            <a:off x="1484312" y="3505200"/>
-            <a:ext cx="10018713" cy="838200"/>
-          </a:xfrm>
-        </p:spPr>
-        <p:txBody>
-          <a:bodyPr vert="horz" lIns="91440" tIns="45720" rIns="91440" bIns="45720" rtlCol="0" anchor="b">
-            <a:normAutofit/>
-          </a:bodyPr>
-          <a:lstStyle>
-            <a:lvl1pPr>
-              <a:buNone/>
-              <a:defRPr lang="en-US" sz="2800" b="0" cap="none" dirty="0">
-                <a:ln w="3175" cmpd="sng">
-                  <a:noFill/>
-                </a:ln>
-                <a:solidFill>
-                  <a:schemeClr val="tx1"/>
-                </a:solidFill>
-                <a:effectLst/>
-              </a:defRPr>
-            </a:lvl1pPr>
-          </a:lstStyle>
-          <a:p>
-            <a:pPr marL="0" lvl="0">
-              <a:spcBef>
-                <a:spcPct val="0"/>
-              </a:spcBef>
-              <a:buNone/>
-            </a:pPr>
-            <a:r>
-              <a:rPr lang="en-US"/>
-              <a:t>Click to edit Master text styles</a:t>
-            </a:r>
-          </a:p>
-        </p:txBody>
-      </p:sp>
-      <p:sp>
-        <p:nvSpPr>
-          <p:cNvPr id="3" name="Text Placeholder 2"/>
-          <p:cNvSpPr>
-            <a:spLocks noGrp="1"/>
-          </p:cNvSpPr>
-          <p:nvPr>
-            <p:ph type="body" idx="1"/>
-          </p:nvPr>
-        </p:nvSpPr>
-        <p:spPr>
-          <a:xfrm>
-            <a:off x="1484311" y="4343400"/>
-            <a:ext cx="10018713" cy="1447800"/>
-          </a:xfrm>
-        </p:spPr>
-        <p:txBody>
-          <a:bodyPr anchor="t">
-            <a:normAutofit/>
-          </a:bodyPr>
-          <a:lstStyle>
-            <a:lvl1pPr marL="0" indent="0" algn="l">
-              <a:buNone/>
-              <a:defRPr sz="1800">
-                <a:solidFill>
-                  <a:schemeClr val="tx1"/>
-                </a:solidFill>
-              </a:defRPr>
-            </a:lvl1pPr>
-            <a:lvl2pPr marL="457200" indent="0">
-              <a:buNone/>
-              <a:defRPr sz="1800">
-                <a:solidFill>
-                  <a:schemeClr val="tx1">
-                    <a:tint val="75000"/>
-                  </a:schemeClr>
-                </a:solidFill>
-              </a:defRPr>
-            </a:lvl2pPr>
-            <a:lvl3pPr marL="914400" indent="0">
-              <a:buNone/>
-              <a:defRPr sz="1600">
-                <a:solidFill>
-                  <a:schemeClr val="tx1">
-                    <a:tint val="75000"/>
-                  </a:schemeClr>
-                </a:solidFill>
-              </a:defRPr>
-            </a:lvl3pPr>
-            <a:lvl4pPr marL="1371600" indent="0">
-              <a:buNone/>
-              <a:defRPr sz="1400">
-                <a:solidFill>
-                  <a:schemeClr val="tx1">
-                    <a:tint val="75000"/>
-                  </a:schemeClr>
-                </a:solidFill>
-              </a:defRPr>
-            </a:lvl4pPr>
-            <a:lvl5pPr marL="1828800" indent="0">
-              <a:buNone/>
-              <a:defRPr sz="1400">
-                <a:solidFill>
-                  <a:schemeClr val="tx1">
-                    <a:tint val="75000"/>
-                  </a:schemeClr>
-                </a:solidFill>
-              </a:defRPr>
-            </a:lvl5pPr>
-            <a:lvl6pPr marL="2286000" indent="0">
-              <a:buNone/>
-              <a:defRPr sz="1400">
-                <a:solidFill>
-                  <a:schemeClr val="tx1">
-                    <a:tint val="75000"/>
-                  </a:schemeClr>
-                </a:solidFill>
-              </a:defRPr>
-            </a:lvl6pPr>
-            <a:lvl7pPr marL="2743200" indent="0">
-              <a:buNone/>
-              <a:defRPr sz="1400">
-                <a:solidFill>
-                  <a:schemeClr val="tx1">
-                    <a:tint val="75000"/>
-                  </a:schemeClr>
-                </a:solidFill>
-              </a:defRPr>
-            </a:lvl7pPr>
-            <a:lvl8pPr marL="3200400" indent="0">
-              <a:buNone/>
-              <a:defRPr sz="1400">
-                <a:solidFill>
-                  <a:schemeClr val="tx1">
-                    <a:tint val="75000"/>
-                  </a:schemeClr>
-                </a:solidFill>
-              </a:defRPr>
-            </a:lvl8pPr>
-            <a:lvl9pPr marL="3657600" indent="0">
-              <a:buNone/>
-              <a:defRPr sz="1400">
-                <a:solidFill>
-                  <a:schemeClr val="tx1">
-                    <a:tint val="75000"/>
-                  </a:schemeClr>
-                </a:solidFill>
-              </a:defRPr>
-            </a:lvl9pPr>
-          </a:lstStyle>
-          <a:p>
-            <a:pPr lvl="0"/>
-            <a:r>
-              <a:rPr lang="en-US"/>
-              <a:t>Click to edit Master text styles</a:t>
-            </a:r>
-          </a:p>
-        </p:txBody>
-      </p:sp>
-      <p:sp>
-        <p:nvSpPr>
-          <p:cNvPr id="4" name="Date Placeholder 3"/>
-          <p:cNvSpPr>
-            <a:spLocks noGrp="1"/>
-          </p:cNvSpPr>
-          <p:nvPr>
-            <p:ph type="dt" sz="half" idx="10"/>
-          </p:nvPr>
-        </p:nvSpPr>
-        <p:spPr/>
-        <p:txBody>
-          <a:bodyPr/>
-          <a:lstStyle/>
-          <a:p>
-            <a:fld id="{073ED0CC-082F-4160-86E5-0D6041F12778}" type="datetime1">
-              <a:rPr lang="en-US" smtClean="0"/>
-              <a:t>2/23/2023</a:t>
-            </a:fld>
-            <a:endParaRPr lang="en-US" dirty="0"/>
-          </a:p>
-        </p:txBody>
-      </p:sp>
-      <p:sp>
-        <p:nvSpPr>
-          <p:cNvPr id="5" name="Footer Placeholder 4"/>
-          <p:cNvSpPr>
-            <a:spLocks noGrp="1"/>
-          </p:cNvSpPr>
-          <p:nvPr>
-            <p:ph type="ftr" sz="quarter" idx="11"/>
-          </p:nvPr>
-        </p:nvSpPr>
-        <p:spPr/>
-        <p:txBody>
-          <a:bodyPr/>
-          <a:lstStyle/>
-          <a:p>
-            <a:endParaRPr lang="en-US" dirty="0"/>
-          </a:p>
-        </p:txBody>
-      </p:sp>
-      <p:sp>
-        <p:nvSpPr>
-          <p:cNvPr id="6" name="Slide Number Placeholder 5"/>
-          <p:cNvSpPr>
-            <a:spLocks noGrp="1"/>
-          </p:cNvSpPr>
-          <p:nvPr>
-            <p:ph type="sldNum" sz="quarter" idx="12"/>
-          </p:nvPr>
-        </p:nvSpPr>
-        <p:spPr/>
-        <p:txBody>
-          <a:bodyPr/>
-          <a:lstStyle/>
-          <a:p>
-            <a:fld id="{3A98EE3D-8CD1-4C3F-BD1C-C98C9596463C}" type="slidenum">
-              <a:rPr lang="en-US" smtClean="0"/>
-              <a:t>‹#›</a:t>
-            </a:fld>
-            <a:endParaRPr lang="en-US" dirty="0"/>
-          </a:p>
-        </p:txBody>
-      </p:sp>
-    </p:spTree>
-    <p:extLst>
-      <p:ext uri="{BB962C8B-B14F-4D97-AF65-F5344CB8AC3E}">
-        <p14:creationId xmlns:p14="http://schemas.microsoft.com/office/powerpoint/2010/main" val="3032119968"/>
-      </p:ext>
-    </p:extLst>
-  </p:cSld>
-  <p:clrMapOvr>
-    <a:masterClrMapping/>
-  </p:clrMapOvr>
-  <p:hf sldNum="0" hdr="0" ftr="0" dt="0"/>
-</p:sldLayout>
-</file>
-
-<file path=ppt/slideLayouts/slideLayout16.xml><?xml version="1.0" encoding="utf-8"?>
-<p:sldLayout xmlns:a="http://schemas.openxmlformats.org/drawingml/2006/main" xmlns:r="http://schemas.openxmlformats.org/officeDocument/2006/relationships" xmlns:p="http://schemas.openxmlformats.org/presentationml/2006/main" type="vertTx" preserve="1">
-  <p:cSld name="Title and Vertical Text">
-    <p:spTree>
-      <p:nvGrpSpPr>
-        <p:cNvPr id="1" name=""/>
-        <p:cNvGrpSpPr/>
-        <p:nvPr/>
-      </p:nvGrpSpPr>
-      <p:grpSpPr>
-        <a:xfrm>
-          <a:off x="0" y="0"/>
-          <a:ext cx="0" cy="0"/>
-          <a:chOff x="0" y="0"/>
-          <a:chExt cx="0" cy="0"/>
-        </a:xfrm>
-      </p:grpSpPr>
-      <p:sp>
-        <p:nvSpPr>
-          <p:cNvPr id="2" name="Title 1"/>
-          <p:cNvSpPr>
-            <a:spLocks noGrp="1"/>
-          </p:cNvSpPr>
-          <p:nvPr>
-            <p:ph type="title"/>
-          </p:nvPr>
-        </p:nvSpPr>
-        <p:spPr/>
-        <p:txBody>
-          <a:bodyPr/>
-          <a:lstStyle>
-            <a:lvl1pPr algn="ctr">
-              <a:defRPr/>
-            </a:lvl1pPr>
-          </a:lstStyle>
-          <a:p>
-            <a:r>
-              <a:rPr lang="en-US"/>
-              <a:t>Click to edit Master title style</a:t>
-            </a:r>
-            <a:endParaRPr lang="en-US" dirty="0"/>
-          </a:p>
-        </p:txBody>
-      </p:sp>
-      <p:sp>
-        <p:nvSpPr>
-          <p:cNvPr id="3" name="Vertical Text Placeholder 2"/>
-          <p:cNvSpPr>
-            <a:spLocks noGrp="1"/>
-          </p:cNvSpPr>
-          <p:nvPr>
-            <p:ph type="body" orient="vert" idx="1"/>
-          </p:nvPr>
-        </p:nvSpPr>
-        <p:spPr/>
-        <p:txBody>
-          <a:bodyPr vert="eaVert" anchor="t"/>
-          <a:lstStyle/>
-          <a:p>
-            <a:pPr lvl="0"/>
-            <a:r>
-              <a:rPr lang="en-US"/>
-              <a:t>Click to edit Master text styles</a:t>
-            </a:r>
-          </a:p>
-          <a:p>
-            <a:pPr lvl="1"/>
-            <a:r>
-              <a:rPr lang="en-US"/>
-              <a:t>Second level</a:t>
-            </a:r>
-          </a:p>
-          <a:p>
-            <a:pPr lvl="2"/>
-            <a:r>
-              <a:rPr lang="en-US"/>
-              <a:t>Third level</a:t>
-            </a:r>
-          </a:p>
-          <a:p>
-            <a:pPr lvl="3"/>
-            <a:r>
-              <a:rPr lang="en-US"/>
-              <a:t>Fourth level</a:t>
-            </a:r>
-          </a:p>
-          <a:p>
-            <a:pPr lvl="4"/>
-            <a:r>
-              <a:rPr lang="en-US"/>
-              <a:t>Fifth level</a:t>
-            </a:r>
-            <a:endParaRPr lang="en-US" dirty="0"/>
-          </a:p>
-        </p:txBody>
-      </p:sp>
-      <p:sp>
-        <p:nvSpPr>
-          <p:cNvPr id="4" name="Date Placeholder 3"/>
-          <p:cNvSpPr>
-            <a:spLocks noGrp="1"/>
-          </p:cNvSpPr>
-          <p:nvPr>
-            <p:ph type="dt" sz="half" idx="10"/>
-          </p:nvPr>
-        </p:nvSpPr>
-        <p:spPr/>
-        <p:txBody>
-          <a:bodyPr/>
-          <a:lstStyle/>
-          <a:p>
-            <a:fld id="{073ED0CC-082F-4160-86E5-0D6041F12778}" type="datetime1">
-              <a:rPr lang="en-US" smtClean="0"/>
-              <a:t>2/23/2023</a:t>
-            </a:fld>
-            <a:endParaRPr lang="en-US" dirty="0"/>
-          </a:p>
-        </p:txBody>
-      </p:sp>
-      <p:sp>
-        <p:nvSpPr>
-          <p:cNvPr id="5" name="Footer Placeholder 4"/>
-          <p:cNvSpPr>
-            <a:spLocks noGrp="1"/>
-          </p:cNvSpPr>
-          <p:nvPr>
-            <p:ph type="ftr" sz="quarter" idx="11"/>
-          </p:nvPr>
-        </p:nvSpPr>
-        <p:spPr/>
-        <p:txBody>
-          <a:bodyPr/>
-          <a:lstStyle/>
-          <a:p>
-            <a:endParaRPr lang="en-US" dirty="0"/>
-          </a:p>
-        </p:txBody>
-      </p:sp>
-      <p:sp>
-        <p:nvSpPr>
-          <p:cNvPr id="6" name="Slide Number Placeholder 5"/>
-          <p:cNvSpPr>
-            <a:spLocks noGrp="1"/>
-          </p:cNvSpPr>
-          <p:nvPr>
-            <p:ph type="sldNum" sz="quarter" idx="12"/>
-          </p:nvPr>
-        </p:nvSpPr>
-        <p:spPr/>
-        <p:txBody>
-          <a:bodyPr/>
-          <a:lstStyle/>
-          <a:p>
-            <a:fld id="{3A98EE3D-8CD1-4C3F-BD1C-C98C9596463C}" type="slidenum">
-              <a:rPr lang="en-US" smtClean="0"/>
-              <a:t>‹#›</a:t>
-            </a:fld>
-            <a:endParaRPr lang="en-US" dirty="0"/>
-          </a:p>
-        </p:txBody>
-      </p:sp>
-    </p:spTree>
-    <p:extLst>
-      <p:ext uri="{BB962C8B-B14F-4D97-AF65-F5344CB8AC3E}">
-        <p14:creationId xmlns:p14="http://schemas.microsoft.com/office/powerpoint/2010/main" val="3361885429"/>
-      </p:ext>
-    </p:extLst>
-  </p:cSld>
-  <p:clrMapOvr>
-    <a:masterClrMapping/>
-  </p:clrMapOvr>
-  <p:hf sldNum="0" hdr="0" ftr="0" dt="0"/>
-</p:sldLayout>
-</file>
-
-<file path=ppt/slideLayouts/slideLayout17.xml><?xml version="1.0" encoding="utf-8"?>
-<p:sldLayout xmlns:a="http://schemas.openxmlformats.org/drawingml/2006/main" xmlns:r="http://schemas.openxmlformats.org/officeDocument/2006/relationships" xmlns:p="http://schemas.openxmlformats.org/presentationml/2006/main" type="vertTitleAndTx" preserve="1">
-  <p:cSld name="Vertical Title and Text">
-    <p:spTree>
-      <p:nvGrpSpPr>
-        <p:cNvPr id="1" name=""/>
-        <p:cNvGrpSpPr/>
-        <p:nvPr/>
-      </p:nvGrpSpPr>
-      <p:grpSpPr>
-        <a:xfrm>
-          <a:off x="0" y="0"/>
-          <a:ext cx="0" cy="0"/>
-          <a:chOff x="0" y="0"/>
-          <a:chExt cx="0" cy="0"/>
-        </a:xfrm>
-      </p:grpSpPr>
-      <p:sp>
-        <p:nvSpPr>
-          <p:cNvPr id="2" name="Vertical Title 1"/>
-          <p:cNvSpPr>
-            <a:spLocks noGrp="1"/>
-          </p:cNvSpPr>
-          <p:nvPr>
-            <p:ph type="title" orient="vert"/>
-          </p:nvPr>
-        </p:nvSpPr>
-        <p:spPr>
-          <a:xfrm>
-            <a:off x="9732655" y="685800"/>
-            <a:ext cx="1770369" cy="5105400"/>
-          </a:xfrm>
-        </p:spPr>
-        <p:txBody>
-          <a:bodyPr vert="eaVert"/>
-          <a:lstStyle/>
-          <a:p>
-            <a:r>
-              <a:rPr lang="en-US"/>
-              <a:t>Click to edit Master title style</a:t>
-            </a:r>
-            <a:endParaRPr lang="en-US" dirty="0"/>
-          </a:p>
-        </p:txBody>
-      </p:sp>
-      <p:sp>
-        <p:nvSpPr>
-          <p:cNvPr id="3" name="Vertical Text Placeholder 2"/>
-          <p:cNvSpPr>
-            <a:spLocks noGrp="1"/>
-          </p:cNvSpPr>
-          <p:nvPr>
-            <p:ph type="body" orient="vert" idx="1"/>
-          </p:nvPr>
-        </p:nvSpPr>
-        <p:spPr>
-          <a:xfrm>
-            <a:off x="1484312" y="685800"/>
-            <a:ext cx="8019742" cy="5105400"/>
-          </a:xfrm>
-        </p:spPr>
-        <p:txBody>
-          <a:bodyPr vert="eaVert" anchor="t"/>
-          <a:lstStyle/>
-          <a:p>
-            <a:pPr lvl="0"/>
-            <a:r>
-              <a:rPr lang="en-US"/>
-              <a:t>Click to edit Master text styles</a:t>
-            </a:r>
-          </a:p>
-          <a:p>
-            <a:pPr lvl="1"/>
-            <a:r>
-              <a:rPr lang="en-US"/>
-              <a:t>Second level</a:t>
-            </a:r>
-          </a:p>
-          <a:p>
-            <a:pPr lvl="2"/>
-            <a:r>
-              <a:rPr lang="en-US"/>
-              <a:t>Third level</a:t>
-            </a:r>
-          </a:p>
-          <a:p>
-            <a:pPr lvl="3"/>
-            <a:r>
-              <a:rPr lang="en-US"/>
-              <a:t>Fourth level</a:t>
-            </a:r>
-          </a:p>
-          <a:p>
-            <a:pPr lvl="4"/>
-            <a:r>
-              <a:rPr lang="en-US"/>
-              <a:t>Fifth level</a:t>
-            </a:r>
-            <a:endParaRPr lang="en-US" dirty="0"/>
-          </a:p>
-        </p:txBody>
-      </p:sp>
-      <p:sp>
-        <p:nvSpPr>
-          <p:cNvPr id="4" name="Date Placeholder 3"/>
-          <p:cNvSpPr>
-            <a:spLocks noGrp="1"/>
-          </p:cNvSpPr>
-          <p:nvPr>
-            <p:ph type="dt" sz="half" idx="10"/>
-          </p:nvPr>
-        </p:nvSpPr>
-        <p:spPr/>
-        <p:txBody>
-          <a:bodyPr/>
-          <a:lstStyle/>
-          <a:p>
-            <a:fld id="{073ED0CC-082F-4160-86E5-0D6041F12778}" type="datetime1">
-              <a:rPr lang="en-US" smtClean="0"/>
-              <a:t>2/23/2023</a:t>
-            </a:fld>
-            <a:endParaRPr lang="en-US" dirty="0"/>
-          </a:p>
-        </p:txBody>
-      </p:sp>
-      <p:sp>
-        <p:nvSpPr>
-          <p:cNvPr id="5" name="Footer Placeholder 4"/>
-          <p:cNvSpPr>
-            <a:spLocks noGrp="1"/>
-          </p:cNvSpPr>
-          <p:nvPr>
-            <p:ph type="ftr" sz="quarter" idx="11"/>
-          </p:nvPr>
-        </p:nvSpPr>
-        <p:spPr/>
-        <p:txBody>
-          <a:bodyPr/>
-          <a:lstStyle/>
-          <a:p>
-            <a:endParaRPr lang="en-US" dirty="0"/>
-          </a:p>
-        </p:txBody>
-      </p:sp>
-      <p:sp>
-        <p:nvSpPr>
-          <p:cNvPr id="6" name="Slide Number Placeholder 5"/>
-          <p:cNvSpPr>
-            <a:spLocks noGrp="1"/>
-          </p:cNvSpPr>
-          <p:nvPr>
-            <p:ph type="sldNum" sz="quarter" idx="12"/>
-          </p:nvPr>
-        </p:nvSpPr>
-        <p:spPr/>
-        <p:txBody>
-          <a:bodyPr/>
-          <a:lstStyle/>
-          <a:p>
-            <a:fld id="{3A98EE3D-8CD1-4C3F-BD1C-C98C9596463C}" type="slidenum">
-              <a:rPr lang="en-US" smtClean="0"/>
-              <a:t>‹#›</a:t>
-            </a:fld>
-            <a:endParaRPr lang="en-US" dirty="0"/>
-          </a:p>
-        </p:txBody>
-      </p:sp>
-    </p:spTree>
-    <p:extLst>
-      <p:ext uri="{BB962C8B-B14F-4D97-AF65-F5344CB8AC3E}">
-        <p14:creationId xmlns:p14="http://schemas.microsoft.com/office/powerpoint/2010/main" val="2304084163"/>
-      </p:ext>
-    </p:extLst>
-  </p:cSld>
-  <p:clrMapOvr>
-    <a:masterClrMapping/>
-  </p:clrMapOvr>
-  <p:hf sldNum="0" hdr="0" ftr="0" dt="0"/>
-</p:sldLayout>
-</file>
-
-<file path=ppt/slideLayouts/slideLayout2.xml><?xml version="1.0" encoding="utf-8"?>
-<p:sldLayout xmlns:a="http://schemas.openxmlformats.org/drawingml/2006/main" xmlns:r="http://schemas.openxmlformats.org/officeDocument/2006/relationships" xmlns:p="http://schemas.openxmlformats.org/presentationml/2006/main" type="obj" preserve="1">
-  <p:cSld name="Title and Content">
-    <p:spTree>
-      <p:nvGrpSpPr>
-        <p:cNvPr id="1" name=""/>
-        <p:cNvGrpSpPr/>
-        <p:nvPr/>
-      </p:nvGrpSpPr>
-      <p:grpSpPr>
-        <a:xfrm>
-          <a:off x="0" y="0"/>
-          <a:ext cx="0" cy="0"/>
-          <a:chOff x="0" y="0"/>
-          <a:chExt cx="0" cy="0"/>
-        </a:xfrm>
-      </p:grpSpPr>
-      <p:sp>
-        <p:nvSpPr>
-          <p:cNvPr id="2" name="Title 1"/>
-          <p:cNvSpPr>
-            <a:spLocks noGrp="1"/>
-          </p:cNvSpPr>
-          <p:nvPr>
-            <p:ph type="title"/>
-          </p:nvPr>
-        </p:nvSpPr>
-        <p:spPr/>
-        <p:txBody>
-          <a:bodyPr/>
-          <a:lstStyle/>
-          <a:p>
-            <a:r>
-              <a:rPr lang="en-US"/>
-              <a:t>Click to edit Master title style</a:t>
-            </a:r>
-            <a:endParaRPr lang="en-US" dirty="0"/>
-          </a:p>
-        </p:txBody>
-      </p:sp>
-      <p:sp>
-        <p:nvSpPr>
-          <p:cNvPr id="3" name="Content Placeholder 2"/>
-          <p:cNvSpPr>
-            <a:spLocks noGrp="1"/>
-          </p:cNvSpPr>
-          <p:nvPr>
-            <p:ph idx="1"/>
-          </p:nvPr>
-        </p:nvSpPr>
-        <p:spPr/>
-        <p:txBody>
-          <a:bodyPr anchor="ctr"/>
-          <a:lstStyle/>
-          <a:p>
-            <a:pPr lvl="0"/>
-            <a:r>
-              <a:rPr lang="en-US"/>
-              <a:t>Click to edit Master text styles</a:t>
-            </a:r>
-          </a:p>
-          <a:p>
-            <a:pPr lvl="1"/>
-            <a:r>
-              <a:rPr lang="en-US"/>
-              <a:t>Second level</a:t>
-            </a:r>
-          </a:p>
-          <a:p>
-            <a:pPr lvl="2"/>
-            <a:r>
-              <a:rPr lang="en-US"/>
-              <a:t>Third level</a:t>
-            </a:r>
-          </a:p>
-          <a:p>
-            <a:pPr lvl="3"/>
-            <a:r>
-              <a:rPr lang="en-US"/>
-              <a:t>Fourth level</a:t>
-            </a:r>
-          </a:p>
-          <a:p>
-            <a:pPr lvl="4"/>
-            <a:r>
-              <a:rPr lang="en-US"/>
-              <a:t>Fifth level</a:t>
-            </a:r>
-            <a:endParaRPr lang="en-US" dirty="0"/>
-          </a:p>
-        </p:txBody>
-      </p:sp>
-      <p:sp>
-        <p:nvSpPr>
-          <p:cNvPr id="4" name="Date Placeholder 3"/>
-          <p:cNvSpPr>
-            <a:spLocks noGrp="1"/>
-          </p:cNvSpPr>
-          <p:nvPr>
-            <p:ph type="dt" sz="half" idx="10"/>
-          </p:nvPr>
-        </p:nvSpPr>
-        <p:spPr/>
-        <p:txBody>
-          <a:bodyPr/>
-          <a:lstStyle/>
-          <a:p>
-            <a:fld id="{73C55A3C-5767-4844-A0A3-83778C2E5409}" type="datetime1">
-              <a:rPr lang="en-US" smtClean="0"/>
-              <a:t>2/23/2023</a:t>
-            </a:fld>
-            <a:endParaRPr lang="en-US" dirty="0"/>
-          </a:p>
-        </p:txBody>
-      </p:sp>
-      <p:sp>
-        <p:nvSpPr>
-          <p:cNvPr id="5" name="Footer Placeholder 4"/>
-          <p:cNvSpPr>
-            <a:spLocks noGrp="1"/>
-          </p:cNvSpPr>
-          <p:nvPr>
-            <p:ph type="ftr" sz="quarter" idx="11"/>
-          </p:nvPr>
-        </p:nvSpPr>
-        <p:spPr/>
-        <p:txBody>
-          <a:bodyPr/>
-          <a:lstStyle/>
-          <a:p>
-            <a:endParaRPr lang="en-US" dirty="0"/>
-          </a:p>
-        </p:txBody>
-      </p:sp>
-      <p:sp>
-        <p:nvSpPr>
-          <p:cNvPr id="6" name="Slide Number Placeholder 5"/>
-          <p:cNvSpPr>
-            <a:spLocks noGrp="1"/>
-          </p:cNvSpPr>
-          <p:nvPr>
-            <p:ph type="sldNum" sz="quarter" idx="12"/>
-          </p:nvPr>
-        </p:nvSpPr>
-        <p:spPr>
-          <a:xfrm>
-            <a:off x="10951856" y="5867131"/>
-            <a:ext cx="551167" cy="365125"/>
-          </a:xfrm>
-        </p:spPr>
-        <p:txBody>
-          <a:bodyPr/>
-          <a:lstStyle/>
-          <a:p>
-            <a:fld id="{3A98EE3D-8CD1-4C3F-BD1C-C98C9596463C}" type="slidenum">
-              <a:rPr lang="en-US" smtClean="0"/>
-              <a:t>‹#›</a:t>
-            </a:fld>
-            <a:endParaRPr lang="en-US" dirty="0"/>
-          </a:p>
-        </p:txBody>
-      </p:sp>
-    </p:spTree>
-    <p:extLst>
-      <p:ext uri="{BB962C8B-B14F-4D97-AF65-F5344CB8AC3E}">
-        <p14:creationId xmlns:p14="http://schemas.microsoft.com/office/powerpoint/2010/main" val="799951206"/>
-      </p:ext>
-    </p:extLst>
-  </p:cSld>
-  <p:clrMapOvr>
-    <a:masterClrMapping/>
-  </p:clrMapOvr>
-</p:sldLayout>
-</file>
-
-<file path=ppt/slideLayouts/slideLayout3.xml><?xml version="1.0" encoding="utf-8"?>
-<p:sldLayout xmlns:a="http://schemas.openxmlformats.org/drawingml/2006/main" xmlns:r="http://schemas.openxmlformats.org/officeDocument/2006/relationships" xmlns:p="http://schemas.openxmlformats.org/presentationml/2006/main" type="secHead" preserve="1">
-  <p:cSld name="Section Header">
-    <p:spTree>
-      <p:nvGrpSpPr>
-        <p:cNvPr id="1" name=""/>
-        <p:cNvGrpSpPr/>
-        <p:nvPr/>
-      </p:nvGrpSpPr>
-      <p:grpSpPr>
-        <a:xfrm>
-          <a:off x="0" y="0"/>
-          <a:ext cx="0" cy="0"/>
-          <a:chOff x="0" y="0"/>
-          <a:chExt cx="0" cy="0"/>
-        </a:xfrm>
-      </p:grpSpPr>
-      <p:sp>
-        <p:nvSpPr>
-          <p:cNvPr id="2" name="Title 1"/>
-          <p:cNvSpPr>
-            <a:spLocks noGrp="1"/>
-          </p:cNvSpPr>
-          <p:nvPr>
-            <p:ph type="title"/>
-          </p:nvPr>
-        </p:nvSpPr>
-        <p:spPr>
-          <a:xfrm>
-            <a:off x="2572279" y="2666999"/>
-            <a:ext cx="8930747" cy="2110382"/>
-          </a:xfrm>
-        </p:spPr>
-        <p:txBody>
-          <a:bodyPr anchor="b"/>
-          <a:lstStyle>
-            <a:lvl1pPr algn="r">
-              <a:defRPr sz="4000" b="0" cap="none"/>
-            </a:lvl1pPr>
-          </a:lstStyle>
-          <a:p>
-            <a:r>
-              <a:rPr lang="en-US"/>
-              <a:t>Click to edit Master title style</a:t>
-            </a:r>
-            <a:endParaRPr lang="en-US" dirty="0"/>
-          </a:p>
-        </p:txBody>
-      </p:sp>
-      <p:sp>
-        <p:nvSpPr>
-          <p:cNvPr id="3" name="Text Placeholder 2"/>
-          <p:cNvSpPr>
-            <a:spLocks noGrp="1"/>
-          </p:cNvSpPr>
-          <p:nvPr>
-            <p:ph type="body" idx="1"/>
-          </p:nvPr>
-        </p:nvSpPr>
-        <p:spPr>
-          <a:xfrm>
-            <a:off x="2572278" y="4777381"/>
-            <a:ext cx="8930748" cy="860400"/>
-          </a:xfrm>
-        </p:spPr>
-        <p:txBody>
-          <a:bodyPr anchor="t">
-            <a:normAutofit/>
-          </a:bodyPr>
-          <a:lstStyle>
-            <a:lvl1pPr marL="0" indent="0" algn="r">
-              <a:buNone/>
-              <a:defRPr sz="2000">
-                <a:solidFill>
-                  <a:schemeClr val="tx1"/>
-                </a:solidFill>
-              </a:defRPr>
-            </a:lvl1pPr>
-            <a:lvl2pPr marL="457200" indent="0">
-              <a:buNone/>
-              <a:defRPr sz="1800">
-                <a:solidFill>
-                  <a:schemeClr val="tx1">
-                    <a:tint val="75000"/>
-                  </a:schemeClr>
-                </a:solidFill>
-              </a:defRPr>
-            </a:lvl2pPr>
-            <a:lvl3pPr marL="914400" indent="0">
-              <a:buNone/>
-              <a:defRPr sz="1600">
-                <a:solidFill>
-                  <a:schemeClr val="tx1">
-                    <a:tint val="75000"/>
-                  </a:schemeClr>
-                </a:solidFill>
-              </a:defRPr>
-            </a:lvl3pPr>
-            <a:lvl4pPr marL="1371600" indent="0">
-              <a:buNone/>
-              <a:defRPr sz="1400">
-                <a:solidFill>
-                  <a:schemeClr val="tx1">
-                    <a:tint val="75000"/>
-                  </a:schemeClr>
-                </a:solidFill>
-              </a:defRPr>
-            </a:lvl4pPr>
-            <a:lvl5pPr marL="1828800" indent="0">
-              <a:buNone/>
-              <a:defRPr sz="1400">
-                <a:solidFill>
-                  <a:schemeClr val="tx1">
-                    <a:tint val="75000"/>
-                  </a:schemeClr>
-                </a:solidFill>
-              </a:defRPr>
-            </a:lvl5pPr>
-            <a:lvl6pPr marL="2286000" indent="0">
-              <a:buNone/>
-              <a:defRPr sz="1400">
-                <a:solidFill>
-                  <a:schemeClr val="tx1">
-                    <a:tint val="75000"/>
-                  </a:schemeClr>
-                </a:solidFill>
-              </a:defRPr>
-            </a:lvl6pPr>
-            <a:lvl7pPr marL="2743200" indent="0">
-              <a:buNone/>
-              <a:defRPr sz="1400">
-                <a:solidFill>
-                  <a:schemeClr val="tx1">
-                    <a:tint val="75000"/>
-                  </a:schemeClr>
-                </a:solidFill>
-              </a:defRPr>
-            </a:lvl7pPr>
-            <a:lvl8pPr marL="3200400" indent="0">
-              <a:buNone/>
-              <a:defRPr sz="1400">
-                <a:solidFill>
-                  <a:schemeClr val="tx1">
-                    <a:tint val="75000"/>
-                  </a:schemeClr>
-                </a:solidFill>
-              </a:defRPr>
-            </a:lvl8pPr>
-            <a:lvl9pPr marL="3657600" indent="0">
-              <a:buNone/>
-              <a:defRPr sz="1400">
-                <a:solidFill>
-                  <a:schemeClr val="tx1">
-                    <a:tint val="75000"/>
-                  </a:schemeClr>
-                </a:solidFill>
-              </a:defRPr>
-            </a:lvl9pPr>
-          </a:lstStyle>
-          <a:p>
-            <a:pPr lvl="0"/>
-            <a:r>
-              <a:rPr lang="en-US"/>
-              <a:t>Click to edit Master text styles</a:t>
-            </a:r>
-          </a:p>
-        </p:txBody>
-      </p:sp>
-      <p:sp>
-        <p:nvSpPr>
-          <p:cNvPr id="4" name="Date Placeholder 3"/>
-          <p:cNvSpPr>
-            <a:spLocks noGrp="1"/>
-          </p:cNvSpPr>
-          <p:nvPr>
-            <p:ph type="dt" sz="half" idx="10"/>
-          </p:nvPr>
-        </p:nvSpPr>
-        <p:spPr/>
-        <p:txBody>
-          <a:bodyPr/>
-          <a:lstStyle/>
-          <a:p>
-            <a:fld id="{CAE507A8-A5CF-4D38-AB86-7EDDA87A85D4}" type="datetime1">
-              <a:rPr lang="en-US" smtClean="0"/>
-              <a:t>2/23/2023</a:t>
-            </a:fld>
-            <a:endParaRPr lang="en-US" dirty="0"/>
-          </a:p>
-        </p:txBody>
-      </p:sp>
-      <p:sp>
-        <p:nvSpPr>
-          <p:cNvPr id="5" name="Footer Placeholder 4"/>
-          <p:cNvSpPr>
-            <a:spLocks noGrp="1"/>
-          </p:cNvSpPr>
-          <p:nvPr>
-            <p:ph type="ftr" sz="quarter" idx="11"/>
-          </p:nvPr>
-        </p:nvSpPr>
-        <p:spPr/>
-        <p:txBody>
-          <a:bodyPr/>
-          <a:lstStyle/>
-          <a:p>
-            <a:endParaRPr lang="en-US" dirty="0"/>
-          </a:p>
-        </p:txBody>
-      </p:sp>
-      <p:sp>
-        <p:nvSpPr>
-          <p:cNvPr id="6" name="Slide Number Placeholder 5"/>
-          <p:cNvSpPr>
-            <a:spLocks noGrp="1"/>
-          </p:cNvSpPr>
-          <p:nvPr>
-            <p:ph type="sldNum" sz="quarter" idx="12"/>
-          </p:nvPr>
-        </p:nvSpPr>
-        <p:spPr/>
-        <p:txBody>
-          <a:bodyPr/>
-          <a:lstStyle/>
-          <a:p>
-            <a:fld id="{3A98EE3D-8CD1-4C3F-BD1C-C98C9596463C}" type="slidenum">
-              <a:rPr lang="en-US" smtClean="0"/>
               <a:pPr/>
               <a:t>‹#›</a:t>
             </a:fld>
@@ -9526,10 +7289,48 @@
           </a:p>
         </p:txBody>
       </p:sp>
+      <p:cxnSp>
+        <p:nvCxnSpPr>
+          <p:cNvPr id="9" name="Straight Connector 8"/>
+          <p:cNvCxnSpPr/>
+          <p:nvPr/>
+        </p:nvCxnSpPr>
+        <p:spPr>
+          <a:xfrm>
+            <a:off x="1207658" y="4343400"/>
+            <a:ext cx="9875520" cy="0"/>
+          </a:xfrm>
+          <a:prstGeom prst="line">
+            <a:avLst/>
+          </a:prstGeom>
+          <a:ln w="6350">
+            <a:solidFill>
+              <a:schemeClr val="tx1">
+                <a:lumMod val="50000"/>
+                <a:lumOff val="50000"/>
+              </a:schemeClr>
+            </a:solidFill>
+          </a:ln>
+        </p:spPr>
+        <p:style>
+          <a:lnRef idx="1">
+            <a:schemeClr val="accent1"/>
+          </a:lnRef>
+          <a:fillRef idx="0">
+            <a:schemeClr val="accent1"/>
+          </a:fillRef>
+          <a:effectRef idx="0">
+            <a:schemeClr val="accent1"/>
+          </a:effectRef>
+          <a:fontRef idx="minor">
+            <a:schemeClr val="tx1"/>
+          </a:fontRef>
+        </p:style>
+      </p:cxnSp>
     </p:spTree>
     <p:extLst>
       <p:ext uri="{BB962C8B-B14F-4D97-AF65-F5344CB8AC3E}">
-        <p14:creationId xmlns:p14="http://schemas.microsoft.com/office/powerpoint/2010/main" val="3498544324"/>
+        <p14:creationId xmlns:p14="http://schemas.microsoft.com/office/powerpoint/2010/main" val="600417011"/>
       </p:ext>
     </p:extLst>
   </p:cSld>
@@ -9558,7 +7359,7 @@
       </p:grpSpPr>
       <p:sp>
         <p:nvSpPr>
-          <p:cNvPr id="2" name="Title 1"/>
+          <p:cNvPr id="8" name="Title 7"/>
           <p:cNvSpPr>
             <a:spLocks noGrp="1"/>
           </p:cNvSpPr>
@@ -9568,8 +7369,8 @@
         </p:nvSpPr>
         <p:spPr>
           <a:xfrm>
-            <a:off x="1484311" y="685800"/>
-            <a:ext cx="10018713" cy="1752599"/>
+            <a:off x="1097280" y="286603"/>
+            <a:ext cx="10058400" cy="1450757"/>
           </a:xfrm>
         </p:spPr>
         <p:txBody>
@@ -9596,43 +7397,13 @@
         </p:nvSpPr>
         <p:spPr>
           <a:xfrm>
-            <a:off x="1484312" y="2666999"/>
-            <a:ext cx="4895055" cy="3124201"/>
+            <a:off x="1097279" y="1845734"/>
+            <a:ext cx="4937760" cy="4023360"/>
           </a:xfrm>
         </p:spPr>
         <p:txBody>
-          <a:bodyPr>
-            <a:normAutofit/>
-          </a:bodyPr>
-          <a:lstStyle>
-            <a:lvl1pPr>
-              <a:defRPr sz="1800"/>
-            </a:lvl1pPr>
-            <a:lvl2pPr>
-              <a:defRPr sz="1600"/>
-            </a:lvl2pPr>
-            <a:lvl3pPr>
-              <a:defRPr sz="1400"/>
-            </a:lvl3pPr>
-            <a:lvl4pPr>
-              <a:defRPr sz="1200"/>
-            </a:lvl4pPr>
-            <a:lvl5pPr>
-              <a:defRPr sz="1200"/>
-            </a:lvl5pPr>
-            <a:lvl6pPr>
-              <a:defRPr sz="1200"/>
-            </a:lvl6pPr>
-            <a:lvl7pPr>
-              <a:defRPr sz="1200"/>
-            </a:lvl7pPr>
-            <a:lvl8pPr>
-              <a:defRPr sz="1200"/>
-            </a:lvl8pPr>
-            <a:lvl9pPr>
-              <a:defRPr sz="1200"/>
-            </a:lvl9pPr>
-          </a:lstStyle>
+          <a:bodyPr/>
+          <a:lstStyle/>
           <a:p>
             <a:pPr lvl="0"/>
             <a:r>
@@ -9683,43 +7454,13 @@
         </p:nvSpPr>
         <p:spPr>
           <a:xfrm>
-            <a:off x="6607967" y="2667000"/>
-            <a:ext cx="4895056" cy="3124200"/>
+            <a:off x="6217920" y="1845735"/>
+            <a:ext cx="4937760" cy="4023360"/>
           </a:xfrm>
         </p:spPr>
         <p:txBody>
-          <a:bodyPr>
-            <a:normAutofit/>
-          </a:bodyPr>
-          <a:lstStyle>
-            <a:lvl1pPr>
-              <a:defRPr sz="1800"/>
-            </a:lvl1pPr>
-            <a:lvl2pPr>
-              <a:defRPr sz="1600"/>
-            </a:lvl2pPr>
-            <a:lvl3pPr>
-              <a:defRPr sz="1400"/>
-            </a:lvl3pPr>
-            <a:lvl4pPr>
-              <a:defRPr sz="1200"/>
-            </a:lvl4pPr>
-            <a:lvl5pPr>
-              <a:defRPr sz="1200"/>
-            </a:lvl5pPr>
-            <a:lvl6pPr>
-              <a:defRPr sz="1200"/>
-            </a:lvl6pPr>
-            <a:lvl7pPr>
-              <a:defRPr sz="1200"/>
-            </a:lvl7pPr>
-            <a:lvl8pPr>
-              <a:defRPr sz="1200"/>
-            </a:lvl8pPr>
-            <a:lvl9pPr>
-              <a:defRPr sz="1200"/>
-            </a:lvl9pPr>
-          </a:lstStyle>
+          <a:bodyPr/>
+          <a:lstStyle/>
           <a:p>
             <a:pPr lvl="0"/>
             <a:r>
@@ -9775,7 +7516,7 @@
           <a:p>
             <a:fld id="{BDFCD27C-8599-43EF-BA1D-14DDC1946E06}" type="datetime1">
               <a:rPr lang="en-US" smtClean="0"/>
-              <a:t>2/23/2023</a:t>
+              <a:t>9/23/2023</a:t>
             </a:fld>
             <a:endParaRPr lang="en-US" dirty="0"/>
           </a:p>
@@ -9826,7 +7567,7 @@
     </p:spTree>
     <p:extLst>
       <p:ext uri="{BB962C8B-B14F-4D97-AF65-F5344CB8AC3E}">
-        <p14:creationId xmlns:p14="http://schemas.microsoft.com/office/powerpoint/2010/main" val="1676443199"/>
+        <p14:creationId xmlns:p14="http://schemas.microsoft.com/office/powerpoint/2010/main" val="319805222"/>
       </p:ext>
     </p:extLst>
   </p:cSld>
@@ -9855,7 +7596,7 @@
       </p:grpSpPr>
       <p:sp>
         <p:nvSpPr>
-          <p:cNvPr id="2" name="Title 1"/>
+          <p:cNvPr id="10" name="Title 9"/>
           <p:cNvSpPr>
             <a:spLocks noGrp="1"/>
           </p:cNvSpPr>
@@ -9863,14 +7604,15 @@
             <p:ph type="title"/>
           </p:nvPr>
         </p:nvSpPr>
-        <p:spPr/>
+        <p:spPr>
+          <a:xfrm>
+            <a:off x="1097280" y="286603"/>
+            <a:ext cx="10058400" cy="1450757"/>
+          </a:xfrm>
+        </p:spPr>
         <p:txBody>
           <a:bodyPr/>
-          <a:lstStyle>
-            <a:lvl1pPr>
-              <a:defRPr/>
-            </a:lvl1pPr>
-          </a:lstStyle>
+          <a:lstStyle/>
           <a:p>
             <a:r>
               <a:rPr lang="en-US"/>
@@ -9892,22 +7634,20 @@
         </p:nvSpPr>
         <p:spPr>
           <a:xfrm>
-            <a:off x="1772179" y="2658533"/>
-            <a:ext cx="4607188" cy="576262"/>
+            <a:off x="1097280" y="1846052"/>
+            <a:ext cx="4937760" cy="736282"/>
           </a:xfrm>
         </p:spPr>
         <p:txBody>
-          <a:bodyPr anchor="b">
-            <a:noAutofit/>
+          <a:bodyPr lIns="91440" rIns="91440" anchor="ctr">
+            <a:normAutofit/>
           </a:bodyPr>
           <a:lstStyle>
             <a:lvl1pPr marL="0" indent="0">
               <a:buNone/>
-              <a:defRPr sz="2800" b="0">
+              <a:defRPr sz="2000" b="0" cap="all" baseline="0">
                 <a:solidFill>
-                  <a:schemeClr val="accent1">
-                    <a:lumMod val="75000"/>
-                  </a:schemeClr>
+                  <a:schemeClr val="tx2"/>
                 </a:solidFill>
               </a:defRPr>
             </a:lvl1pPr>
@@ -9965,43 +7705,13 @@
         </p:nvSpPr>
         <p:spPr>
           <a:xfrm>
-            <a:off x="1484311" y="3335337"/>
-            <a:ext cx="4895056" cy="2455862"/>
+            <a:off x="1097280" y="2582334"/>
+            <a:ext cx="4937760" cy="3378200"/>
           </a:xfrm>
         </p:spPr>
         <p:txBody>
-          <a:bodyPr anchor="t">
-            <a:normAutofit/>
-          </a:bodyPr>
-          <a:lstStyle>
-            <a:lvl1pPr>
-              <a:defRPr sz="1800"/>
-            </a:lvl1pPr>
-            <a:lvl2pPr>
-              <a:defRPr sz="1600"/>
-            </a:lvl2pPr>
-            <a:lvl3pPr>
-              <a:defRPr sz="1400"/>
-            </a:lvl3pPr>
-            <a:lvl4pPr>
-              <a:defRPr sz="1200"/>
-            </a:lvl4pPr>
-            <a:lvl5pPr>
-              <a:defRPr sz="1200"/>
-            </a:lvl5pPr>
-            <a:lvl6pPr>
-              <a:defRPr sz="1200"/>
-            </a:lvl6pPr>
-            <a:lvl7pPr>
-              <a:defRPr sz="1200"/>
-            </a:lvl7pPr>
-            <a:lvl8pPr>
-              <a:defRPr sz="1200"/>
-            </a:lvl8pPr>
-            <a:lvl9pPr>
-              <a:defRPr sz="1200"/>
-            </a:lvl9pPr>
-          </a:lstStyle>
+          <a:bodyPr/>
+          <a:lstStyle/>
           <a:p>
             <a:pPr lvl="0"/>
             <a:r>
@@ -10052,22 +7762,20 @@
         </p:nvSpPr>
         <p:spPr>
           <a:xfrm>
-            <a:off x="6880487" y="2667000"/>
-            <a:ext cx="4622537" cy="576262"/>
+            <a:off x="6217920" y="1846052"/>
+            <a:ext cx="4937760" cy="736282"/>
           </a:xfrm>
         </p:spPr>
         <p:txBody>
-          <a:bodyPr anchor="b">
-            <a:noAutofit/>
+          <a:bodyPr lIns="91440" rIns="91440" anchor="ctr">
+            <a:normAutofit/>
           </a:bodyPr>
           <a:lstStyle>
             <a:lvl1pPr marL="0" indent="0">
               <a:buNone/>
-              <a:defRPr sz="2800" b="0">
+              <a:defRPr sz="2000" b="0" cap="all" baseline="0">
                 <a:solidFill>
-                  <a:schemeClr val="accent1">
-                    <a:lumMod val="75000"/>
-                  </a:schemeClr>
+                  <a:schemeClr val="tx2"/>
                 </a:solidFill>
               </a:defRPr>
             </a:lvl1pPr>
@@ -10125,43 +7833,13 @@
         </p:nvSpPr>
         <p:spPr>
           <a:xfrm>
-            <a:off x="6607967" y="3335337"/>
-            <a:ext cx="4895056" cy="2455862"/>
+            <a:off x="6217920" y="2582334"/>
+            <a:ext cx="4937760" cy="3378200"/>
           </a:xfrm>
         </p:spPr>
         <p:txBody>
-          <a:bodyPr anchor="t">
-            <a:normAutofit/>
-          </a:bodyPr>
-          <a:lstStyle>
-            <a:lvl1pPr>
-              <a:defRPr sz="1800"/>
-            </a:lvl1pPr>
-            <a:lvl2pPr>
-              <a:defRPr sz="1600"/>
-            </a:lvl2pPr>
-            <a:lvl3pPr>
-              <a:defRPr sz="1400"/>
-            </a:lvl3pPr>
-            <a:lvl4pPr>
-              <a:defRPr sz="1200"/>
-            </a:lvl4pPr>
-            <a:lvl5pPr>
-              <a:defRPr sz="1200"/>
-            </a:lvl5pPr>
-            <a:lvl6pPr>
-              <a:defRPr sz="1200"/>
-            </a:lvl6pPr>
-            <a:lvl7pPr>
-              <a:defRPr sz="1200"/>
-            </a:lvl7pPr>
-            <a:lvl8pPr>
-              <a:defRPr sz="1200"/>
-            </a:lvl8pPr>
-            <a:lvl9pPr>
-              <a:defRPr sz="1200"/>
-            </a:lvl9pPr>
-          </a:lstStyle>
+          <a:bodyPr/>
+          <a:lstStyle/>
           <a:p>
             <a:pPr lvl="0"/>
             <a:r>
@@ -10217,7 +7895,7 @@
           <a:p>
             <a:fld id="{49343D99-809A-49C0-96E5-4250D0B498EE}" type="datetime1">
               <a:rPr lang="en-US" smtClean="0"/>
-              <a:t>2/23/2023</a:t>
+              <a:t>9/23/2023</a:t>
             </a:fld>
             <a:endParaRPr lang="en-US" dirty="0"/>
           </a:p>
@@ -10268,7 +7946,7 @@
     </p:spTree>
     <p:extLst>
       <p:ext uri="{BB962C8B-B14F-4D97-AF65-F5344CB8AC3E}">
-        <p14:creationId xmlns:p14="http://schemas.microsoft.com/office/powerpoint/2010/main" val="3416762290"/>
+        <p14:creationId xmlns:p14="http://schemas.microsoft.com/office/powerpoint/2010/main" val="2610455136"/>
       </p:ext>
     </p:extLst>
   </p:cSld>
@@ -10335,7 +8013,7 @@
           <a:p>
             <a:fld id="{A143DE9B-B678-4EFB-BB7D-A4370204A0B0}" type="datetime1">
               <a:rPr lang="en-US" smtClean="0"/>
-              <a:t>2/23/2023</a:t>
+              <a:t>9/23/2023</a:t>
             </a:fld>
             <a:endParaRPr lang="en-US" dirty="0"/>
           </a:p>
@@ -10386,7 +8064,7 @@
     </p:spTree>
     <p:extLst>
       <p:ext uri="{BB962C8B-B14F-4D97-AF65-F5344CB8AC3E}">
-        <p14:creationId xmlns:p14="http://schemas.microsoft.com/office/powerpoint/2010/main" val="1374759731"/>
+        <p14:creationId xmlns:p14="http://schemas.microsoft.com/office/powerpoint/2010/main" val="2468530388"/>
       </p:ext>
     </p:extLst>
   </p:cSld>
@@ -10397,7 +8075,7 @@
 </file>
 
 <file path=ppt/slideLayouts/slideLayout7.xml><?xml version="1.0" encoding="utf-8"?>
-<p:sldLayout xmlns:a="http://schemas.openxmlformats.org/drawingml/2006/main" xmlns:r="http://schemas.openxmlformats.org/officeDocument/2006/relationships" xmlns:p="http://schemas.openxmlformats.org/presentationml/2006/main" type="blank" preserve="1">
+<p:sldLayout xmlns:a="http://schemas.openxmlformats.org/drawingml/2006/main" xmlns:r="http://schemas.openxmlformats.org/officeDocument/2006/relationships" xmlns:p="http://schemas.openxmlformats.org/presentationml/2006/main" showMasterSp="0" type="blank" preserve="1">
   <p:cSld name="Blank">
     <p:spTree>
       <p:nvGrpSpPr>
@@ -10415,7 +8093,83 @@
       </p:grpSpPr>
       <p:sp>
         <p:nvSpPr>
-          <p:cNvPr id="2" name="Date Placeholder 1"/>
+          <p:cNvPr id="5" name="Rectangle 4"/>
+          <p:cNvSpPr/>
+          <p:nvPr/>
+        </p:nvSpPr>
+        <p:spPr>
+          <a:xfrm>
+            <a:off x="3175" y="6400800"/>
+            <a:ext cx="12188825" cy="457200"/>
+          </a:xfrm>
+          <a:prstGeom prst="rect">
+            <a:avLst/>
+          </a:prstGeom>
+          <a:solidFill>
+            <a:schemeClr val="accent2"/>
+          </a:solidFill>
+          <a:ln>
+            <a:noFill/>
+          </a:ln>
+        </p:spPr>
+        <p:style>
+          <a:lnRef idx="2">
+            <a:schemeClr val="accent1">
+              <a:shade val="50000"/>
+            </a:schemeClr>
+          </a:lnRef>
+          <a:fillRef idx="1">
+            <a:schemeClr val="accent1"/>
+          </a:fillRef>
+          <a:effectRef idx="0">
+            <a:schemeClr val="accent1"/>
+          </a:effectRef>
+          <a:fontRef idx="minor">
+            <a:schemeClr val="lt1"/>
+          </a:fontRef>
+        </p:style>
+      </p:sp>
+      <p:sp>
+        <p:nvSpPr>
+          <p:cNvPr id="6" name="Rectangle 5"/>
+          <p:cNvSpPr/>
+          <p:nvPr/>
+        </p:nvSpPr>
+        <p:spPr>
+          <a:xfrm>
+            <a:off x="15" y="6334316"/>
+            <a:ext cx="12188825" cy="64008"/>
+          </a:xfrm>
+          <a:prstGeom prst="rect">
+            <a:avLst/>
+          </a:prstGeom>
+          <a:solidFill>
+            <a:schemeClr val="accent1"/>
+          </a:solidFill>
+          <a:ln>
+            <a:noFill/>
+          </a:ln>
+        </p:spPr>
+        <p:style>
+          <a:lnRef idx="2">
+            <a:schemeClr val="accent1">
+              <a:shade val="50000"/>
+            </a:schemeClr>
+          </a:lnRef>
+          <a:fillRef idx="1">
+            <a:schemeClr val="accent1"/>
+          </a:fillRef>
+          <a:effectRef idx="0">
+            <a:schemeClr val="accent1"/>
+          </a:effectRef>
+          <a:fontRef idx="minor">
+            <a:schemeClr val="lt1"/>
+          </a:fontRef>
+        </p:style>
+      </p:sp>
+      <p:sp>
+        <p:nvSpPr>
+          <p:cNvPr id="7" name="Date Placeholder 6"/>
           <p:cNvSpPr>
             <a:spLocks noGrp="1"/>
           </p:cNvSpPr>
@@ -10430,7 +8184,7 @@
           <a:p>
             <a:fld id="{E68812DA-F765-4142-A6A3-A8ED7235E082}" type="datetime1">
               <a:rPr lang="en-US" smtClean="0"/>
-              <a:t>2/23/2023</a:t>
+              <a:t>9/23/2023</a:t>
             </a:fld>
             <a:endParaRPr lang="en-US" dirty="0"/>
           </a:p>
@@ -10438,7 +8192,7 @@
       </p:sp>
       <p:sp>
         <p:nvSpPr>
-          <p:cNvPr id="3" name="Footer Placeholder 2"/>
+          <p:cNvPr id="8" name="Footer Placeholder 7"/>
           <p:cNvSpPr>
             <a:spLocks noGrp="1"/>
           </p:cNvSpPr>
@@ -10449,7 +8203,15 @@
         <p:spPr/>
         <p:txBody>
           <a:bodyPr/>
-          <a:lstStyle/>
+          <a:lstStyle>
+            <a:lvl1pPr>
+              <a:defRPr>
+                <a:solidFill>
+                  <a:srgbClr val="FFFFFF"/>
+                </a:solidFill>
+              </a:defRPr>
+            </a:lvl1pPr>
+          </a:lstStyle>
           <a:p>
             <a:endParaRPr lang="en-US" dirty="0"/>
           </a:p>
@@ -10457,7 +8219,7 @@
       </p:sp>
       <p:sp>
         <p:nvSpPr>
-          <p:cNvPr id="4" name="Slide Number Placeholder 3"/>
+          <p:cNvPr id="9" name="Slide Number Placeholder 8"/>
           <p:cNvSpPr>
             <a:spLocks noGrp="1"/>
           </p:cNvSpPr>
@@ -10481,7 +8243,7 @@
     </p:spTree>
     <p:extLst>
       <p:ext uri="{BB962C8B-B14F-4D97-AF65-F5344CB8AC3E}">
-        <p14:creationId xmlns:p14="http://schemas.microsoft.com/office/powerpoint/2010/main" val="1421919796"/>
+        <p14:creationId xmlns:p14="http://schemas.microsoft.com/office/powerpoint/2010/main" val="3124608480"/>
       </p:ext>
     </p:extLst>
   </p:cSld>
@@ -10492,7 +8254,7 @@
 </file>
 
 <file path=ppt/slideLayouts/slideLayout8.xml><?xml version="1.0" encoding="utf-8"?>
-<p:sldLayout xmlns:a="http://schemas.openxmlformats.org/drawingml/2006/main" xmlns:r="http://schemas.openxmlformats.org/officeDocument/2006/relationships" xmlns:p="http://schemas.openxmlformats.org/presentationml/2006/main" type="objTx" preserve="1">
+<p:sldLayout xmlns:a="http://schemas.openxmlformats.org/drawingml/2006/main" xmlns:r="http://schemas.openxmlformats.org/officeDocument/2006/relationships" xmlns:p="http://schemas.openxmlformats.org/presentationml/2006/main" showMasterSp="0" type="objTx" preserve="1">
   <p:cSld name="Content with Caption">
     <p:spTree>
       <p:nvGrpSpPr>
@@ -10510,6 +8272,82 @@
       </p:grpSpPr>
       <p:sp>
         <p:nvSpPr>
+          <p:cNvPr id="8" name="Rectangle 7"/>
+          <p:cNvSpPr/>
+          <p:nvPr/>
+        </p:nvSpPr>
+        <p:spPr>
+          <a:xfrm>
+            <a:off x="16" y="0"/>
+            <a:ext cx="4050791" cy="6858000"/>
+          </a:xfrm>
+          <a:prstGeom prst="rect">
+            <a:avLst/>
+          </a:prstGeom>
+          <a:solidFill>
+            <a:schemeClr val="accent2"/>
+          </a:solidFill>
+          <a:ln>
+            <a:noFill/>
+          </a:ln>
+        </p:spPr>
+        <p:style>
+          <a:lnRef idx="2">
+            <a:schemeClr val="accent1">
+              <a:shade val="50000"/>
+            </a:schemeClr>
+          </a:lnRef>
+          <a:fillRef idx="1">
+            <a:schemeClr val="accent1"/>
+          </a:fillRef>
+          <a:effectRef idx="0">
+            <a:schemeClr val="accent1"/>
+          </a:effectRef>
+          <a:fontRef idx="minor">
+            <a:schemeClr val="lt1"/>
+          </a:fontRef>
+        </p:style>
+      </p:sp>
+      <p:sp>
+        <p:nvSpPr>
+          <p:cNvPr id="9" name="Rectangle 8"/>
+          <p:cNvSpPr/>
+          <p:nvPr/>
+        </p:nvSpPr>
+        <p:spPr>
+          <a:xfrm>
+            <a:off x="4040071" y="0"/>
+            <a:ext cx="64008" cy="6858000"/>
+          </a:xfrm>
+          <a:prstGeom prst="rect">
+            <a:avLst/>
+          </a:prstGeom>
+          <a:solidFill>
+            <a:schemeClr val="accent1"/>
+          </a:solidFill>
+          <a:ln>
+            <a:noFill/>
+          </a:ln>
+        </p:spPr>
+        <p:style>
+          <a:lnRef idx="2">
+            <a:schemeClr val="accent1">
+              <a:shade val="50000"/>
+            </a:schemeClr>
+          </a:lnRef>
+          <a:fillRef idx="1">
+            <a:schemeClr val="accent1"/>
+          </a:fillRef>
+          <a:effectRef idx="0">
+            <a:schemeClr val="accent1"/>
+          </a:effectRef>
+          <a:fontRef idx="minor">
+            <a:schemeClr val="lt1"/>
+          </a:fontRef>
+        </p:style>
+      </p:sp>
+      <p:sp>
+        <p:nvSpPr>
           <p:cNvPr id="2" name="Title 1"/>
           <p:cNvSpPr>
             <a:spLocks noGrp="1"/>
@@ -10520,8 +8358,8 @@
         </p:nvSpPr>
         <p:spPr>
           <a:xfrm>
-            <a:off x="1484312" y="1600200"/>
-            <a:ext cx="3549121" cy="1371600"/>
+            <a:off x="457200" y="594359"/>
+            <a:ext cx="3200400" cy="2286000"/>
           </a:xfrm>
         </p:spPr>
         <p:txBody>
@@ -10529,8 +8367,12 @@
             <a:normAutofit/>
           </a:bodyPr>
           <a:lstStyle>
-            <a:lvl1pPr algn="ctr">
-              <a:defRPr sz="2400" b="0"/>
+            <a:lvl1pPr>
+              <a:defRPr sz="3600" b="0">
+                <a:solidFill>
+                  <a:srgbClr val="FFFFFF"/>
+                </a:solidFill>
+              </a:defRPr>
             </a:lvl1pPr>
           </a:lstStyle>
           <a:p>
@@ -10554,43 +8396,13 @@
         </p:nvSpPr>
         <p:spPr>
           <a:xfrm>
-            <a:off x="5262033" y="685799"/>
-            <a:ext cx="6240990" cy="5105401"/>
+            <a:off x="4800600" y="731520"/>
+            <a:ext cx="6492240" cy="5257800"/>
           </a:xfrm>
         </p:spPr>
         <p:txBody>
-          <a:bodyPr anchor="ctr">
-            <a:normAutofit/>
-          </a:bodyPr>
-          <a:lstStyle>
-            <a:lvl1pPr>
-              <a:defRPr sz="2000"/>
-            </a:lvl1pPr>
-            <a:lvl2pPr>
-              <a:defRPr sz="1800"/>
-            </a:lvl2pPr>
-            <a:lvl3pPr>
-              <a:defRPr sz="1600"/>
-            </a:lvl3pPr>
-            <a:lvl4pPr>
-              <a:defRPr sz="1400"/>
-            </a:lvl4pPr>
-            <a:lvl5pPr>
-              <a:defRPr sz="1400"/>
-            </a:lvl5pPr>
-            <a:lvl6pPr>
-              <a:defRPr sz="1400"/>
-            </a:lvl6pPr>
-            <a:lvl7pPr>
-              <a:defRPr sz="1400"/>
-            </a:lvl7pPr>
-            <a:lvl8pPr>
-              <a:defRPr sz="1400"/>
-            </a:lvl8pPr>
-            <a:lvl9pPr>
-              <a:defRPr sz="1400"/>
-            </a:lvl9pPr>
-          </a:lstStyle>
+          <a:bodyPr/>
+          <a:lstStyle/>
           <a:p>
             <a:pPr lvl="0"/>
             <a:r>
@@ -10641,18 +8453,22 @@
         </p:nvSpPr>
         <p:spPr>
           <a:xfrm>
-            <a:off x="1484312" y="2971800"/>
-            <a:ext cx="3549121" cy="1828800"/>
+            <a:off x="457200" y="2926080"/>
+            <a:ext cx="3200400" cy="3379124"/>
           </a:xfrm>
         </p:spPr>
         <p:txBody>
-          <a:bodyPr>
+          <a:bodyPr lIns="91440" rIns="91440">
             <a:normAutofit/>
           </a:bodyPr>
           <a:lstStyle>
-            <a:lvl1pPr marL="0" indent="0" algn="ctr">
+            <a:lvl1pPr marL="0" indent="0">
               <a:buNone/>
-              <a:defRPr sz="1600"/>
+              <a:defRPr sz="1500">
+                <a:solidFill>
+                  <a:srgbClr val="FFFFFF"/>
+                </a:solidFill>
+              </a:defRPr>
             </a:lvl1pPr>
             <a:lvl2pPr marL="457200" indent="0">
               <a:buNone/>
@@ -10706,14 +8522,23 @@
             <p:ph type="dt" sz="half" idx="10"/>
           </p:nvPr>
         </p:nvSpPr>
-        <p:spPr/>
+        <p:spPr>
+          <a:xfrm>
+            <a:off x="465512" y="6459785"/>
+            <a:ext cx="2618510" cy="365125"/>
+          </a:xfrm>
+        </p:spPr>
         <p:txBody>
           <a:bodyPr/>
-          <a:lstStyle/>
+          <a:lstStyle>
+            <a:lvl1pPr algn="l">
+              <a:defRPr/>
+            </a:lvl1pPr>
+          </a:lstStyle>
           <a:p>
             <a:fld id="{3E0277FD-7DE6-41D4-930D-AC99F5AFE54E}" type="datetime1">
               <a:rPr lang="en-US" smtClean="0"/>
-              <a:t>2/23/2023</a:t>
+              <a:t>9/23/2023</a:t>
             </a:fld>
             <a:endParaRPr lang="en-US" dirty="0"/>
           </a:p>
@@ -10729,10 +8554,23 @@
             <p:ph type="ftr" sz="quarter" idx="11"/>
           </p:nvPr>
         </p:nvSpPr>
-        <p:spPr/>
+        <p:spPr>
+          <a:xfrm>
+            <a:off x="4800600" y="6459785"/>
+            <a:ext cx="4648200" cy="365125"/>
+          </a:xfrm>
+        </p:spPr>
         <p:txBody>
           <a:bodyPr/>
-          <a:lstStyle/>
+          <a:lstStyle>
+            <a:lvl1pPr algn="l">
+              <a:defRPr>
+                <a:solidFill>
+                  <a:schemeClr val="tx2"/>
+                </a:solidFill>
+              </a:defRPr>
+            </a:lvl1pPr>
+          </a:lstStyle>
           <a:p>
             <a:endParaRPr lang="en-US" dirty="0"/>
           </a:p>
@@ -10751,7 +8589,15 @@
         <p:spPr/>
         <p:txBody>
           <a:bodyPr/>
-          <a:lstStyle/>
+          <a:lstStyle>
+            <a:lvl1pPr>
+              <a:defRPr>
+                <a:solidFill>
+                  <a:schemeClr val="tx2"/>
+                </a:solidFill>
+              </a:defRPr>
+            </a:lvl1pPr>
+          </a:lstStyle>
           <a:p>
             <a:fld id="{3A98EE3D-8CD1-4C3F-BD1C-C98C9596463C}" type="slidenum">
               <a:rPr lang="en-US" smtClean="0"/>
@@ -10765,7 +8611,7 @@
     </p:spTree>
     <p:extLst>
       <p:ext uri="{BB962C8B-B14F-4D97-AF65-F5344CB8AC3E}">
-        <p14:creationId xmlns:p14="http://schemas.microsoft.com/office/powerpoint/2010/main" val="3035068509"/>
+        <p14:creationId xmlns:p14="http://schemas.microsoft.com/office/powerpoint/2010/main" val="1768375736"/>
       </p:ext>
     </p:extLst>
   </p:cSld>
@@ -10776,7 +8622,7 @@
 </file>
 
 <file path=ppt/slideLayouts/slideLayout9.xml><?xml version="1.0" encoding="utf-8"?>
-<p:sldLayout xmlns:a="http://schemas.openxmlformats.org/drawingml/2006/main" xmlns:r="http://schemas.openxmlformats.org/officeDocument/2006/relationships" xmlns:p="http://schemas.openxmlformats.org/presentationml/2006/main" type="picTx" preserve="1">
+<p:sldLayout xmlns:a="http://schemas.openxmlformats.org/drawingml/2006/main" xmlns:r="http://schemas.openxmlformats.org/officeDocument/2006/relationships" xmlns:p="http://schemas.openxmlformats.org/presentationml/2006/main" showMasterSp="0" type="picTx" preserve="1">
   <p:cSld name="Picture with Caption">
     <p:spTree>
       <p:nvGrpSpPr>
@@ -10794,6 +8640,82 @@
       </p:grpSpPr>
       <p:sp>
         <p:nvSpPr>
+          <p:cNvPr id="8" name="Rectangle 7"/>
+          <p:cNvSpPr/>
+          <p:nvPr/>
+        </p:nvSpPr>
+        <p:spPr>
+          <a:xfrm>
+            <a:off x="0" y="4953000"/>
+            <a:ext cx="12188825" cy="1905000"/>
+          </a:xfrm>
+          <a:prstGeom prst="rect">
+            <a:avLst/>
+          </a:prstGeom>
+          <a:solidFill>
+            <a:schemeClr val="accent2"/>
+          </a:solidFill>
+          <a:ln>
+            <a:noFill/>
+          </a:ln>
+        </p:spPr>
+        <p:style>
+          <a:lnRef idx="2">
+            <a:schemeClr val="accent1">
+              <a:shade val="50000"/>
+            </a:schemeClr>
+          </a:lnRef>
+          <a:fillRef idx="1">
+            <a:schemeClr val="accent1"/>
+          </a:fillRef>
+          <a:effectRef idx="0">
+            <a:schemeClr val="accent1"/>
+          </a:effectRef>
+          <a:fontRef idx="minor">
+            <a:schemeClr val="lt1"/>
+          </a:fontRef>
+        </p:style>
+      </p:sp>
+      <p:sp>
+        <p:nvSpPr>
+          <p:cNvPr id="9" name="Rectangle 8"/>
+          <p:cNvSpPr/>
+          <p:nvPr/>
+        </p:nvSpPr>
+        <p:spPr>
+          <a:xfrm>
+            <a:off x="15" y="4915076"/>
+            <a:ext cx="12188825" cy="64008"/>
+          </a:xfrm>
+          <a:prstGeom prst="rect">
+            <a:avLst/>
+          </a:prstGeom>
+          <a:solidFill>
+            <a:schemeClr val="accent1"/>
+          </a:solidFill>
+          <a:ln>
+            <a:noFill/>
+          </a:ln>
+        </p:spPr>
+        <p:style>
+          <a:lnRef idx="2">
+            <a:schemeClr val="accent1">
+              <a:shade val="50000"/>
+            </a:schemeClr>
+          </a:lnRef>
+          <a:fillRef idx="1">
+            <a:schemeClr val="accent1"/>
+          </a:fillRef>
+          <a:effectRef idx="0">
+            <a:schemeClr val="accent1"/>
+          </a:effectRef>
+          <a:fontRef idx="minor">
+            <a:schemeClr val="lt1"/>
+          </a:fontRef>
+        </p:style>
+      </p:sp>
+      <p:sp>
+        <p:nvSpPr>
           <p:cNvPr id="2" name="Title 1"/>
           <p:cNvSpPr>
             <a:spLocks noGrp="1"/>
@@ -10804,17 +8726,21 @@
         </p:nvSpPr>
         <p:spPr>
           <a:xfrm>
-            <a:off x="1482724" y="1752599"/>
-            <a:ext cx="5426158" cy="1371600"/>
+            <a:off x="1097280" y="5074920"/>
+            <a:ext cx="10113264" cy="822960"/>
           </a:xfrm>
         </p:spPr>
         <p:txBody>
-          <a:bodyPr anchor="b">
-            <a:normAutofit/>
+          <a:bodyPr lIns="91440" tIns="0" rIns="91440" bIns="0" anchor="b">
+            <a:noAutofit/>
           </a:bodyPr>
           <a:lstStyle>
-            <a:lvl1pPr algn="ctr">
-              <a:defRPr sz="2800" b="0"/>
+            <a:lvl1pPr>
+              <a:defRPr sz="3600" b="0">
+                <a:solidFill>
+                  <a:srgbClr val="FFFFFF"/>
+                </a:solidFill>
+              </a:defRPr>
             </a:lvl1pPr>
           </a:lstStyle>
           <a:p>
@@ -10828,7 +8754,7 @@
       </p:sp>
       <p:sp>
         <p:nvSpPr>
-          <p:cNvPr id="14" name="Picture Placeholder 2"/>
+          <p:cNvPr id="3" name="Picture Placeholder 2"/>
           <p:cNvSpPr>
             <a:spLocks noGrp="1" noChangeAspect="1"/>
           </p:cNvSpPr>
@@ -10838,78 +8764,58 @@
         </p:nvSpPr>
         <p:spPr>
           <a:xfrm>
-            <a:off x="7594682" y="914400"/>
-            <a:ext cx="3280974" cy="4572000"/>
+            <a:off x="15" y="0"/>
+            <a:ext cx="12191985" cy="4915076"/>
           </a:xfrm>
-          <a:prstGeom prst="roundRect">
-            <a:avLst>
-              <a:gd name="adj" fmla="val 4280"/>
-            </a:avLst>
-          </a:prstGeom>
-          <a:ln w="38100">
-            <a:gradFill flip="none" rotWithShape="1">
-              <a:gsLst>
-                <a:gs pos="0">
-                  <a:schemeClr val="bg2"/>
-                </a:gs>
-                <a:gs pos="100000">
-                  <a:schemeClr val="bg2">
-                    <a:lumMod val="75000"/>
-                  </a:schemeClr>
-                </a:gs>
-              </a:gsLst>
-              <a:lin ang="5400000" scaled="0"/>
-              <a:tileRect/>
-            </a:gradFill>
-          </a:ln>
-          <a:effectLst>
-            <a:innerShdw blurRad="57150" dist="38100" dir="14460000">
-              <a:srgbClr val="000000">
-                <a:alpha val="70000"/>
-              </a:srgbClr>
-            </a:innerShdw>
-          </a:effectLst>
+          <a:blipFill>
+            <a:blip r:embed="rId2"/>
+            <a:stretch>
+              <a:fillRect/>
+            </a:stretch>
+          </a:blipFill>
         </p:spPr>
         <p:txBody>
-          <a:bodyPr anchor="t">
-            <a:normAutofit/>
-          </a:bodyPr>
+          <a:bodyPr lIns="457200" tIns="457200" anchor="t"/>
           <a:lstStyle>
-            <a:lvl1pPr marL="0" indent="0" algn="ctr">
+            <a:lvl1pPr marL="0" indent="0">
               <a:buNone/>
-              <a:defRPr sz="1600"/>
+              <a:defRPr sz="3200">
+                <a:solidFill>
+                  <a:schemeClr val="bg1"/>
+                </a:solidFill>
+              </a:defRPr>
             </a:lvl1pPr>
             <a:lvl2pPr marL="457200" indent="0">
               <a:buNone/>
-              <a:defRPr sz="1600"/>
+              <a:defRPr sz="2800"/>
             </a:lvl2pPr>
             <a:lvl3pPr marL="914400" indent="0">
               <a:buNone/>
-              <a:defRPr sz="1600"/>
+              <a:defRPr sz="2400"/>
             </a:lvl3pPr>
             <a:lvl4pPr marL="1371600" indent="0">
               <a:buNone/>
-              <a:defRPr sz="1600"/>
+              <a:defRPr sz="2000"/>
             </a:lvl4pPr>
             <a:lvl5pPr marL="1828800" indent="0">
               <a:buNone/>
-              <a:defRPr sz="1600"/>
+              <a:defRPr sz="2000"/>
             </a:lvl5pPr>
             <a:lvl6pPr marL="2286000" indent="0">
               <a:buNone/>
-              <a:defRPr sz="1600"/>
+              <a:defRPr sz="2000"/>
             </a:lvl6pPr>
             <a:lvl7pPr marL="2743200" indent="0">
               <a:buNone/>
-              <a:defRPr sz="1600"/>
+              <a:defRPr sz="2000"/>
             </a:lvl7pPr>
             <a:lvl8pPr marL="3200400" indent="0">
               <a:buNone/>
-              <a:defRPr sz="1600"/>
+              <a:defRPr sz="2000"/>
             </a:lvl8pPr>
             <a:lvl9pPr marL="3657600" indent="0">
               <a:buNone/>
-              <a:defRPr sz="1600"/>
+              <a:defRPr sz="2000"/>
             </a:lvl9pPr>
           </a:lstStyle>
           <a:p>
@@ -10933,18 +8839,28 @@
         </p:nvSpPr>
         <p:spPr>
           <a:xfrm>
-            <a:off x="1482724" y="3124199"/>
-            <a:ext cx="5426158" cy="1828800"/>
+            <a:off x="1097280" y="5907023"/>
+            <a:ext cx="10113264" cy="594360"/>
           </a:xfrm>
         </p:spPr>
         <p:txBody>
-          <a:bodyPr>
+          <a:bodyPr lIns="91440" tIns="0" rIns="91440" bIns="0">
             <a:normAutofit/>
           </a:bodyPr>
           <a:lstStyle>
-            <a:lvl1pPr marL="0" indent="0" algn="ctr">
+            <a:lvl1pPr marL="0" indent="0">
+              <a:spcBef>
+                <a:spcPts val="0"/>
+              </a:spcBef>
+              <a:spcAft>
+                <a:spcPts val="600"/>
+              </a:spcAft>
               <a:buNone/>
-              <a:defRPr sz="1800"/>
+              <a:defRPr sz="1500">
+                <a:solidFill>
+                  <a:srgbClr val="FFFFFF"/>
+                </a:solidFill>
+              </a:defRPr>
             </a:lvl1pPr>
             <a:lvl2pPr marL="457200" indent="0">
               <a:buNone/>
@@ -11005,7 +8921,7 @@
           <a:p>
             <a:fld id="{9EA15526-7079-4B7B-987C-1B5FAE11A0FF}" type="datetime1">
               <a:rPr lang="en-US" smtClean="0"/>
-              <a:t>2/23/2023</a:t>
+              <a:t>9/23/2023</a:t>
             </a:fld>
             <a:endParaRPr lang="en-US" dirty="0"/>
           </a:p>
@@ -11057,7 +8973,7 @@
     </p:spTree>
     <p:extLst>
       <p:ext uri="{BB962C8B-B14F-4D97-AF65-F5344CB8AC3E}">
-        <p14:creationId xmlns:p14="http://schemas.microsoft.com/office/powerpoint/2010/main" val="677018429"/>
+        <p14:creationId xmlns:p14="http://schemas.microsoft.com/office/powerpoint/2010/main" val="1287399818"/>
       </p:ext>
     </p:extLst>
   </p:cSld>
@@ -11071,8 +8987,8 @@
 <p:sldMaster xmlns:a="http://schemas.openxmlformats.org/drawingml/2006/main" xmlns:r="http://schemas.openxmlformats.org/officeDocument/2006/relationships" xmlns:p="http://schemas.openxmlformats.org/presentationml/2006/main">
   <p:cSld>
     <p:bg>
-      <p:bgRef idx="1003">
-        <a:schemeClr val="bg2"/>
+      <p:bgRef idx="1001">
+        <a:schemeClr val="bg1"/>
       </p:bgRef>
     </p:bg>
     <p:spTree>
@@ -11089,322 +9005,82 @@
           <a:chExt cx="0" cy="0"/>
         </a:xfrm>
       </p:grpSpPr>
-      <p:grpSp>
-        <p:nvGrpSpPr>
-          <p:cNvPr id="7" name="Group 6"/>
-          <p:cNvGrpSpPr/>
+      <p:sp>
+        <p:nvSpPr>
+          <p:cNvPr id="7" name="Rectangle 6"/>
+          <p:cNvSpPr/>
           <p:nvPr/>
-        </p:nvGrpSpPr>
-        <p:grpSpPr>
+        </p:nvSpPr>
+        <p:spPr>
           <a:xfrm>
-            <a:off x="150812" y="0"/>
-            <a:ext cx="2436813" cy="6858001"/>
-            <a:chOff x="1320800" y="0"/>
-            <a:chExt cx="2436813" cy="6858001"/>
+            <a:off x="1" y="6400800"/>
+            <a:ext cx="12192000" cy="457200"/>
           </a:xfrm>
-        </p:grpSpPr>
-        <p:sp>
-          <p:nvSpPr>
-            <p:cNvPr id="8" name="Freeform 6"/>
-            <p:cNvSpPr/>
-            <p:nvPr/>
-          </p:nvSpPr>
-          <p:spPr bwMode="auto">
-            <a:xfrm>
-              <a:off x="1627188" y="0"/>
-              <a:ext cx="1122363" cy="5329238"/>
-            </a:xfrm>
-            <a:custGeom>
-              <a:avLst/>
-              <a:gdLst/>
-              <a:ahLst/>
-              <a:cxnLst/>
-              <a:rect l="0" t="0" r="r" b="b"/>
-              <a:pathLst>
-                <a:path w="707" h="3357">
-                  <a:moveTo>
-                    <a:pt x="0" y="3330"/>
-                  </a:moveTo>
-                  <a:lnTo>
-                    <a:pt x="156" y="3357"/>
-                  </a:lnTo>
-                  <a:lnTo>
-                    <a:pt x="707" y="0"/>
-                  </a:lnTo>
-                  <a:lnTo>
-                    <a:pt x="547" y="0"/>
-                  </a:lnTo>
-                  <a:lnTo>
-                    <a:pt x="0" y="3330"/>
-                  </a:lnTo>
-                  <a:close/>
-                </a:path>
-              </a:pathLst>
-            </a:custGeom>
-            <a:solidFill>
-              <a:schemeClr val="accent1"/>
-            </a:solidFill>
-            <a:ln>
-              <a:noFill/>
-            </a:ln>
-          </p:spPr>
-        </p:sp>
-        <p:sp>
-          <p:nvSpPr>
-            <p:cNvPr id="9" name="Freeform 7"/>
-            <p:cNvSpPr/>
-            <p:nvPr/>
-          </p:nvSpPr>
-          <p:spPr bwMode="auto">
-            <a:xfrm>
-              <a:off x="1320800" y="0"/>
-              <a:ext cx="1117600" cy="5276850"/>
-            </a:xfrm>
-            <a:custGeom>
-              <a:avLst/>
-              <a:gdLst/>
-              <a:ahLst/>
-              <a:cxnLst/>
-              <a:rect l="0" t="0" r="r" b="b"/>
-              <a:pathLst>
-                <a:path w="704" h="3324">
-                  <a:moveTo>
-                    <a:pt x="704" y="0"/>
-                  </a:moveTo>
-                  <a:lnTo>
-                    <a:pt x="545" y="0"/>
-                  </a:lnTo>
-                  <a:lnTo>
-                    <a:pt x="0" y="3300"/>
-                  </a:lnTo>
-                  <a:lnTo>
-                    <a:pt x="157" y="3324"/>
-                  </a:lnTo>
-                  <a:lnTo>
-                    <a:pt x="704" y="0"/>
-                  </a:lnTo>
-                  <a:close/>
-                </a:path>
-              </a:pathLst>
-            </a:custGeom>
-            <a:solidFill>
-              <a:schemeClr val="tx1">
-                <a:lumMod val="65000"/>
-                <a:lumOff val="35000"/>
-              </a:schemeClr>
-            </a:solidFill>
-            <a:ln>
-              <a:noFill/>
-            </a:ln>
-          </p:spPr>
-        </p:sp>
-        <p:sp>
-          <p:nvSpPr>
-            <p:cNvPr id="10" name="Freeform 8"/>
-            <p:cNvSpPr/>
-            <p:nvPr/>
-          </p:nvSpPr>
-          <p:spPr bwMode="auto">
-            <a:xfrm>
-              <a:off x="1320800" y="5238750"/>
-              <a:ext cx="1228725" cy="1619250"/>
-            </a:xfrm>
-            <a:custGeom>
-              <a:avLst/>
-              <a:gdLst/>
-              <a:ahLst/>
-              <a:cxnLst/>
-              <a:rect l="0" t="0" r="r" b="b"/>
-              <a:pathLst>
-                <a:path w="774" h="1020">
-                  <a:moveTo>
-                    <a:pt x="0" y="0"/>
-                  </a:moveTo>
-                  <a:lnTo>
-                    <a:pt x="740" y="1020"/>
-                  </a:lnTo>
-                  <a:lnTo>
-                    <a:pt x="774" y="1020"/>
-                  </a:lnTo>
-                  <a:lnTo>
-                    <a:pt x="0" y="0"/>
-                  </a:lnTo>
-                  <a:close/>
-                </a:path>
-              </a:pathLst>
-            </a:custGeom>
-            <a:solidFill>
-              <a:schemeClr val="tx1">
-                <a:lumMod val="85000"/>
-                <a:lumOff val="15000"/>
-              </a:schemeClr>
-            </a:solidFill>
-            <a:ln>
-              <a:noFill/>
-            </a:ln>
-          </p:spPr>
-        </p:sp>
-        <p:sp>
-          <p:nvSpPr>
-            <p:cNvPr id="11" name="Freeform 9"/>
-            <p:cNvSpPr/>
-            <p:nvPr/>
-          </p:nvSpPr>
-          <p:spPr bwMode="auto">
-            <a:xfrm>
-              <a:off x="1627188" y="5291138"/>
-              <a:ext cx="1495425" cy="1566863"/>
-            </a:xfrm>
-            <a:custGeom>
-              <a:avLst/>
-              <a:gdLst/>
-              <a:ahLst/>
-              <a:cxnLst/>
-              <a:rect l="0" t="0" r="r" b="b"/>
-              <a:pathLst>
-                <a:path w="942" h="987">
-                  <a:moveTo>
-                    <a:pt x="0" y="0"/>
-                  </a:moveTo>
-                  <a:lnTo>
-                    <a:pt x="909" y="987"/>
-                  </a:lnTo>
-                  <a:lnTo>
-                    <a:pt x="942" y="987"/>
-                  </a:lnTo>
-                  <a:lnTo>
-                    <a:pt x="0" y="0"/>
-                  </a:lnTo>
-                  <a:close/>
-                </a:path>
-              </a:pathLst>
-            </a:custGeom>
-            <a:solidFill>
-              <a:schemeClr val="accent1">
-                <a:lumMod val="50000"/>
-              </a:schemeClr>
-            </a:solidFill>
-            <a:ln>
-              <a:noFill/>
-            </a:ln>
-          </p:spPr>
-        </p:sp>
-        <p:sp>
-          <p:nvSpPr>
-            <p:cNvPr id="12" name="Freeform 10"/>
-            <p:cNvSpPr/>
-            <p:nvPr/>
-          </p:nvSpPr>
-          <p:spPr bwMode="auto">
-            <a:xfrm>
-              <a:off x="1627188" y="5286375"/>
-              <a:ext cx="2130425" cy="1571625"/>
-            </a:xfrm>
-            <a:custGeom>
-              <a:avLst/>
-              <a:gdLst/>
-              <a:ahLst/>
-              <a:cxnLst/>
-              <a:rect l="0" t="0" r="r" b="b"/>
-              <a:pathLst>
-                <a:path w="1342" h="990">
-                  <a:moveTo>
-                    <a:pt x="0" y="3"/>
-                  </a:moveTo>
-                  <a:lnTo>
-                    <a:pt x="942" y="990"/>
-                  </a:lnTo>
-                  <a:lnTo>
-                    <a:pt x="1342" y="990"/>
-                  </a:lnTo>
-                  <a:lnTo>
-                    <a:pt x="156" y="27"/>
-                  </a:lnTo>
-                  <a:lnTo>
-                    <a:pt x="0" y="0"/>
-                  </a:lnTo>
-                  <a:lnTo>
-                    <a:pt x="0" y="3"/>
-                  </a:lnTo>
-                  <a:close/>
-                </a:path>
-              </a:pathLst>
-            </a:custGeom>
-            <a:solidFill>
-              <a:schemeClr val="accent1">
-                <a:lumMod val="75000"/>
-              </a:schemeClr>
-            </a:solidFill>
-            <a:ln>
-              <a:noFill/>
-            </a:ln>
-          </p:spPr>
-        </p:sp>
-        <p:sp>
-          <p:nvSpPr>
-            <p:cNvPr id="13" name="Freeform 11"/>
-            <p:cNvSpPr/>
-            <p:nvPr/>
-          </p:nvSpPr>
-          <p:spPr bwMode="auto">
-            <a:xfrm>
-              <a:off x="1320800" y="5238750"/>
-              <a:ext cx="1695450" cy="1619250"/>
-            </a:xfrm>
-            <a:custGeom>
-              <a:avLst/>
-              <a:gdLst/>
-              <a:ahLst/>
-              <a:cxnLst/>
-              <a:rect l="0" t="0" r="r" b="b"/>
-              <a:pathLst>
-                <a:path w="1068" h="1020">
-                  <a:moveTo>
-                    <a:pt x="1068" y="1020"/>
-                  </a:moveTo>
-                  <a:lnTo>
-                    <a:pt x="184" y="60"/>
-                  </a:lnTo>
-                  <a:lnTo>
-                    <a:pt x="154" y="27"/>
-                  </a:lnTo>
-                  <a:lnTo>
-                    <a:pt x="157" y="27"/>
-                  </a:lnTo>
-                  <a:lnTo>
-                    <a:pt x="157" y="24"/>
-                  </a:lnTo>
-                  <a:lnTo>
-                    <a:pt x="154" y="24"/>
-                  </a:lnTo>
-                  <a:lnTo>
-                    <a:pt x="0" y="0"/>
-                  </a:lnTo>
-                  <a:lnTo>
-                    <a:pt x="0" y="0"/>
-                  </a:lnTo>
-                  <a:lnTo>
-                    <a:pt x="774" y="1020"/>
-                  </a:lnTo>
-                  <a:lnTo>
-                    <a:pt x="1068" y="1020"/>
-                  </a:lnTo>
-                  <a:close/>
-                </a:path>
-              </a:pathLst>
-            </a:custGeom>
-            <a:solidFill>
-              <a:schemeClr val="tx1">
-                <a:lumMod val="75000"/>
-                <a:lumOff val="25000"/>
-              </a:schemeClr>
-            </a:solidFill>
-            <a:ln>
-              <a:noFill/>
-            </a:ln>
-          </p:spPr>
-        </p:sp>
-      </p:grpSp>
+          <a:prstGeom prst="rect">
+            <a:avLst/>
+          </a:prstGeom>
+          <a:solidFill>
+            <a:schemeClr val="accent2"/>
+          </a:solidFill>
+          <a:ln>
+            <a:noFill/>
+          </a:ln>
+        </p:spPr>
+        <p:style>
+          <a:lnRef idx="2">
+            <a:schemeClr val="accent1">
+              <a:shade val="50000"/>
+            </a:schemeClr>
+          </a:lnRef>
+          <a:fillRef idx="1">
+            <a:schemeClr val="accent1"/>
+          </a:fillRef>
+          <a:effectRef idx="0">
+            <a:schemeClr val="accent1"/>
+          </a:effectRef>
+          <a:fontRef idx="minor">
+            <a:schemeClr val="lt1"/>
+          </a:fontRef>
+        </p:style>
+      </p:sp>
+      <p:sp>
+        <p:nvSpPr>
+          <p:cNvPr id="9" name="Rectangle 8"/>
+          <p:cNvSpPr/>
+          <p:nvPr/>
+        </p:nvSpPr>
+        <p:spPr>
+          <a:xfrm>
+            <a:off x="0" y="6334316"/>
+            <a:ext cx="12192001" cy="65998"/>
+          </a:xfrm>
+          <a:prstGeom prst="rect">
+            <a:avLst/>
+          </a:prstGeom>
+          <a:solidFill>
+            <a:schemeClr val="accent1"/>
+          </a:solidFill>
+          <a:ln>
+            <a:noFill/>
+          </a:ln>
+        </p:spPr>
+        <p:style>
+          <a:lnRef idx="2">
+            <a:schemeClr val="accent1">
+              <a:shade val="50000"/>
+            </a:schemeClr>
+          </a:lnRef>
+          <a:fillRef idx="1">
+            <a:schemeClr val="accent1"/>
+          </a:fillRef>
+          <a:effectRef idx="0">
+            <a:schemeClr val="accent1"/>
+          </a:effectRef>
+          <a:fontRef idx="minor">
+            <a:schemeClr val="lt1"/>
+          </a:fontRef>
+        </p:style>
+      </p:sp>
       <p:sp>
         <p:nvSpPr>
           <p:cNvPr id="2" name="Title Placeholder 1"/>
@@ -11417,16 +9093,15 @@
         </p:nvSpPr>
         <p:spPr>
           <a:xfrm>
-            <a:off x="1484311" y="685800"/>
-            <a:ext cx="10018713" cy="1752599"/>
+            <a:off x="1097280" y="286603"/>
+            <a:ext cx="10058400" cy="1450757"/>
           </a:xfrm>
           <a:prstGeom prst="rect">
             <a:avLst/>
           </a:prstGeom>
-          <a:effectLst/>
         </p:spPr>
         <p:txBody>
-          <a:bodyPr vert="horz" lIns="91440" tIns="45720" rIns="91440" bIns="45720" rtlCol="0" anchor="ctr">
+          <a:bodyPr vert="horz" lIns="91440" tIns="45720" rIns="91440" bIns="45720" rtlCol="0" anchor="b">
             <a:normAutofit/>
           </a:bodyPr>
           <a:lstStyle/>
@@ -11451,15 +9126,15 @@
         </p:nvSpPr>
         <p:spPr>
           <a:xfrm>
-            <a:off x="1484310" y="2666999"/>
-            <a:ext cx="10018713" cy="3124201"/>
+            <a:off x="1097280" y="1845734"/>
+            <a:ext cx="10058400" cy="4023360"/>
           </a:xfrm>
           <a:prstGeom prst="rect">
             <a:avLst/>
           </a:prstGeom>
         </p:spPr>
         <p:txBody>
-          <a:bodyPr vert="horz" lIns="91440" tIns="45720" rIns="91440" bIns="45720" rtlCol="0" anchor="ctr">
+          <a:bodyPr vert="horz" lIns="0" tIns="45720" rIns="0" bIns="45720" rtlCol="0">
             <a:normAutofit/>
           </a:bodyPr>
           <a:lstStyle/>
@@ -11513,8 +9188,8 @@
         </p:nvSpPr>
         <p:spPr>
           <a:xfrm>
-            <a:off x="9732656" y="5883275"/>
-            <a:ext cx="1143000" cy="365125"/>
+            <a:off x="1097280" y="6459785"/>
+            <a:ext cx="2472271" cy="365125"/>
           </a:xfrm>
           <a:prstGeom prst="rect">
             <a:avLst/>
@@ -11523,20 +9198,18 @@
         <p:txBody>
           <a:bodyPr vert="horz" lIns="91440" tIns="45720" rIns="91440" bIns="45720" rtlCol="0" anchor="ctr"/>
           <a:lstStyle>
-            <a:lvl1pPr algn="r">
-              <a:defRPr sz="1000" b="0" i="0">
+            <a:lvl1pPr algn="l">
+              <a:defRPr sz="900">
                 <a:solidFill>
-                  <a:schemeClr val="tx1"/>
+                  <a:srgbClr val="FFFFFF"/>
                 </a:solidFill>
-                <a:effectLst/>
-                <a:latin typeface="+mn-lt"/>
               </a:defRPr>
             </a:lvl1pPr>
           </a:lstStyle>
           <a:p>
             <a:fld id="{073ED0CC-082F-4160-86E5-0D6041F12778}" type="datetime1">
               <a:rPr lang="en-US" smtClean="0"/>
-              <a:t>2/23/2023</a:t>
+              <a:t>9/23/2023</a:t>
             </a:fld>
             <a:endParaRPr lang="en-US" dirty="0"/>
           </a:p>
@@ -11554,8 +9227,8 @@
         </p:nvSpPr>
         <p:spPr>
           <a:xfrm>
-            <a:off x="2572279" y="5883275"/>
-            <a:ext cx="7084177" cy="365125"/>
+            <a:off x="3686185" y="6459785"/>
+            <a:ext cx="4822804" cy="365125"/>
           </a:xfrm>
           <a:prstGeom prst="rect">
             <a:avLst/>
@@ -11564,13 +9237,11 @@
         <p:txBody>
           <a:bodyPr vert="horz" lIns="91440" tIns="45720" rIns="91440" bIns="45720" rtlCol="0" anchor="ctr"/>
           <a:lstStyle>
-            <a:lvl1pPr algn="l">
-              <a:defRPr sz="1000" b="0" i="0">
+            <a:lvl1pPr algn="ctr">
+              <a:defRPr sz="900" cap="all" baseline="0">
                 <a:solidFill>
-                  <a:schemeClr val="tx1"/>
+                  <a:srgbClr val="FFFFFF"/>
                 </a:solidFill>
-                <a:effectLst/>
-                <a:latin typeface="+mn-lt"/>
               </a:defRPr>
             </a:lvl1pPr>
           </a:lstStyle>
@@ -11591,8 +9262,8 @@
         </p:nvSpPr>
         <p:spPr>
           <a:xfrm>
-            <a:off x="10951856" y="5883275"/>
-            <a:ext cx="551167" cy="365125"/>
+            <a:off x="9900458" y="6459785"/>
+            <a:ext cx="1312025" cy="365125"/>
           </a:xfrm>
           <a:prstGeom prst="rect">
             <a:avLst/>
@@ -11602,12 +9273,10 @@
           <a:bodyPr vert="horz" lIns="91440" tIns="45720" rIns="91440" bIns="45720" rtlCol="0" anchor="ctr"/>
           <a:lstStyle>
             <a:lvl1pPr algn="r">
-              <a:defRPr sz="1000" b="0" i="0">
+              <a:defRPr sz="1050">
                 <a:solidFill>
-                  <a:schemeClr val="tx1"/>
+                  <a:srgbClr val="FFFFFF"/>
                 </a:solidFill>
-                <a:effectLst/>
-                <a:latin typeface="+mn-lt"/>
               </a:defRPr>
             </a:lvl1pPr>
           </a:lstStyle>
@@ -11620,332 +9289,329 @@
           </a:p>
         </p:txBody>
       </p:sp>
+      <p:cxnSp>
+        <p:nvCxnSpPr>
+          <p:cNvPr id="10" name="Straight Connector 9"/>
+          <p:cNvCxnSpPr/>
+          <p:nvPr/>
+        </p:nvCxnSpPr>
+        <p:spPr>
+          <a:xfrm>
+            <a:off x="1193532" y="1737845"/>
+            <a:ext cx="9966960" cy="0"/>
+          </a:xfrm>
+          <a:prstGeom prst="line">
+            <a:avLst/>
+          </a:prstGeom>
+          <a:ln w="6350">
+            <a:solidFill>
+              <a:schemeClr val="tx1">
+                <a:lumMod val="50000"/>
+                <a:lumOff val="50000"/>
+              </a:schemeClr>
+            </a:solidFill>
+          </a:ln>
+        </p:spPr>
+        <p:style>
+          <a:lnRef idx="1">
+            <a:schemeClr val="accent1"/>
+          </a:lnRef>
+          <a:fillRef idx="0">
+            <a:schemeClr val="accent1"/>
+          </a:fillRef>
+          <a:effectRef idx="0">
+            <a:schemeClr val="accent1"/>
+          </a:effectRef>
+          <a:fontRef idx="minor">
+            <a:schemeClr val="tx1"/>
+          </a:fontRef>
+        </p:style>
+      </p:cxnSp>
     </p:spTree>
     <p:extLst>
       <p:ext uri="{BB962C8B-B14F-4D97-AF65-F5344CB8AC3E}">
-        <p14:creationId xmlns:p14="http://schemas.microsoft.com/office/powerpoint/2010/main" val="2720990245"/>
+        <p14:creationId xmlns:p14="http://schemas.microsoft.com/office/powerpoint/2010/main" val="3068743550"/>
       </p:ext>
     </p:extLst>
   </p:cSld>
   <p:clrMap bg1="lt1" tx1="dk1" bg2="lt2" tx2="dk2" accent1="accent1" accent2="accent2" accent3="accent3" accent4="accent4" accent5="accent5" accent6="accent6" hlink="hlink" folHlink="folHlink"/>
   <p:sldLayoutIdLst>
-    <p:sldLayoutId id="2147483790" r:id="rId1"/>
-    <p:sldLayoutId id="2147483791" r:id="rId2"/>
-    <p:sldLayoutId id="2147483792" r:id="rId3"/>
-    <p:sldLayoutId id="2147483793" r:id="rId4"/>
-    <p:sldLayoutId id="2147483794" r:id="rId5"/>
-    <p:sldLayoutId id="2147483795" r:id="rId6"/>
-    <p:sldLayoutId id="2147483796" r:id="rId7"/>
-    <p:sldLayoutId id="2147483797" r:id="rId8"/>
-    <p:sldLayoutId id="2147483798" r:id="rId9"/>
-    <p:sldLayoutId id="2147483799" r:id="rId10"/>
-    <p:sldLayoutId id="2147483800" r:id="rId11"/>
-    <p:sldLayoutId id="2147483801" r:id="rId12"/>
-    <p:sldLayoutId id="2147483802" r:id="rId13"/>
-    <p:sldLayoutId id="2147483803" r:id="rId14"/>
-    <p:sldLayoutId id="2147483804" r:id="rId15"/>
-    <p:sldLayoutId id="2147483805" r:id="rId16"/>
-    <p:sldLayoutId id="2147483806" r:id="rId17"/>
+    <p:sldLayoutId id="2147484011" r:id="rId1"/>
+    <p:sldLayoutId id="2147484012" r:id="rId2"/>
+    <p:sldLayoutId id="2147484013" r:id="rId3"/>
+    <p:sldLayoutId id="2147484014" r:id="rId4"/>
+    <p:sldLayoutId id="2147484015" r:id="rId5"/>
+    <p:sldLayoutId id="2147484016" r:id="rId6"/>
+    <p:sldLayoutId id="2147484017" r:id="rId7"/>
+    <p:sldLayoutId id="2147484018" r:id="rId8"/>
+    <p:sldLayoutId id="2147484019" r:id="rId9"/>
+    <p:sldLayoutId id="2147484020" r:id="rId10"/>
+    <p:sldLayoutId id="2147484021" r:id="rId11"/>
   </p:sldLayoutIdLst>
   <p:hf sldNum="0" hdr="0" ftr="0" dt="0"/>
   <p:txStyles>
     <p:titleStyle>
-      <a:lvl1pPr algn="ctr" defTabSz="457200" rtl="0" eaLnBrk="1" latinLnBrk="0" hangingPunct="1">
+      <a:lvl1pPr algn="l" defTabSz="914400" rtl="0" eaLnBrk="1" latinLnBrk="0" hangingPunct="1">
+        <a:lnSpc>
+          <a:spcPct val="85000"/>
+        </a:lnSpc>
         <a:spcBef>
           <a:spcPct val="0"/>
         </a:spcBef>
         <a:buNone/>
-        <a:defRPr sz="4000" kern="1200" cap="none">
-          <a:ln w="3175" cmpd="sng">
-            <a:noFill/>
-          </a:ln>
+        <a:defRPr sz="4800" kern="1200" spc="-50" baseline="0">
           <a:solidFill>
-            <a:schemeClr val="tx1"/>
+            <a:schemeClr val="tx1">
+              <a:lumMod val="75000"/>
+              <a:lumOff val="25000"/>
+            </a:schemeClr>
           </a:solidFill>
-          <a:effectLst/>
           <a:latin typeface="+mj-lt"/>
           <a:ea typeface="+mj-ea"/>
           <a:cs typeface="+mj-cs"/>
         </a:defRPr>
       </a:lvl1pPr>
-      <a:lvl2pPr eaLnBrk="1" hangingPunct="1">
-        <a:defRPr>
-          <a:solidFill>
-            <a:schemeClr val="tx2"/>
-          </a:solidFill>
-        </a:defRPr>
-      </a:lvl2pPr>
-      <a:lvl3pPr eaLnBrk="1" hangingPunct="1">
-        <a:defRPr>
-          <a:solidFill>
-            <a:schemeClr val="tx2"/>
-          </a:solidFill>
-        </a:defRPr>
-      </a:lvl3pPr>
-      <a:lvl4pPr eaLnBrk="1" hangingPunct="1">
-        <a:defRPr>
-          <a:solidFill>
-            <a:schemeClr val="tx2"/>
-          </a:solidFill>
-        </a:defRPr>
-      </a:lvl4pPr>
-      <a:lvl5pPr eaLnBrk="1" hangingPunct="1">
-        <a:defRPr>
-          <a:solidFill>
-            <a:schemeClr val="tx2"/>
-          </a:solidFill>
-        </a:defRPr>
-      </a:lvl5pPr>
-      <a:lvl6pPr eaLnBrk="1" hangingPunct="1">
-        <a:defRPr>
-          <a:solidFill>
-            <a:schemeClr val="tx2"/>
-          </a:solidFill>
-        </a:defRPr>
-      </a:lvl6pPr>
-      <a:lvl7pPr eaLnBrk="1" hangingPunct="1">
-        <a:defRPr>
-          <a:solidFill>
-            <a:schemeClr val="tx2"/>
-          </a:solidFill>
-        </a:defRPr>
-      </a:lvl7pPr>
-      <a:lvl8pPr eaLnBrk="1" hangingPunct="1">
-        <a:defRPr>
-          <a:solidFill>
-            <a:schemeClr val="tx2"/>
-          </a:solidFill>
-        </a:defRPr>
-      </a:lvl8pPr>
-      <a:lvl9pPr eaLnBrk="1" hangingPunct="1">
-        <a:defRPr>
-          <a:solidFill>
-            <a:schemeClr val="tx2"/>
-          </a:solidFill>
-        </a:defRPr>
-      </a:lvl9pPr>
     </p:titleStyle>
     <p:bodyStyle>
-      <a:lvl1pPr marL="285750" indent="-285750" algn="l" defTabSz="457200" rtl="0" eaLnBrk="1" latinLnBrk="0" hangingPunct="1">
+      <a:lvl1pPr marL="91440" indent="-91440" algn="l" defTabSz="914400" rtl="0" eaLnBrk="1" latinLnBrk="0" hangingPunct="1">
+        <a:lnSpc>
+          <a:spcPct val="90000"/>
+        </a:lnSpc>
         <a:spcBef>
-          <a:spcPct val="20000"/>
+          <a:spcPts val="1200"/>
         </a:spcBef>
         <a:spcAft>
-          <a:spcPts val="600"/>
+          <a:spcPts val="200"/>
         </a:spcAft>
         <a:buClr>
-          <a:schemeClr val="accent1">
-            <a:lumMod val="75000"/>
-          </a:schemeClr>
+          <a:schemeClr val="accent1"/>
         </a:buClr>
-        <a:buSzPct val="145000"/>
-        <a:buFont typeface="Arial"/>
-        <a:buChar char="•"/>
-        <a:defRPr sz="2400" kern="1200" cap="none">
+        <a:buSzPct val="100000"/>
+        <a:buFont typeface="Calibri" panose="020F0502020204030204" pitchFamily="34" charset="0"/>
+        <a:buChar char=" "/>
+        <a:defRPr sz="2000" kern="1200">
           <a:solidFill>
-            <a:schemeClr val="tx1"/>
+            <a:schemeClr val="tx1">
+              <a:lumMod val="75000"/>
+              <a:lumOff val="25000"/>
+            </a:schemeClr>
           </a:solidFill>
-          <a:effectLst/>
           <a:latin typeface="+mn-lt"/>
           <a:ea typeface="+mn-ea"/>
           <a:cs typeface="+mn-cs"/>
         </a:defRPr>
       </a:lvl1pPr>
-      <a:lvl2pPr marL="742950" indent="-285750" algn="l" defTabSz="457200" rtl="0" eaLnBrk="1" latinLnBrk="0" hangingPunct="1">
+      <a:lvl2pPr marL="384048" indent="-182880" algn="l" defTabSz="914400" rtl="0" eaLnBrk="1" latinLnBrk="0" hangingPunct="1">
+        <a:lnSpc>
+          <a:spcPct val="90000"/>
+        </a:lnSpc>
         <a:spcBef>
-          <a:spcPct val="20000"/>
+          <a:spcPts val="200"/>
         </a:spcBef>
         <a:spcAft>
-          <a:spcPts val="600"/>
+          <a:spcPts val="400"/>
         </a:spcAft>
         <a:buClr>
-          <a:schemeClr val="accent1">
-            <a:lumMod val="75000"/>
-          </a:schemeClr>
+          <a:schemeClr val="accent1"/>
         </a:buClr>
-        <a:buSzPct val="145000"/>
-        <a:buFont typeface="Arial"/>
-        <a:buChar char="•"/>
-        <a:defRPr sz="2000" kern="1200" cap="none">
+        <a:buFont typeface="Calibri" pitchFamily="34" charset="0"/>
+        <a:buChar char="◦"/>
+        <a:defRPr sz="1800" kern="1200">
           <a:solidFill>
-            <a:schemeClr val="tx1"/>
+            <a:schemeClr val="tx1">
+              <a:lumMod val="75000"/>
+              <a:lumOff val="25000"/>
+            </a:schemeClr>
           </a:solidFill>
-          <a:effectLst/>
           <a:latin typeface="+mn-lt"/>
           <a:ea typeface="+mn-ea"/>
           <a:cs typeface="+mn-cs"/>
         </a:defRPr>
       </a:lvl2pPr>
-      <a:lvl3pPr marL="1200150" indent="-285750" algn="l" defTabSz="457200" rtl="0" eaLnBrk="1" latinLnBrk="0" hangingPunct="1">
+      <a:lvl3pPr marL="566928" indent="-182880" algn="l" defTabSz="914400" rtl="0" eaLnBrk="1" latinLnBrk="0" hangingPunct="1">
+        <a:lnSpc>
+          <a:spcPct val="90000"/>
+        </a:lnSpc>
         <a:spcBef>
-          <a:spcPct val="20000"/>
+          <a:spcPts val="200"/>
         </a:spcBef>
         <a:spcAft>
-          <a:spcPts val="600"/>
+          <a:spcPts val="400"/>
         </a:spcAft>
         <a:buClr>
-          <a:schemeClr val="accent1">
-            <a:lumMod val="75000"/>
-          </a:schemeClr>
+          <a:schemeClr val="accent1"/>
         </a:buClr>
-        <a:buSzPct val="145000"/>
-        <a:buFont typeface="Arial"/>
-        <a:buChar char="•"/>
-        <a:defRPr sz="1800" kern="1200" cap="none">
+        <a:buFont typeface="Calibri" pitchFamily="34" charset="0"/>
+        <a:buChar char="◦"/>
+        <a:defRPr sz="1400" kern="1200">
           <a:solidFill>
-            <a:schemeClr val="tx1"/>
+            <a:schemeClr val="tx1">
+              <a:lumMod val="75000"/>
+              <a:lumOff val="25000"/>
+            </a:schemeClr>
           </a:solidFill>
-          <a:effectLst/>
           <a:latin typeface="+mn-lt"/>
           <a:ea typeface="+mn-ea"/>
           <a:cs typeface="+mn-cs"/>
         </a:defRPr>
       </a:lvl3pPr>
-      <a:lvl4pPr marL="1543050" indent="-171450" algn="l" defTabSz="457200" rtl="0" eaLnBrk="1" latinLnBrk="0" hangingPunct="1">
+      <a:lvl4pPr marL="749808" indent="-182880" algn="l" defTabSz="914400" rtl="0" eaLnBrk="1" latinLnBrk="0" hangingPunct="1">
+        <a:lnSpc>
+          <a:spcPct val="90000"/>
+        </a:lnSpc>
         <a:spcBef>
-          <a:spcPct val="20000"/>
+          <a:spcPts val="200"/>
         </a:spcBef>
         <a:spcAft>
-          <a:spcPts val="600"/>
+          <a:spcPts val="400"/>
         </a:spcAft>
         <a:buClr>
-          <a:schemeClr val="accent1">
-            <a:lumMod val="75000"/>
-          </a:schemeClr>
+          <a:schemeClr val="accent1"/>
         </a:buClr>
-        <a:buSzPct val="145000"/>
-        <a:buFont typeface="Arial"/>
-        <a:buChar char="•"/>
-        <a:defRPr sz="1600" kern="1200" cap="none">
+        <a:buFont typeface="Calibri" pitchFamily="34" charset="0"/>
+        <a:buChar char="◦"/>
+        <a:defRPr sz="1400" kern="1200">
           <a:solidFill>
-            <a:schemeClr val="tx1"/>
+            <a:schemeClr val="tx1">
+              <a:lumMod val="75000"/>
+              <a:lumOff val="25000"/>
+            </a:schemeClr>
           </a:solidFill>
-          <a:effectLst/>
           <a:latin typeface="+mn-lt"/>
           <a:ea typeface="+mn-ea"/>
           <a:cs typeface="+mn-cs"/>
         </a:defRPr>
       </a:lvl4pPr>
-      <a:lvl5pPr marL="2000250" indent="-171450" algn="l" defTabSz="457200" rtl="0" eaLnBrk="1" latinLnBrk="0" hangingPunct="1">
+      <a:lvl5pPr marL="932688" indent="-182880" algn="l" defTabSz="914400" rtl="0" eaLnBrk="1" latinLnBrk="0" hangingPunct="1">
+        <a:lnSpc>
+          <a:spcPct val="90000"/>
+        </a:lnSpc>
         <a:spcBef>
-          <a:spcPct val="20000"/>
+          <a:spcPts val="200"/>
         </a:spcBef>
         <a:spcAft>
-          <a:spcPts val="600"/>
+          <a:spcPts val="400"/>
         </a:spcAft>
         <a:buClr>
-          <a:schemeClr val="accent1">
-            <a:lumMod val="75000"/>
-          </a:schemeClr>
+          <a:schemeClr val="accent1"/>
         </a:buClr>
-        <a:buSzPct val="145000"/>
-        <a:buFont typeface="Arial"/>
-        <a:buChar char="•"/>
-        <a:defRPr sz="1400" kern="1200" cap="none">
+        <a:buFont typeface="Calibri" pitchFamily="34" charset="0"/>
+        <a:buChar char="◦"/>
+        <a:defRPr sz="1400" kern="1200">
           <a:solidFill>
-            <a:schemeClr val="tx1"/>
+            <a:schemeClr val="tx1">
+              <a:lumMod val="75000"/>
+              <a:lumOff val="25000"/>
+            </a:schemeClr>
           </a:solidFill>
-          <a:effectLst/>
           <a:latin typeface="+mn-lt"/>
           <a:ea typeface="+mn-ea"/>
           <a:cs typeface="+mn-cs"/>
         </a:defRPr>
       </a:lvl5pPr>
-      <a:lvl6pPr marL="2514600" indent="-228600" algn="l" defTabSz="457200" rtl="0" eaLnBrk="1" latinLnBrk="0" hangingPunct="1">
+      <a:lvl6pPr marL="1100000" indent="-228600" algn="l" defTabSz="914400" rtl="0" eaLnBrk="1" latinLnBrk="0" hangingPunct="1">
+        <a:lnSpc>
+          <a:spcPct val="90000"/>
+        </a:lnSpc>
         <a:spcBef>
-          <a:spcPct val="20000"/>
+          <a:spcPts val="200"/>
         </a:spcBef>
         <a:spcAft>
-          <a:spcPts val="600"/>
+          <a:spcPts val="400"/>
         </a:spcAft>
         <a:buClr>
-          <a:schemeClr val="accent1">
-            <a:lumMod val="75000"/>
-          </a:schemeClr>
+          <a:schemeClr val="accent1"/>
         </a:buClr>
-        <a:buSzPct val="145000"/>
-        <a:buFont typeface="Arial"/>
-        <a:buChar char="•"/>
-        <a:defRPr sz="1400" kern="1200" cap="none">
+        <a:buFont typeface="Calibri" pitchFamily="34" charset="0"/>
+        <a:buChar char="◦"/>
+        <a:defRPr sz="1400" kern="1200">
           <a:solidFill>
-            <a:schemeClr val="tx1"/>
+            <a:schemeClr val="tx1">
+              <a:lumMod val="75000"/>
+              <a:lumOff val="25000"/>
+            </a:schemeClr>
           </a:solidFill>
-          <a:effectLst/>
           <a:latin typeface="+mn-lt"/>
           <a:ea typeface="+mn-ea"/>
           <a:cs typeface="+mn-cs"/>
         </a:defRPr>
       </a:lvl6pPr>
-      <a:lvl7pPr marL="2971800" indent="-228600" algn="l" defTabSz="457200" rtl="0" eaLnBrk="1" latinLnBrk="0" hangingPunct="1">
+      <a:lvl7pPr marL="1300000" indent="-228600" algn="l" defTabSz="914400" rtl="0" eaLnBrk="1" latinLnBrk="0" hangingPunct="1">
+        <a:lnSpc>
+          <a:spcPct val="90000"/>
+        </a:lnSpc>
         <a:spcBef>
-          <a:spcPct val="20000"/>
+          <a:spcPts val="200"/>
         </a:spcBef>
         <a:spcAft>
-          <a:spcPts val="600"/>
+          <a:spcPts val="400"/>
         </a:spcAft>
         <a:buClr>
-          <a:schemeClr val="accent1">
-            <a:lumMod val="75000"/>
-          </a:schemeClr>
+          <a:schemeClr val="accent1"/>
         </a:buClr>
-        <a:buSzPct val="145000"/>
-        <a:buFont typeface="Arial"/>
-        <a:buChar char="•"/>
-        <a:defRPr sz="1400" kern="1200" cap="none">
+        <a:buFont typeface="Calibri" pitchFamily="34" charset="0"/>
+        <a:buChar char="◦"/>
+        <a:defRPr sz="1400" kern="1200">
           <a:solidFill>
-            <a:schemeClr val="tx1"/>
+            <a:schemeClr val="tx1">
+              <a:lumMod val="75000"/>
+              <a:lumOff val="25000"/>
+            </a:schemeClr>
           </a:solidFill>
-          <a:effectLst/>
           <a:latin typeface="+mn-lt"/>
           <a:ea typeface="+mn-ea"/>
           <a:cs typeface="+mn-cs"/>
         </a:defRPr>
       </a:lvl7pPr>
-      <a:lvl8pPr marL="3429000" indent="-228600" algn="l" defTabSz="457200" rtl="0" eaLnBrk="1" latinLnBrk="0" hangingPunct="1">
+      <a:lvl8pPr marL="1500000" indent="-228600" algn="l" defTabSz="914400" rtl="0" eaLnBrk="1" latinLnBrk="0" hangingPunct="1">
+        <a:lnSpc>
+          <a:spcPct val="90000"/>
+        </a:lnSpc>
         <a:spcBef>
-          <a:spcPct val="20000"/>
+          <a:spcPts val="200"/>
         </a:spcBef>
         <a:spcAft>
-          <a:spcPts val="600"/>
+          <a:spcPts val="400"/>
         </a:spcAft>
         <a:buClr>
-          <a:schemeClr val="accent1">
-            <a:lumMod val="75000"/>
-          </a:schemeClr>
+          <a:schemeClr val="accent1"/>
         </a:buClr>
-        <a:buSzPct val="145000"/>
-        <a:buFont typeface="Arial"/>
-        <a:buChar char="•"/>
-        <a:defRPr sz="1400" kern="1200" cap="none">
+        <a:buFont typeface="Calibri" pitchFamily="34" charset="0"/>
+        <a:buChar char="◦"/>
+        <a:defRPr sz="1400" kern="1200">
           <a:solidFill>
-            <a:schemeClr val="tx1"/>
+            <a:schemeClr val="tx1">
+              <a:lumMod val="75000"/>
+              <a:lumOff val="25000"/>
+            </a:schemeClr>
           </a:solidFill>
-          <a:effectLst/>
           <a:latin typeface="+mn-lt"/>
           <a:ea typeface="+mn-ea"/>
           <a:cs typeface="+mn-cs"/>
         </a:defRPr>
       </a:lvl8pPr>
-      <a:lvl9pPr marL="3886200" indent="-228600" algn="l" defTabSz="457200" rtl="0" eaLnBrk="1" latinLnBrk="0" hangingPunct="1">
+      <a:lvl9pPr marL="1700000" indent="-228600" algn="l" defTabSz="914400" rtl="0" eaLnBrk="1" latinLnBrk="0" hangingPunct="1">
+        <a:lnSpc>
+          <a:spcPct val="90000"/>
+        </a:lnSpc>
         <a:spcBef>
-          <a:spcPct val="20000"/>
+          <a:spcPts val="200"/>
         </a:spcBef>
         <a:spcAft>
-          <a:spcPts val="600"/>
+          <a:spcPts val="400"/>
         </a:spcAft>
         <a:buClr>
-          <a:schemeClr val="accent1">
-            <a:lumMod val="75000"/>
-          </a:schemeClr>
+          <a:schemeClr val="accent1"/>
         </a:buClr>
-        <a:buSzPct val="145000"/>
-        <a:buFont typeface="Arial"/>
-        <a:buChar char="•"/>
-        <a:defRPr sz="1400" kern="1200" cap="none">
+        <a:buFont typeface="Calibri" pitchFamily="34" charset="0"/>
+        <a:buChar char="◦"/>
+        <a:defRPr sz="1400" kern="1200">
           <a:solidFill>
-            <a:schemeClr val="tx1"/>
+            <a:schemeClr val="tx1">
+              <a:lumMod val="75000"/>
+              <a:lumOff val="25000"/>
+            </a:schemeClr>
           </a:solidFill>
-          <a:effectLst/>
           <a:latin typeface="+mn-lt"/>
           <a:ea typeface="+mn-ea"/>
           <a:cs typeface="+mn-cs"/>
@@ -11956,7 +9622,7 @@
       <a:defPPr>
         <a:defRPr lang="en-US"/>
       </a:defPPr>
-      <a:lvl1pPr marL="0" algn="l" defTabSz="457200" rtl="0" eaLnBrk="1" latinLnBrk="0" hangingPunct="1">
+      <a:lvl1pPr marL="0" algn="l" defTabSz="914400" rtl="0" eaLnBrk="1" latinLnBrk="0" hangingPunct="1">
         <a:defRPr sz="1800" kern="1200">
           <a:solidFill>
             <a:schemeClr val="tx1"/>
@@ -11966,7 +9632,7 @@
           <a:cs typeface="+mn-cs"/>
         </a:defRPr>
       </a:lvl1pPr>
-      <a:lvl2pPr marL="457200" algn="l" defTabSz="457200" rtl="0" eaLnBrk="1" latinLnBrk="0" hangingPunct="1">
+      <a:lvl2pPr marL="457200" algn="l" defTabSz="914400" rtl="0" eaLnBrk="1" latinLnBrk="0" hangingPunct="1">
         <a:defRPr sz="1800" kern="1200">
           <a:solidFill>
             <a:schemeClr val="tx1"/>
@@ -11976,7 +9642,7 @@
           <a:cs typeface="+mn-cs"/>
         </a:defRPr>
       </a:lvl2pPr>
-      <a:lvl3pPr marL="914400" algn="l" defTabSz="457200" rtl="0" eaLnBrk="1" latinLnBrk="0" hangingPunct="1">
+      <a:lvl3pPr marL="914400" algn="l" defTabSz="914400" rtl="0" eaLnBrk="1" latinLnBrk="0" hangingPunct="1">
         <a:defRPr sz="1800" kern="1200">
           <a:solidFill>
             <a:schemeClr val="tx1"/>
@@ -11986,7 +9652,7 @@
           <a:cs typeface="+mn-cs"/>
         </a:defRPr>
       </a:lvl3pPr>
-      <a:lvl4pPr marL="1371600" algn="l" defTabSz="457200" rtl="0" eaLnBrk="1" latinLnBrk="0" hangingPunct="1">
+      <a:lvl4pPr marL="1371600" algn="l" defTabSz="914400" rtl="0" eaLnBrk="1" latinLnBrk="0" hangingPunct="1">
         <a:defRPr sz="1800" kern="1200">
           <a:solidFill>
             <a:schemeClr val="tx1"/>
@@ -11996,7 +9662,7 @@
           <a:cs typeface="+mn-cs"/>
         </a:defRPr>
       </a:lvl4pPr>
-      <a:lvl5pPr marL="1828800" algn="l" defTabSz="457200" rtl="0" eaLnBrk="1" latinLnBrk="0" hangingPunct="1">
+      <a:lvl5pPr marL="1828800" algn="l" defTabSz="914400" rtl="0" eaLnBrk="1" latinLnBrk="0" hangingPunct="1">
         <a:defRPr sz="1800" kern="1200">
           <a:solidFill>
             <a:schemeClr val="tx1"/>
@@ -12006,7 +9672,7 @@
           <a:cs typeface="+mn-cs"/>
         </a:defRPr>
       </a:lvl5pPr>
-      <a:lvl6pPr marL="2286000" algn="l" defTabSz="457200" rtl="0" eaLnBrk="1" latinLnBrk="0" hangingPunct="1">
+      <a:lvl6pPr marL="2286000" algn="l" defTabSz="914400" rtl="0" eaLnBrk="1" latinLnBrk="0" hangingPunct="1">
         <a:defRPr sz="1800" kern="1200">
           <a:solidFill>
             <a:schemeClr val="tx1"/>
@@ -12016,7 +9682,7 @@
           <a:cs typeface="+mn-cs"/>
         </a:defRPr>
       </a:lvl6pPr>
-      <a:lvl7pPr marL="2743200" algn="l" defTabSz="457200" rtl="0" eaLnBrk="1" latinLnBrk="0" hangingPunct="1">
+      <a:lvl7pPr marL="2743200" algn="l" defTabSz="914400" rtl="0" eaLnBrk="1" latinLnBrk="0" hangingPunct="1">
         <a:defRPr sz="1800" kern="1200">
           <a:solidFill>
             <a:schemeClr val="tx1"/>
@@ -12026,7 +9692,7 @@
           <a:cs typeface="+mn-cs"/>
         </a:defRPr>
       </a:lvl7pPr>
-      <a:lvl8pPr marL="3200400" algn="l" defTabSz="457200" rtl="0" eaLnBrk="1" latinLnBrk="0" hangingPunct="1">
+      <a:lvl8pPr marL="3200400" algn="l" defTabSz="914400" rtl="0" eaLnBrk="1" latinLnBrk="0" hangingPunct="1">
         <a:defRPr sz="1800" kern="1200">
           <a:solidFill>
             <a:schemeClr val="tx1"/>
@@ -12036,7 +9702,7 @@
           <a:cs typeface="+mn-cs"/>
         </a:defRPr>
       </a:lvl8pPr>
-      <a:lvl9pPr marL="3657600" algn="l" defTabSz="457200" rtl="0" eaLnBrk="1" latinLnBrk="0" hangingPunct="1">
+      <a:lvl9pPr marL="3657600" algn="l" defTabSz="914400" rtl="0" eaLnBrk="1" latinLnBrk="0" hangingPunct="1">
         <a:defRPr sz="1800" kern="1200">
           <a:solidFill>
             <a:schemeClr val="tx1"/>
@@ -12161,42 +9827,6 @@
           </a:p>
         </p:txBody>
       </p:sp>
-      <p:sp>
-        <p:nvSpPr>
-          <p:cNvPr id="3" name="Subtitle 2">
-            <a:extLst>
-              <a:ext uri="{FF2B5EF4-FFF2-40B4-BE49-F238E27FC236}">
-                <a16:creationId xmlns:a16="http://schemas.microsoft.com/office/drawing/2014/main" id="{DB93FB3F-A8D4-46D3-A1C6-C79C64563729}"/>
-              </a:ext>
-            </a:extLst>
-          </p:cNvPr>
-          <p:cNvSpPr>
-            <a:spLocks noGrp="1"/>
-          </p:cNvSpPr>
-          <p:nvPr>
-            <p:ph type="subTitle" idx="1"/>
-          </p:nvPr>
-        </p:nvSpPr>
-        <p:spPr>
-          <a:xfrm>
-            <a:off x="8493833" y="5097046"/>
-            <a:ext cx="2198880" cy="455257"/>
-          </a:xfrm>
-        </p:spPr>
-        <p:txBody>
-          <a:bodyPr>
-            <a:normAutofit/>
-          </a:bodyPr>
-          <a:lstStyle/>
-          <a:p>
-            <a:pPr algn="l"/>
-            <a:r>
-              <a:rPr lang="en-US" sz="2300" dirty="0"/>
-              <a:t>Shivam Shinde</a:t>
-            </a:r>
-          </a:p>
-        </p:txBody>
-      </p:sp>
     </p:spTree>
     <p:extLst>
       <p:ext uri="{BB962C8B-B14F-4D97-AF65-F5344CB8AC3E}">
@@ -12724,36 +10354,6 @@
             <a:r>
               <a:rPr lang="en-US" dirty="0"/>
               <a:t>Thank You</a:t>
-            </a:r>
-            <a:endParaRPr lang="en-IN" dirty="0"/>
-          </a:p>
-        </p:txBody>
-      </p:sp>
-      <p:sp>
-        <p:nvSpPr>
-          <p:cNvPr id="3" name="Subtitle 2">
-            <a:extLst>
-              <a:ext uri="{FF2B5EF4-FFF2-40B4-BE49-F238E27FC236}">
-                <a16:creationId xmlns:a16="http://schemas.microsoft.com/office/drawing/2014/main" id="{604E2836-8447-838E-B654-26096377451B}"/>
-              </a:ext>
-            </a:extLst>
-          </p:cNvPr>
-          <p:cNvSpPr>
-            <a:spLocks noGrp="1"/>
-          </p:cNvSpPr>
-          <p:nvPr>
-            <p:ph type="subTitle" idx="1"/>
-          </p:nvPr>
-        </p:nvSpPr>
-        <p:spPr/>
-        <p:txBody>
-          <a:bodyPr/>
-          <a:lstStyle/>
-          <a:p>
-            <a:pPr algn="r"/>
-            <a:r>
-              <a:rPr lang="en-US" dirty="0"/>
-              <a:t>Shivam Shinde</a:t>
             </a:r>
             <a:endParaRPr lang="en-IN" dirty="0"/>
           </a:p>
@@ -13090,7 +10690,7 @@
         <p:spPr/>
         <p:txBody>
           <a:bodyPr>
-            <a:normAutofit fontScale="92500" lnSpcReduction="20000"/>
+            <a:normAutofit/>
           </a:bodyPr>
           <a:lstStyle/>
           <a:p>
@@ -13620,7 +11220,7 @@
         <p:spPr/>
         <p:txBody>
           <a:bodyPr>
-            <a:normAutofit fontScale="92500"/>
+            <a:normAutofit/>
           </a:bodyPr>
           <a:lstStyle/>
           <a:p>
@@ -13779,62 +11379,62 @@
 </file>
 
 <file path=ppt/theme/theme1.xml><?xml version="1.0" encoding="utf-8"?>
-<a:theme xmlns:a="http://schemas.openxmlformats.org/drawingml/2006/main" name="Parallax">
+<a:theme xmlns:a="http://schemas.openxmlformats.org/drawingml/2006/main" name="Retrospect">
   <a:themeElements>
-    <a:clrScheme name="Parallax">
+    <a:clrScheme name="Retrospect">
       <a:dk1>
-        <a:sysClr val="windowText" lastClr="000000"/>
+        <a:srgbClr val="000000"/>
       </a:dk1>
       <a:lt1>
         <a:sysClr val="window" lastClr="FFFFFF"/>
       </a:lt1>
       <a:dk2>
-        <a:srgbClr val="212121"/>
+        <a:srgbClr val="637052"/>
       </a:dk2>
       <a:lt2>
-        <a:srgbClr val="CDD0D1"/>
+        <a:srgbClr val="CCDDEA"/>
       </a:lt2>
       <a:accent1>
-        <a:srgbClr val="8BB434"/>
+        <a:srgbClr val="E48312"/>
       </a:accent1>
       <a:accent2>
-        <a:srgbClr val="33A583"/>
+        <a:srgbClr val="BD582C"/>
       </a:accent2>
       <a:accent3>
-        <a:srgbClr val="3594B4"/>
+        <a:srgbClr val="865640"/>
       </a:accent3>
       <a:accent4>
-        <a:srgbClr val="6063B4"/>
+        <a:srgbClr val="9B8357"/>
       </a:accent4>
       <a:accent5>
-        <a:srgbClr val="D35731"/>
+        <a:srgbClr val="C2BC80"/>
       </a:accent5>
       <a:accent6>
-        <a:srgbClr val="EBAC4B"/>
+        <a:srgbClr val="94A088"/>
       </a:accent6>
       <a:hlink>
-        <a:srgbClr val="65AD30"/>
+        <a:srgbClr val="2998E3"/>
       </a:hlink>
       <a:folHlink>
-        <a:srgbClr val="8ED25B"/>
+        <a:srgbClr val="8C8C8C"/>
       </a:folHlink>
     </a:clrScheme>
-    <a:fontScheme name="Parallax">
+    <a:fontScheme name="Retrospect">
       <a:majorFont>
-        <a:latin typeface="Corbel" panose="020B0503020204020204"/>
+        <a:latin typeface="Calibri Light" panose="020F0302020204030204"/>
         <a:ea typeface=""/>
         <a:cs typeface=""/>
-        <a:font script="Jpan" typeface="HGｺﾞｼｯｸM"/>
-        <a:font script="Hang" typeface="HY엽서L"/>
-        <a:font script="Hans" typeface="华文楷体"/>
+        <a:font script="Jpan" typeface="ＭＳ Ｐゴシック"/>
+        <a:font script="Hang" typeface="맑은 고딕"/>
+        <a:font script="Hans" typeface="宋体"/>
         <a:font script="Hant" typeface="新細明體"/>
-        <a:font script="Arab" typeface="Tahoma"/>
-        <a:font script="Hebr" typeface="Miriam"/>
-        <a:font script="Thai" typeface="DilleniaUPC"/>
+        <a:font script="Arab" typeface="Times New Roman"/>
+        <a:font script="Hebr" typeface="Times New Roman"/>
+        <a:font script="Thai" typeface="Angsana New"/>
         <a:font script="Ethi" typeface="Nyala"/>
         <a:font script="Beng" typeface="Vrinda"/>
         <a:font script="Gujr" typeface="Shruti"/>
-        <a:font script="Khmr" typeface="DaunPenh"/>
+        <a:font script="Khmr" typeface="MoolBoran"/>
         <a:font script="Knda" typeface="Tunga"/>
         <a:font script="Guru" typeface="Raavi"/>
         <a:font script="Cans" typeface="Euphemia"/>
@@ -13851,21 +11451,21 @@
         <a:font script="Laoo" typeface="DokChampa"/>
         <a:font script="Sinh" typeface="Iskoola Pota"/>
         <a:font script="Mong" typeface="Mongolian Baiti"/>
-        <a:font script="Viet" typeface="Arial"/>
+        <a:font script="Viet" typeface="Times New Roman"/>
         <a:font script="Uigh" typeface="Microsoft Uighur"/>
         <a:font script="Geor" typeface="Sylfaen"/>
       </a:majorFont>
       <a:minorFont>
-        <a:latin typeface="Corbel" panose="020B0503020204020204"/>
+        <a:latin typeface="Calibri" panose="020F0502020204030204"/>
         <a:ea typeface=""/>
         <a:cs typeface=""/>
-        <a:font script="Jpan" typeface="HGｺﾞｼｯｸM"/>
-        <a:font script="Hang" typeface="HY엽서L"/>
-        <a:font script="Hans" typeface="华文楷体"/>
+        <a:font script="Jpan" typeface="ＭＳ Ｐゴシック"/>
+        <a:font script="Hang" typeface="맑은 고딕"/>
+        <a:font script="Hans" typeface="宋体"/>
         <a:font script="Hant" typeface="新細明體"/>
-        <a:font script="Arab" typeface="Tahoma"/>
-        <a:font script="Hebr" typeface="Miriam"/>
-        <a:font script="Thai" typeface="DilleniaUPC"/>
+        <a:font script="Arab" typeface="Arial"/>
+        <a:font script="Hebr" typeface="Arial"/>
+        <a:font script="Thai" typeface="Cordia New"/>
         <a:font script="Ethi" typeface="Nyala"/>
         <a:font script="Beng" typeface="Vrinda"/>
         <a:font script="Gujr" typeface="Shruti"/>
@@ -13891,7 +11491,7 @@
         <a:font script="Geor" typeface="Sylfaen"/>
       </a:minorFont>
     </a:fontScheme>
-    <a:fmtScheme name="Parallax">
+    <a:fmtScheme name="Retrospect">
       <a:fillStyleLst>
         <a:solidFill>
           <a:schemeClr val="phClr"/>
@@ -13900,54 +11500,77 @@
           <a:gsLst>
             <a:gs pos="0">
               <a:schemeClr val="phClr">
+                <a:tint val="65000"/>
+                <a:shade val="92000"/>
+                <a:satMod val="130000"/>
+              </a:schemeClr>
+            </a:gs>
+            <a:gs pos="45000">
+              <a:schemeClr val="phClr">
                 <a:tint val="60000"/>
-                <a:lumMod val="104000"/>
+                <a:shade val="99000"/>
+                <a:satMod val="120000"/>
               </a:schemeClr>
             </a:gs>
             <a:gs pos="100000">
               <a:schemeClr val="phClr">
-                <a:tint val="84000"/>
+                <a:tint val="55000"/>
+                <a:satMod val="140000"/>
               </a:schemeClr>
             </a:gs>
           </a:gsLst>
-          <a:lin ang="5400000" scaled="0"/>
+          <a:path path="circle">
+            <a:fillToRect l="100000" t="100000" r="100000" b="100000"/>
+          </a:path>
         </a:gradFill>
         <a:gradFill rotWithShape="1">
           <a:gsLst>
             <a:gs pos="0">
               <a:schemeClr val="phClr">
-                <a:tint val="96000"/>
-                <a:lumMod val="102000"/>
+                <a:shade val="85000"/>
+                <a:satMod val="130000"/>
+              </a:schemeClr>
+            </a:gs>
+            <a:gs pos="34000">
+              <a:schemeClr val="phClr">
+                <a:shade val="87000"/>
+                <a:satMod val="125000"/>
+              </a:schemeClr>
+            </a:gs>
+            <a:gs pos="70000">
+              <a:schemeClr val="phClr">
+                <a:tint val="100000"/>
+                <a:shade val="90000"/>
+                <a:satMod val="130000"/>
               </a:schemeClr>
             </a:gs>
             <a:gs pos="100000">
               <a:schemeClr val="phClr">
-                <a:shade val="88000"/>
-                <a:lumMod val="94000"/>
+                <a:tint val="100000"/>
+                <a:shade val="100000"/>
+                <a:satMod val="110000"/>
               </a:schemeClr>
             </a:gs>
           </a:gsLst>
           <a:path path="circle">
-            <a:fillToRect l="50000" t="100000" r="100000" b="50000"/>
+            <a:fillToRect l="100000" t="100000" r="100000" b="100000"/>
           </a:path>
         </a:gradFill>
       </a:fillStyleLst>
       <a:lnStyleLst>
-        <a:ln w="9525" cap="rnd" cmpd="sng" algn="ctr">
-          <a:solidFill>
-            <a:schemeClr val="phClr">
-              <a:tint val="60000"/>
-            </a:schemeClr>
-          </a:solidFill>
-          <a:prstDash val="solid"/>
-        </a:ln>
-        <a:ln w="15875" cap="rnd" cmpd="sng" algn="ctr">
+        <a:ln w="12700" cap="flat" cmpd="sng" algn="ctr">
           <a:solidFill>
             <a:schemeClr val="phClr"/>
           </a:solidFill>
           <a:prstDash val="solid"/>
         </a:ln>
-        <a:ln w="22225" cap="rnd" cmpd="sng" algn="ctr">
+        <a:ln w="15875" cap="flat" cmpd="sng" algn="ctr">
+          <a:solidFill>
+            <a:schemeClr val="phClr"/>
+          </a:solidFill>
+          <a:prstDash val="solid"/>
+        </a:ln>
+        <a:ln w="25400" cap="flat" cmpd="sng" algn="ctr">
           <a:solidFill>
             <a:schemeClr val="phClr"/>
           </a:solidFill>
@@ -13960,14 +11583,18 @@
         </a:effectStyle>
         <a:effectStyle>
           <a:effectLst>
-            <a:reflection blurRad="12700" stA="26000" endPos="32000" dist="12700" dir="5400000" sy="-100000" rotWithShape="0"/>
+            <a:outerShdw blurRad="38100" dist="25400" dir="2700000" algn="br" rotWithShape="0">
+              <a:srgbClr val="000000">
+                <a:alpha val="60000"/>
+              </a:srgbClr>
+            </a:outerShdw>
           </a:effectLst>
         </a:effectStyle>
         <a:effectStyle>
           <a:effectLst>
-            <a:outerShdw blurRad="38100" dist="25400" dir="5400000" rotWithShape="0">
+            <a:outerShdw blurRad="44450" dist="25400" dir="2700000" algn="br" rotWithShape="0">
               <a:srgbClr val="000000">
-                <a:alpha val="64000"/>
+                <a:alpha val="60000"/>
               </a:srgbClr>
             </a:outerShdw>
           </a:effectLst>
@@ -13975,12 +11602,12 @@
             <a:camera prst="orthographicFront">
               <a:rot lat="0" lon="0" rev="0"/>
             </a:camera>
-            <a:lightRig rig="threePt" dir="tl">
-              <a:rot lat="0" lon="0" rev="1200000"/>
+            <a:lightRig rig="threePt" dir="t">
+              <a:rot lat="0" lon="0" rev="19800000"/>
             </a:lightRig>
           </a:scene3d>
-          <a:sp3d>
-            <a:bevelT w="25400" h="12700"/>
+          <a:sp3d prstMaterial="flat">
+            <a:bevelT w="25400" h="31750"/>
           </a:sp3d>
         </a:effectStyle>
       </a:effectStyleLst>
@@ -13988,39 +11615,39 @@
         <a:solidFill>
           <a:schemeClr val="phClr"/>
         </a:solidFill>
+        <a:solidFill>
+          <a:schemeClr val="phClr">
+            <a:tint val="90000"/>
+            <a:shade val="97000"/>
+            <a:satMod val="130000"/>
+          </a:schemeClr>
+        </a:solidFill>
         <a:gradFill rotWithShape="1">
           <a:gsLst>
             <a:gs pos="0">
               <a:schemeClr val="phClr">
-                <a:tint val="90000"/>
-                <a:lumMod val="110000"/>
+                <a:tint val="96000"/>
+                <a:shade val="99000"/>
+                <a:satMod val="140000"/>
+              </a:schemeClr>
+            </a:gs>
+            <a:gs pos="65000">
+              <a:schemeClr val="phClr">
+                <a:tint val="100000"/>
+                <a:shade val="80000"/>
+                <a:satMod val="130000"/>
               </a:schemeClr>
             </a:gs>
             <a:gs pos="100000">
               <a:schemeClr val="phClr">
-                <a:shade val="64000"/>
-                <a:lumMod val="98000"/>
+                <a:tint val="100000"/>
+                <a:shade val="48000"/>
+                <a:satMod val="120000"/>
               </a:schemeClr>
             </a:gs>
           </a:gsLst>
-          <a:lin ang="5400000" scaled="0"/>
+          <a:lin ang="16200000" scaled="0"/>
         </a:gradFill>
-        <a:blipFill rotWithShape="1">
-          <a:blip xmlns:r="http://schemas.openxmlformats.org/officeDocument/2006/relationships" r:embed="rId1">
-            <a:duotone>
-              <a:schemeClr val="phClr">
-                <a:shade val="76000"/>
-                <a:satMod val="180000"/>
-              </a:schemeClr>
-              <a:schemeClr val="phClr">
-                <a:tint val="80000"/>
-                <a:satMod val="120000"/>
-                <a:lumMod val="180000"/>
-              </a:schemeClr>
-            </a:duotone>
-          </a:blip>
-          <a:stretch/>
-        </a:blipFill>
       </a:bgFillStyleLst>
     </a:fmtScheme>
   </a:themeElements>
@@ -14028,7 +11655,7 @@
   <a:extraClrSchemeLst/>
   <a:extLst>
     <a:ext uri="{05A4C25C-085E-4340-85A3-A5531E510DB2}">
-      <thm15:themeFamily xmlns:thm15="http://schemas.microsoft.com/office/thememl/2012/main" name="Parallax" id="{3388167B-A2EB-4685-9635-1831D9AEF8C4}" vid="{1A9F9826-882C-40B9-8F38-5A3B8CFD196D}"/>
+      <thm15:themeFamily xmlns:thm15="http://schemas.microsoft.com/office/thememl/2012/main" name="Retrospect" id="{5F128B03-DCCA-4EEB-AB3B-CF2899314A46}" vid="{3F1AAB62-24C6-49D2-8E01-B56FAC9A3DCD}"/>
     </a:ext>
   </a:extLst>
 </a:theme>
@@ -14330,24 +11957,6 @@
 </file>
 
 <file path=customXml/item1.xml><?xml version="1.0" encoding="utf-8"?>
-<p:properties xmlns:p="http://schemas.microsoft.com/office/2006/metadata/properties" xmlns:xsi="http://www.w3.org/2001/XMLSchema-instance" xmlns:pc="http://schemas.microsoft.com/office/infopath/2007/PartnerControls">
-  <documentManagement>
-    <Status xmlns="71af3243-3dd4-4a8d-8c0d-dd76da1f02a5">Not started</Status>
-    <MediaServiceKeyPoints xmlns="71af3243-3dd4-4a8d-8c0d-dd76da1f02a5" xsi:nil="true"/>
-  </documentManagement>
-</p:properties>
-</file>
-
-<file path=customXml/item2.xml><?xml version="1.0" encoding="utf-8"?>
-<?mso-contentType ?>
-<FormTemplates xmlns="http://schemas.microsoft.com/sharepoint/v3/contenttype/forms">
-  <Display>DocumentLibraryForm</Display>
-  <Edit>DocumentLibraryForm</Edit>
-  <New>DocumentLibraryForm</New>
-</FormTemplates>
-</file>
-
-<file path=customXml/item3.xml><?xml version="1.0" encoding="utf-8"?>
 <ct:contentTypeSchema xmlns:ct="http://schemas.microsoft.com/office/2006/metadata/contentType" xmlns:ma="http://schemas.microsoft.com/office/2006/metadata/properties/metaAttributes" ct:_="" ma:_="" ma:contentTypeName="Document" ma:contentTypeID="0x01010079F111ED35F8CC479449609E8A0923A6" ma:contentTypeVersion="12" ma:contentTypeDescription="Create a new document." ma:contentTypeScope="" ma:versionID="a410dd7f93c95333ffa1b60ed6adedd1">
   <xsd:schema xmlns:xsd="http://www.w3.org/2001/XMLSchema" xmlns:xs="http://www.w3.org/2001/XMLSchema" xmlns:p="http://schemas.microsoft.com/office/2006/metadata/properties" xmlns:ns2="71af3243-3dd4-4a8d-8c0d-dd76da1f02a5" xmlns:ns3="16c05727-aa75-4e4a-9b5f-8a80a1165891" targetNamespace="http://schemas.microsoft.com/office/2006/metadata/properties" ma:root="true" ma:fieldsID="a936d9baba76aa3866493feff160faab" ns2:_="" ns3:_="">
     <xsd:import namespace="71af3243-3dd4-4a8d-8c0d-dd76da1f02a5"/>
@@ -14568,25 +12177,25 @@
 </ct:contentTypeSchema>
 </file>
 
-<file path=customXml/itemProps1.xml><?xml version="1.0" encoding="utf-8"?>
-<ds:datastoreItem xmlns:ds="http://schemas.openxmlformats.org/officeDocument/2006/customXml" ds:itemID="{2C4C00F4-06E9-43E3-AD97-88A857CEFA82}">
-  <ds:schemaRefs>
-    <ds:schemaRef ds:uri="http://schemas.microsoft.com/office/2006/metadata/properties"/>
-    <ds:schemaRef ds:uri="http://schemas.microsoft.com/office/infopath/2007/PartnerControls"/>
-    <ds:schemaRef ds:uri="71af3243-3dd4-4a8d-8c0d-dd76da1f02a5"/>
-  </ds:schemaRefs>
-</ds:datastoreItem>
+<file path=customXml/item2.xml><?xml version="1.0" encoding="utf-8"?>
+<p:properties xmlns:p="http://schemas.microsoft.com/office/2006/metadata/properties" xmlns:xsi="http://www.w3.org/2001/XMLSchema-instance" xmlns:pc="http://schemas.microsoft.com/office/infopath/2007/PartnerControls">
+  <documentManagement>
+    <Status xmlns="71af3243-3dd4-4a8d-8c0d-dd76da1f02a5">Not started</Status>
+    <MediaServiceKeyPoints xmlns="71af3243-3dd4-4a8d-8c0d-dd76da1f02a5" xsi:nil="true"/>
+  </documentManagement>
+</p:properties>
 </file>
 
-<file path=customXml/itemProps2.xml><?xml version="1.0" encoding="utf-8"?>
-<ds:datastoreItem xmlns:ds="http://schemas.openxmlformats.org/officeDocument/2006/customXml" ds:itemID="{64B270AB-C138-415C-897E-3C24487DECF1}">
-  <ds:schemaRefs>
-    <ds:schemaRef ds:uri="http://schemas.microsoft.com/sharepoint/v3/contenttype/forms"/>
-  </ds:schemaRefs>
-</ds:datastoreItem>
+<file path=customXml/item3.xml><?xml version="1.0" encoding="utf-8"?>
+<?mso-contentType ?>
+<FormTemplates xmlns="http://schemas.microsoft.com/sharepoint/v3/contenttype/forms">
+  <Display>DocumentLibraryForm</Display>
+  <Edit>DocumentLibraryForm</Edit>
+  <New>DocumentLibraryForm</New>
+</FormTemplates>
 </file>
 
-<file path=customXml/itemProps3.xml><?xml version="1.0" encoding="utf-8"?>
+<file path=customXml/itemProps1.xml><?xml version="1.0" encoding="utf-8"?>
 <ds:datastoreItem xmlns:ds="http://schemas.openxmlformats.org/officeDocument/2006/customXml" ds:itemID="{0585E981-8C91-4205-A0C3-C991F42B4C9E}">
   <ds:schemaRefs>
     <ds:schemaRef ds:uri="http://schemas.microsoft.com/office/2006/metadata/contentType"/>
@@ -14603,4 +12212,22 @@
     <ds:schemaRef ds:uri="http://schemas.microsoft.com/internal/obd"/>
   </ds:schemaRefs>
 </ds:datastoreItem>
+</file>
+
+<file path=customXml/itemProps2.xml><?xml version="1.0" encoding="utf-8"?>
+<ds:datastoreItem xmlns:ds="http://schemas.openxmlformats.org/officeDocument/2006/customXml" ds:itemID="{2C4C00F4-06E9-43E3-AD97-88A857CEFA82}">
+  <ds:schemaRefs>
+    <ds:schemaRef ds:uri="http://schemas.microsoft.com/office/2006/metadata/properties"/>
+    <ds:schemaRef ds:uri="http://schemas.microsoft.com/office/infopath/2007/PartnerControls"/>
+    <ds:schemaRef ds:uri="71af3243-3dd4-4a8d-8c0d-dd76da1f02a5"/>
+  </ds:schemaRefs>
+</ds:datastoreItem>
+</file>
+
+<file path=customXml/itemProps3.xml><?xml version="1.0" encoding="utf-8"?>
+<ds:datastoreItem xmlns:ds="http://schemas.openxmlformats.org/officeDocument/2006/customXml" ds:itemID="{64B270AB-C138-415C-897E-3C24487DECF1}">
+  <ds:schemaRefs>
+    <ds:schemaRef ds:uri="http://schemas.microsoft.com/sharepoint/v3/contenttype/forms"/>
+  </ds:schemaRefs>
+</ds:datastoreItem>
 </file>